--- a/Презентация.pptx
+++ b/Презентация.pptx
@@ -2,15 +2,17 @@
 <file path=ppt/presentation.xml><?xml version="1.0" encoding="utf-8"?>
 <p:presentation xmlns:a="http://schemas.openxmlformats.org/drawingml/2006/main" xmlns:r="http://schemas.openxmlformats.org/officeDocument/2006/relationships" xmlns:p="http://schemas.openxmlformats.org/presentationml/2006/main" saveSubsetFonts="1">
   <p:sldMasterIdLst>
-    <p:sldMasterId id="2147483648" r:id="rId1"/>
+    <p:sldMasterId id="2147483660" r:id="rId1"/>
   </p:sldMasterIdLst>
   <p:sldIdLst>
     <p:sldId id="256" r:id="rId2"/>
     <p:sldId id="257" r:id="rId3"/>
-    <p:sldId id="258" r:id="rId4"/>
-    <p:sldId id="259" r:id="rId5"/>
-    <p:sldId id="260" r:id="rId6"/>
-    <p:sldId id="261" r:id="rId7"/>
+    <p:sldId id="262" r:id="rId4"/>
+    <p:sldId id="263" r:id="rId5"/>
+    <p:sldId id="258" r:id="rId6"/>
+    <p:sldId id="259" r:id="rId7"/>
+    <p:sldId id="260" r:id="rId8"/>
+    <p:sldId id="261" r:id="rId9"/>
   </p:sldIdLst>
   <p:sldSz cx="9144000" cy="6858000" type="screen4x3"/>
   <p:notesSz cx="6858000" cy="9144000"/>
@@ -109,11 +111,27 @@
       </a:defRPr>
     </a:lvl9pPr>
   </p:defaultTextStyle>
+  <p:extLst>
+    <p:ext uri="{EFAFB233-063F-42B5-8137-9DF3F51BA10A}">
+      <p15:sldGuideLst xmlns:p15="http://schemas.microsoft.com/office/powerpoint/2012/main">
+        <p15:guide id="1" orient="horz" pos="2160">
+          <p15:clr>
+            <a:srgbClr val="A4A3A4"/>
+          </p15:clr>
+        </p15:guide>
+        <p15:guide id="2" pos="2880">
+          <p15:clr>
+            <a:srgbClr val="A4A3A4"/>
+          </p15:clr>
+        </p15:guide>
+      </p15:sldGuideLst>
+    </p:ext>
+  </p:extLst>
 </p:presentation>
 </file>
 
 <file path=ppt/slideLayouts/slideLayout1.xml><?xml version="1.0" encoding="utf-8"?>
-<p:sldLayout xmlns:a="http://schemas.openxmlformats.org/drawingml/2006/main" xmlns:r="http://schemas.openxmlformats.org/officeDocument/2006/relationships" xmlns:p="http://schemas.openxmlformats.org/presentationml/2006/main" type="title" preserve="1">
+<p:sldLayout xmlns:a="http://schemas.openxmlformats.org/drawingml/2006/main" xmlns:r="http://schemas.openxmlformats.org/officeDocument/2006/relationships" xmlns:p="http://schemas.openxmlformats.org/presentationml/2006/main" showMasterSp="0" type="title" preserve="1">
   <p:cSld name="Титульный слайд">
     <p:spTree>
       <p:nvGrpSpPr>
@@ -129,9 +147,611 @@
           <a:chExt cx="0" cy="0"/>
         </a:xfrm>
       </p:grpSpPr>
-      <p:sp>
-        <p:nvSpPr>
-          <p:cNvPr id="2" name="Заголовок 1"/>
+      <p:grpSp>
+        <p:nvGrpSpPr>
+          <p:cNvPr id="7" name="Group 6"/>
+          <p:cNvGrpSpPr/>
+          <p:nvPr/>
+        </p:nvGrpSpPr>
+        <p:grpSpPr>
+          <a:xfrm>
+            <a:off x="-8466" y="-8468"/>
+            <a:ext cx="9169804" cy="6874935"/>
+            <a:chOff x="-8466" y="-8468"/>
+            <a:chExt cx="9169804" cy="6874935"/>
+          </a:xfrm>
+        </p:grpSpPr>
+        <p:cxnSp>
+          <p:nvCxnSpPr>
+            <p:cNvPr id="17" name="Straight Connector 16"/>
+            <p:cNvCxnSpPr/>
+            <p:nvPr/>
+          </p:nvCxnSpPr>
+          <p:spPr>
+            <a:xfrm flipV="1">
+              <a:off x="5130830" y="4175605"/>
+              <a:ext cx="4022475" cy="2682396"/>
+            </a:xfrm>
+            <a:prstGeom prst="line">
+              <a:avLst/>
+            </a:prstGeom>
+            <a:ln w="9525">
+              <a:solidFill>
+                <a:schemeClr val="bg1">
+                  <a:lumMod val="85000"/>
+                </a:schemeClr>
+              </a:solidFill>
+            </a:ln>
+          </p:spPr>
+          <p:style>
+            <a:lnRef idx="2">
+              <a:schemeClr val="accent1"/>
+            </a:lnRef>
+            <a:fillRef idx="0">
+              <a:schemeClr val="accent1"/>
+            </a:fillRef>
+            <a:effectRef idx="1">
+              <a:schemeClr val="accent1"/>
+            </a:effectRef>
+            <a:fontRef idx="minor">
+              <a:schemeClr val="tx1"/>
+            </a:fontRef>
+          </p:style>
+        </p:cxnSp>
+        <p:cxnSp>
+          <p:nvCxnSpPr>
+            <p:cNvPr id="18" name="Straight Connector 17"/>
+            <p:cNvCxnSpPr/>
+            <p:nvPr/>
+          </p:nvCxnSpPr>
+          <p:spPr>
+            <a:xfrm>
+              <a:off x="7042707" y="0"/>
+              <a:ext cx="1219200" cy="6858000"/>
+            </a:xfrm>
+            <a:prstGeom prst="line">
+              <a:avLst/>
+            </a:prstGeom>
+            <a:ln w="9525">
+              <a:solidFill>
+                <a:schemeClr val="bg1">
+                  <a:lumMod val="75000"/>
+                </a:schemeClr>
+              </a:solidFill>
+            </a:ln>
+          </p:spPr>
+          <p:style>
+            <a:lnRef idx="2">
+              <a:schemeClr val="accent1"/>
+            </a:lnRef>
+            <a:fillRef idx="0">
+              <a:schemeClr val="accent1"/>
+            </a:fillRef>
+            <a:effectRef idx="1">
+              <a:schemeClr val="accent1"/>
+            </a:effectRef>
+            <a:fontRef idx="minor">
+              <a:schemeClr val="tx1"/>
+            </a:fontRef>
+          </p:style>
+        </p:cxnSp>
+        <p:sp>
+          <p:nvSpPr>
+            <p:cNvPr id="19" name="Freeform 18"/>
+            <p:cNvSpPr/>
+            <p:nvPr/>
+          </p:nvSpPr>
+          <p:spPr>
+            <a:xfrm>
+              <a:off x="6891896" y="1"/>
+              <a:ext cx="2269442" cy="6866466"/>
+            </a:xfrm>
+            <a:custGeom>
+              <a:avLst/>
+              <a:gdLst/>
+              <a:ahLst/>
+              <a:cxnLst/>
+              <a:rect l="l" t="t" r="r" b="b"/>
+              <a:pathLst>
+                <a:path w="2269442" h="6866466">
+                  <a:moveTo>
+                    <a:pt x="2023534" y="0"/>
+                  </a:moveTo>
+                  <a:lnTo>
+                    <a:pt x="0" y="6858000"/>
+                  </a:lnTo>
+                  <a:lnTo>
+                    <a:pt x="2269067" y="6866466"/>
+                  </a:lnTo>
+                  <a:cubicBezTo>
+                    <a:pt x="2271889" y="4580466"/>
+                    <a:pt x="2257778" y="2294466"/>
+                    <a:pt x="2260600" y="8466"/>
+                  </a:cubicBezTo>
+                  <a:lnTo>
+                    <a:pt x="2023534" y="0"/>
+                  </a:lnTo>
+                  <a:close/>
+                </a:path>
+              </a:pathLst>
+            </a:custGeom>
+            <a:solidFill>
+              <a:schemeClr val="accent1">
+                <a:alpha val="30000"/>
+              </a:schemeClr>
+            </a:solidFill>
+            <a:ln>
+              <a:noFill/>
+            </a:ln>
+            <a:effectLst/>
+          </p:spPr>
+          <p:style>
+            <a:lnRef idx="1">
+              <a:schemeClr val="accent1"/>
+            </a:lnRef>
+            <a:fillRef idx="3">
+              <a:schemeClr val="accent1"/>
+            </a:fillRef>
+            <a:effectRef idx="2">
+              <a:schemeClr val="accent1"/>
+            </a:effectRef>
+            <a:fontRef idx="minor">
+              <a:schemeClr val="lt1"/>
+            </a:fontRef>
+          </p:style>
+        </p:sp>
+        <p:sp>
+          <p:nvSpPr>
+            <p:cNvPr id="20" name="Freeform 19"/>
+            <p:cNvSpPr/>
+            <p:nvPr/>
+          </p:nvSpPr>
+          <p:spPr>
+            <a:xfrm>
+              <a:off x="7205158" y="-8467"/>
+              <a:ext cx="1948147" cy="6866467"/>
+            </a:xfrm>
+            <a:custGeom>
+              <a:avLst/>
+              <a:gdLst/>
+              <a:ahLst/>
+              <a:cxnLst/>
+              <a:rect l="l" t="t" r="r" b="b"/>
+              <a:pathLst>
+                <a:path w="1948147" h="6866467">
+                  <a:moveTo>
+                    <a:pt x="0" y="0"/>
+                  </a:moveTo>
+                  <a:lnTo>
+                    <a:pt x="1202267" y="6866467"/>
+                  </a:lnTo>
+                  <a:lnTo>
+                    <a:pt x="1947333" y="6866467"/>
+                  </a:lnTo>
+                  <a:cubicBezTo>
+                    <a:pt x="1944511" y="4577645"/>
+                    <a:pt x="1950155" y="2288822"/>
+                    <a:pt x="1947333" y="0"/>
+                  </a:cubicBezTo>
+                  <a:lnTo>
+                    <a:pt x="0" y="0"/>
+                  </a:lnTo>
+                  <a:close/>
+                </a:path>
+              </a:pathLst>
+            </a:custGeom>
+            <a:solidFill>
+              <a:schemeClr val="accent1">
+                <a:alpha val="20000"/>
+              </a:schemeClr>
+            </a:solidFill>
+            <a:ln>
+              <a:noFill/>
+            </a:ln>
+            <a:effectLst/>
+          </p:spPr>
+          <p:style>
+            <a:lnRef idx="1">
+              <a:schemeClr val="accent1"/>
+            </a:lnRef>
+            <a:fillRef idx="3">
+              <a:schemeClr val="accent1"/>
+            </a:fillRef>
+            <a:effectRef idx="2">
+              <a:schemeClr val="accent1"/>
+            </a:effectRef>
+            <a:fontRef idx="minor">
+              <a:schemeClr val="lt1"/>
+            </a:fontRef>
+          </p:style>
+        </p:sp>
+        <p:sp>
+          <p:nvSpPr>
+            <p:cNvPr id="21" name="Freeform 20"/>
+            <p:cNvSpPr/>
+            <p:nvPr/>
+          </p:nvSpPr>
+          <p:spPr>
+            <a:xfrm>
+              <a:off x="6637896" y="3920066"/>
+              <a:ext cx="2513565" cy="2937933"/>
+            </a:xfrm>
+            <a:custGeom>
+              <a:avLst/>
+              <a:gdLst/>
+              <a:ahLst/>
+              <a:cxnLst/>
+              <a:rect l="l" t="t" r="r" b="b"/>
+              <a:pathLst>
+                <a:path w="3259667" h="3810000">
+                  <a:moveTo>
+                    <a:pt x="0" y="3810000"/>
+                  </a:moveTo>
+                  <a:lnTo>
+                    <a:pt x="3251200" y="0"/>
+                  </a:lnTo>
+                  <a:cubicBezTo>
+                    <a:pt x="3254022" y="1270000"/>
+                    <a:pt x="3256845" y="2540000"/>
+                    <a:pt x="3259667" y="3810000"/>
+                  </a:cubicBezTo>
+                  <a:lnTo>
+                    <a:pt x="0" y="3810000"/>
+                  </a:lnTo>
+                  <a:close/>
+                </a:path>
+              </a:pathLst>
+            </a:custGeom>
+            <a:solidFill>
+              <a:schemeClr val="accent2">
+                <a:alpha val="72000"/>
+              </a:schemeClr>
+            </a:solidFill>
+            <a:ln>
+              <a:noFill/>
+            </a:ln>
+            <a:effectLst/>
+          </p:spPr>
+          <p:style>
+            <a:lnRef idx="1">
+              <a:schemeClr val="accent1"/>
+            </a:lnRef>
+            <a:fillRef idx="3">
+              <a:schemeClr val="accent1"/>
+            </a:fillRef>
+            <a:effectRef idx="2">
+              <a:schemeClr val="accent1"/>
+            </a:effectRef>
+            <a:fontRef idx="minor">
+              <a:schemeClr val="lt1"/>
+            </a:fontRef>
+          </p:style>
+        </p:sp>
+        <p:sp>
+          <p:nvSpPr>
+            <p:cNvPr id="22" name="Freeform 21"/>
+            <p:cNvSpPr/>
+            <p:nvPr/>
+          </p:nvSpPr>
+          <p:spPr>
+            <a:xfrm>
+              <a:off x="7010429" y="-8467"/>
+              <a:ext cx="2142876" cy="6866467"/>
+            </a:xfrm>
+            <a:custGeom>
+              <a:avLst/>
+              <a:gdLst/>
+              <a:ahLst/>
+              <a:cxnLst/>
+              <a:rect l="l" t="t" r="r" b="b"/>
+              <a:pathLst>
+                <a:path w="2853267" h="6866467">
+                  <a:moveTo>
+                    <a:pt x="0" y="0"/>
+                  </a:moveTo>
+                  <a:lnTo>
+                    <a:pt x="2472267" y="6866467"/>
+                  </a:lnTo>
+                  <a:lnTo>
+                    <a:pt x="2853267" y="6858000"/>
+                  </a:lnTo>
+                  <a:lnTo>
+                    <a:pt x="2853267" y="0"/>
+                  </a:lnTo>
+                  <a:lnTo>
+                    <a:pt x="0" y="0"/>
+                  </a:lnTo>
+                  <a:close/>
+                </a:path>
+              </a:pathLst>
+            </a:custGeom>
+            <a:solidFill>
+              <a:schemeClr val="accent2">
+                <a:lumMod val="75000"/>
+                <a:alpha val="70000"/>
+              </a:schemeClr>
+            </a:solidFill>
+            <a:ln>
+              <a:noFill/>
+            </a:ln>
+            <a:effectLst/>
+          </p:spPr>
+          <p:style>
+            <a:lnRef idx="1">
+              <a:schemeClr val="accent1"/>
+            </a:lnRef>
+            <a:fillRef idx="3">
+              <a:schemeClr val="accent1"/>
+            </a:fillRef>
+            <a:effectRef idx="2">
+              <a:schemeClr val="accent1"/>
+            </a:effectRef>
+            <a:fontRef idx="minor">
+              <a:schemeClr val="lt1"/>
+            </a:fontRef>
+          </p:style>
+        </p:sp>
+        <p:sp>
+          <p:nvSpPr>
+            <p:cNvPr id="23" name="Freeform 22"/>
+            <p:cNvSpPr/>
+            <p:nvPr/>
+          </p:nvSpPr>
+          <p:spPr>
+            <a:xfrm>
+              <a:off x="8295776" y="-8467"/>
+              <a:ext cx="857530" cy="6866467"/>
+            </a:xfrm>
+            <a:custGeom>
+              <a:avLst/>
+              <a:gdLst/>
+              <a:ahLst/>
+              <a:cxnLst/>
+              <a:rect l="l" t="t" r="r" b="b"/>
+              <a:pathLst>
+                <a:path w="1286933" h="6866467">
+                  <a:moveTo>
+                    <a:pt x="1016000" y="0"/>
+                  </a:moveTo>
+                  <a:lnTo>
+                    <a:pt x="0" y="6866467"/>
+                  </a:lnTo>
+                  <a:lnTo>
+                    <a:pt x="1286933" y="6866467"/>
+                  </a:lnTo>
+                  <a:cubicBezTo>
+                    <a:pt x="1284111" y="4577645"/>
+                    <a:pt x="1281288" y="2288822"/>
+                    <a:pt x="1278466" y="0"/>
+                  </a:cubicBezTo>
+                  <a:lnTo>
+                    <a:pt x="1016000" y="0"/>
+                  </a:lnTo>
+                  <a:close/>
+                </a:path>
+              </a:pathLst>
+            </a:custGeom>
+            <a:solidFill>
+              <a:schemeClr val="accent1">
+                <a:lumMod val="60000"/>
+                <a:lumOff val="40000"/>
+                <a:alpha val="70000"/>
+              </a:schemeClr>
+            </a:solidFill>
+            <a:ln>
+              <a:noFill/>
+            </a:ln>
+            <a:effectLst/>
+          </p:spPr>
+          <p:style>
+            <a:lnRef idx="1">
+              <a:schemeClr val="accent1"/>
+            </a:lnRef>
+            <a:fillRef idx="3">
+              <a:schemeClr val="accent1"/>
+            </a:fillRef>
+            <a:effectRef idx="2">
+              <a:schemeClr val="accent1"/>
+            </a:effectRef>
+            <a:fontRef idx="minor">
+              <a:schemeClr val="lt1"/>
+            </a:fontRef>
+          </p:style>
+        </p:sp>
+        <p:sp>
+          <p:nvSpPr>
+            <p:cNvPr id="24" name="Freeform 23"/>
+            <p:cNvSpPr/>
+            <p:nvPr/>
+          </p:nvSpPr>
+          <p:spPr>
+            <a:xfrm>
+              <a:off x="8077231" y="-8468"/>
+              <a:ext cx="1066770" cy="6866467"/>
+            </a:xfrm>
+            <a:custGeom>
+              <a:avLst/>
+              <a:gdLst/>
+              <a:ahLst/>
+              <a:cxnLst/>
+              <a:rect l="l" t="t" r="r" b="b"/>
+              <a:pathLst>
+                <a:path w="1270244" h="6866467">
+                  <a:moveTo>
+                    <a:pt x="0" y="0"/>
+                  </a:moveTo>
+                  <a:lnTo>
+                    <a:pt x="1117600" y="6866467"/>
+                  </a:lnTo>
+                  <a:lnTo>
+                    <a:pt x="1270000" y="6866467"/>
+                  </a:lnTo>
+                  <a:cubicBezTo>
+                    <a:pt x="1272822" y="4574822"/>
+                    <a:pt x="1250245" y="2291645"/>
+                    <a:pt x="1253067" y="0"/>
+                  </a:cubicBezTo>
+                  <a:lnTo>
+                    <a:pt x="0" y="0"/>
+                  </a:lnTo>
+                  <a:close/>
+                </a:path>
+              </a:pathLst>
+            </a:custGeom>
+            <a:solidFill>
+              <a:schemeClr val="accent1">
+                <a:alpha val="65000"/>
+              </a:schemeClr>
+            </a:solidFill>
+            <a:ln>
+              <a:noFill/>
+            </a:ln>
+            <a:effectLst/>
+          </p:spPr>
+          <p:style>
+            <a:lnRef idx="1">
+              <a:schemeClr val="accent1"/>
+            </a:lnRef>
+            <a:fillRef idx="3">
+              <a:schemeClr val="accent1"/>
+            </a:fillRef>
+            <a:effectRef idx="2">
+              <a:schemeClr val="accent1"/>
+            </a:effectRef>
+            <a:fontRef idx="minor">
+              <a:schemeClr val="lt1"/>
+            </a:fontRef>
+          </p:style>
+        </p:sp>
+        <p:sp>
+          <p:nvSpPr>
+            <p:cNvPr id="25" name="Freeform 24"/>
+            <p:cNvSpPr/>
+            <p:nvPr/>
+          </p:nvSpPr>
+          <p:spPr>
+            <a:xfrm>
+              <a:off x="8060297" y="4893733"/>
+              <a:ext cx="1094086" cy="1964267"/>
+            </a:xfrm>
+            <a:custGeom>
+              <a:avLst/>
+              <a:gdLst/>
+              <a:ahLst/>
+              <a:cxnLst/>
+              <a:rect l="l" t="t" r="r" b="b"/>
+              <a:pathLst>
+                <a:path w="1820333" h="3268133">
+                  <a:moveTo>
+                    <a:pt x="0" y="3268133"/>
+                  </a:moveTo>
+                  <a:lnTo>
+                    <a:pt x="1811866" y="0"/>
+                  </a:lnTo>
+                  <a:cubicBezTo>
+                    <a:pt x="1814688" y="1086555"/>
+                    <a:pt x="1817511" y="2173111"/>
+                    <a:pt x="1820333" y="3259666"/>
+                  </a:cubicBezTo>
+                  <a:lnTo>
+                    <a:pt x="0" y="3268133"/>
+                  </a:lnTo>
+                  <a:close/>
+                </a:path>
+              </a:pathLst>
+            </a:custGeom>
+            <a:solidFill>
+              <a:schemeClr val="accent1">
+                <a:alpha val="80000"/>
+              </a:schemeClr>
+            </a:solidFill>
+            <a:ln>
+              <a:noFill/>
+            </a:ln>
+            <a:effectLst/>
+          </p:spPr>
+          <p:style>
+            <a:lnRef idx="1">
+              <a:schemeClr val="accent1"/>
+            </a:lnRef>
+            <a:fillRef idx="3">
+              <a:schemeClr val="accent1"/>
+            </a:fillRef>
+            <a:effectRef idx="2">
+              <a:schemeClr val="accent1"/>
+            </a:effectRef>
+            <a:fontRef idx="minor">
+              <a:schemeClr val="lt1"/>
+            </a:fontRef>
+          </p:style>
+        </p:sp>
+        <p:sp>
+          <p:nvSpPr>
+            <p:cNvPr id="28" name="Freeform 27"/>
+            <p:cNvSpPr/>
+            <p:nvPr/>
+          </p:nvSpPr>
+          <p:spPr>
+            <a:xfrm>
+              <a:off x="-8466" y="-8468"/>
+              <a:ext cx="863600" cy="5698067"/>
+            </a:xfrm>
+            <a:custGeom>
+              <a:avLst/>
+              <a:gdLst/>
+              <a:ahLst/>
+              <a:cxnLst/>
+              <a:rect l="l" t="t" r="r" b="b"/>
+              <a:pathLst>
+                <a:path w="863600" h="5698067">
+                  <a:moveTo>
+                    <a:pt x="0" y="8467"/>
+                  </a:moveTo>
+                  <a:lnTo>
+                    <a:pt x="863600" y="0"/>
+                  </a:lnTo>
+                  <a:lnTo>
+                    <a:pt x="863600" y="16934"/>
+                  </a:lnTo>
+                  <a:lnTo>
+                    <a:pt x="0" y="5698067"/>
+                  </a:lnTo>
+                  <a:lnTo>
+                    <a:pt x="0" y="8467"/>
+                  </a:lnTo>
+                  <a:close/>
+                </a:path>
+              </a:pathLst>
+            </a:custGeom>
+            <a:solidFill>
+              <a:schemeClr val="accent1">
+                <a:alpha val="85000"/>
+              </a:schemeClr>
+            </a:solidFill>
+            <a:ln>
+              <a:noFill/>
+            </a:ln>
+            <a:effectLst/>
+          </p:spPr>
+          <p:style>
+            <a:lnRef idx="1">
+              <a:schemeClr val="accent1"/>
+            </a:lnRef>
+            <a:fillRef idx="3">
+              <a:schemeClr val="accent1"/>
+            </a:fillRef>
+            <a:effectRef idx="2">
+              <a:schemeClr val="accent1"/>
+            </a:effectRef>
+            <a:fontRef idx="minor">
+              <a:schemeClr val="lt1"/>
+            </a:fontRef>
+          </p:style>
+        </p:sp>
+      </p:grpSp>
+      <p:sp>
+        <p:nvSpPr>
+          <p:cNvPr id="2" name="Title 1"/>
           <p:cNvSpPr>
             <a:spLocks noGrp="1"/>
           </p:cNvSpPr>
@@ -141,25 +761,35 @@
         </p:nvSpPr>
         <p:spPr>
           <a:xfrm>
-            <a:off x="685800" y="2130425"/>
-            <a:ext cx="7772400" cy="1470025"/>
+            <a:off x="1130595" y="2404534"/>
+            <a:ext cx="5826719" cy="1646302"/>
           </a:xfrm>
         </p:spPr>
         <p:txBody>
-          <a:bodyPr/>
-          <a:lstStyle/>
+          <a:bodyPr anchor="b">
+            <a:noAutofit/>
+          </a:bodyPr>
+          <a:lstStyle>
+            <a:lvl1pPr algn="r">
+              <a:defRPr sz="5400">
+                <a:solidFill>
+                  <a:schemeClr val="accent1"/>
+                </a:solidFill>
+              </a:defRPr>
+            </a:lvl1pPr>
+          </a:lstStyle>
           <a:p>
             <a:r>
               <a:rPr lang="ru-RU" smtClean="0"/>
               <a:t>Образец заголовка</a:t>
             </a:r>
-            <a:endParaRPr lang="ru-RU"/>
-          </a:p>
-        </p:txBody>
-      </p:sp>
-      <p:sp>
-        <p:nvSpPr>
-          <p:cNvPr id="3" name="Подзаголовок 2"/>
+            <a:endParaRPr lang="en-US" dirty="0"/>
+          </a:p>
+        </p:txBody>
+      </p:sp>
+      <p:sp>
+        <p:nvSpPr>
+          <p:cNvPr id="3" name="Subtitle 2"/>
           <p:cNvSpPr>
             <a:spLocks noGrp="1"/>
           </p:cNvSpPr>
@@ -169,19 +799,20 @@
         </p:nvSpPr>
         <p:spPr>
           <a:xfrm>
-            <a:off x="1371600" y="3886200"/>
-            <a:ext cx="6400800" cy="1752600"/>
+            <a:off x="1130595" y="4050834"/>
+            <a:ext cx="5826719" cy="1096899"/>
           </a:xfrm>
         </p:spPr>
         <p:txBody>
-          <a:bodyPr/>
+          <a:bodyPr anchor="t"/>
           <a:lstStyle>
-            <a:lvl1pPr marL="0" indent="0" algn="ctr">
+            <a:lvl1pPr marL="0" indent="0" algn="r">
               <a:buNone/>
               <a:defRPr>
                 <a:solidFill>
                   <a:schemeClr val="tx1">
-                    <a:tint val="75000"/>
+                    <a:lumMod val="50000"/>
+                    <a:lumOff val="50000"/>
                   </a:schemeClr>
                 </a:solidFill>
               </a:defRPr>
@@ -272,13 +903,13 @@
               <a:rPr lang="ru-RU" smtClean="0"/>
               <a:t>Образец подзаголовка</a:t>
             </a:r>
-            <a:endParaRPr lang="ru-RU"/>
-          </a:p>
-        </p:txBody>
-      </p:sp>
-      <p:sp>
-        <p:nvSpPr>
-          <p:cNvPr id="4" name="Дата 3"/>
+            <a:endParaRPr lang="en-US" dirty="0"/>
+          </a:p>
+        </p:txBody>
+      </p:sp>
+      <p:sp>
+        <p:nvSpPr>
+          <p:cNvPr id="4" name="Date Placeholder 3"/>
           <p:cNvSpPr>
             <a:spLocks noGrp="1"/>
           </p:cNvSpPr>
@@ -301,7 +932,7 @@
       </p:sp>
       <p:sp>
         <p:nvSpPr>
-          <p:cNvPr id="5" name="Нижний колонтитул 4"/>
+          <p:cNvPr id="5" name="Footer Placeholder 4"/>
           <p:cNvSpPr>
             <a:spLocks noGrp="1"/>
           </p:cNvSpPr>
@@ -320,7 +951,7 @@
       </p:sp>
       <p:sp>
         <p:nvSpPr>
-          <p:cNvPr id="6" name="Номер слайда 5"/>
+          <p:cNvPr id="6" name="Slide Number Placeholder 5"/>
           <p:cNvSpPr>
             <a:spLocks noGrp="1"/>
           </p:cNvSpPr>
@@ -342,6 +973,11 @@
         </p:txBody>
       </p:sp>
     </p:spTree>
+    <p:extLst>
+      <p:ext uri="{BB962C8B-B14F-4D97-AF65-F5344CB8AC3E}">
+        <p14:creationId xmlns:p14="http://schemas.microsoft.com/office/powerpoint/2010/main" val="196594861"/>
+      </p:ext>
+    </p:extLst>
   </p:cSld>
   <p:clrMapOvr>
     <a:masterClrMapping/>
@@ -350,6 +986,1611 @@
 </file>
 
 <file path=ppt/slideLayouts/slideLayout10.xml><?xml version="1.0" encoding="utf-8"?>
+<p:sldLayout xmlns:a="http://schemas.openxmlformats.org/drawingml/2006/main" xmlns:r="http://schemas.openxmlformats.org/officeDocument/2006/relationships" xmlns:p="http://schemas.openxmlformats.org/presentationml/2006/main" preserve="1">
+  <p:cSld name="Заголовок и подпись">
+    <p:spTree>
+      <p:nvGrpSpPr>
+        <p:cNvPr id="1" name=""/>
+        <p:cNvGrpSpPr/>
+        <p:nvPr/>
+      </p:nvGrpSpPr>
+      <p:grpSpPr>
+        <a:xfrm>
+          <a:off x="0" y="0"/>
+          <a:ext cx="0" cy="0"/>
+          <a:chOff x="0" y="0"/>
+          <a:chExt cx="0" cy="0"/>
+        </a:xfrm>
+      </p:grpSpPr>
+      <p:sp>
+        <p:nvSpPr>
+          <p:cNvPr id="2" name="Title 1"/>
+          <p:cNvSpPr>
+            <a:spLocks noGrp="1"/>
+          </p:cNvSpPr>
+          <p:nvPr>
+            <p:ph type="title"/>
+          </p:nvPr>
+        </p:nvSpPr>
+        <p:spPr>
+          <a:xfrm>
+            <a:off x="609600" y="609600"/>
+            <a:ext cx="6347714" cy="3403600"/>
+          </a:xfrm>
+        </p:spPr>
+        <p:txBody>
+          <a:bodyPr anchor="ctr">
+            <a:normAutofit/>
+          </a:bodyPr>
+          <a:lstStyle>
+            <a:lvl1pPr algn="l">
+              <a:defRPr sz="4400" b="0" cap="none"/>
+            </a:lvl1pPr>
+          </a:lstStyle>
+          <a:p>
+            <a:r>
+              <a:rPr lang="ru-RU" smtClean="0"/>
+              <a:t>Образец заголовка</a:t>
+            </a:r>
+            <a:endParaRPr lang="en-US" dirty="0"/>
+          </a:p>
+        </p:txBody>
+      </p:sp>
+      <p:sp>
+        <p:nvSpPr>
+          <p:cNvPr id="3" name="Text Placeholder 2"/>
+          <p:cNvSpPr>
+            <a:spLocks noGrp="1"/>
+          </p:cNvSpPr>
+          <p:nvPr>
+            <p:ph type="body" idx="1"/>
+          </p:nvPr>
+        </p:nvSpPr>
+        <p:spPr>
+          <a:xfrm>
+            <a:off x="609600" y="4470400"/>
+            <a:ext cx="6347714" cy="1570962"/>
+          </a:xfrm>
+        </p:spPr>
+        <p:txBody>
+          <a:bodyPr anchor="ctr">
+            <a:normAutofit/>
+          </a:bodyPr>
+          <a:lstStyle>
+            <a:lvl1pPr marL="0" indent="0" algn="l">
+              <a:buNone/>
+              <a:defRPr sz="1800">
+                <a:solidFill>
+                  <a:schemeClr val="tx1">
+                    <a:lumMod val="75000"/>
+                    <a:lumOff val="25000"/>
+                  </a:schemeClr>
+                </a:solidFill>
+              </a:defRPr>
+            </a:lvl1pPr>
+            <a:lvl2pPr marL="457200" indent="0">
+              <a:buNone/>
+              <a:defRPr sz="1800">
+                <a:solidFill>
+                  <a:schemeClr val="tx1">
+                    <a:tint val="75000"/>
+                  </a:schemeClr>
+                </a:solidFill>
+              </a:defRPr>
+            </a:lvl2pPr>
+            <a:lvl3pPr marL="914400" indent="0">
+              <a:buNone/>
+              <a:defRPr sz="1600">
+                <a:solidFill>
+                  <a:schemeClr val="tx1">
+                    <a:tint val="75000"/>
+                  </a:schemeClr>
+                </a:solidFill>
+              </a:defRPr>
+            </a:lvl3pPr>
+            <a:lvl4pPr marL="1371600" indent="0">
+              <a:buNone/>
+              <a:defRPr sz="1400">
+                <a:solidFill>
+                  <a:schemeClr val="tx1">
+                    <a:tint val="75000"/>
+                  </a:schemeClr>
+                </a:solidFill>
+              </a:defRPr>
+            </a:lvl4pPr>
+            <a:lvl5pPr marL="1828800" indent="0">
+              <a:buNone/>
+              <a:defRPr sz="1400">
+                <a:solidFill>
+                  <a:schemeClr val="tx1">
+                    <a:tint val="75000"/>
+                  </a:schemeClr>
+                </a:solidFill>
+              </a:defRPr>
+            </a:lvl5pPr>
+            <a:lvl6pPr marL="2286000" indent="0">
+              <a:buNone/>
+              <a:defRPr sz="1400">
+                <a:solidFill>
+                  <a:schemeClr val="tx1">
+                    <a:tint val="75000"/>
+                  </a:schemeClr>
+                </a:solidFill>
+              </a:defRPr>
+            </a:lvl6pPr>
+            <a:lvl7pPr marL="2743200" indent="0">
+              <a:buNone/>
+              <a:defRPr sz="1400">
+                <a:solidFill>
+                  <a:schemeClr val="tx1">
+                    <a:tint val="75000"/>
+                  </a:schemeClr>
+                </a:solidFill>
+              </a:defRPr>
+            </a:lvl7pPr>
+            <a:lvl8pPr marL="3200400" indent="0">
+              <a:buNone/>
+              <a:defRPr sz="1400">
+                <a:solidFill>
+                  <a:schemeClr val="tx1">
+                    <a:tint val="75000"/>
+                  </a:schemeClr>
+                </a:solidFill>
+              </a:defRPr>
+            </a:lvl8pPr>
+            <a:lvl9pPr marL="3657600" indent="0">
+              <a:buNone/>
+              <a:defRPr sz="1400">
+                <a:solidFill>
+                  <a:schemeClr val="tx1">
+                    <a:tint val="75000"/>
+                  </a:schemeClr>
+                </a:solidFill>
+              </a:defRPr>
+            </a:lvl9pPr>
+          </a:lstStyle>
+          <a:p>
+            <a:pPr lvl="0"/>
+            <a:r>
+              <a:rPr lang="ru-RU" smtClean="0"/>
+              <a:t>Образец текста</a:t>
+            </a:r>
+          </a:p>
+        </p:txBody>
+      </p:sp>
+      <p:sp>
+        <p:nvSpPr>
+          <p:cNvPr id="4" name="Date Placeholder 3"/>
+          <p:cNvSpPr>
+            <a:spLocks noGrp="1"/>
+          </p:cNvSpPr>
+          <p:nvPr>
+            <p:ph type="dt" sz="half" idx="10"/>
+          </p:nvPr>
+        </p:nvSpPr>
+        <p:spPr/>
+        <p:txBody>
+          <a:bodyPr/>
+          <a:lstStyle/>
+          <a:p>
+            <a:fld id="{449514C4-C1C0-4708-9E73-349328450D5C}" type="datetimeFigureOut">
+              <a:rPr lang="ru-RU" smtClean="0"/>
+              <a:t>20.01.2020</a:t>
+            </a:fld>
+            <a:endParaRPr lang="ru-RU"/>
+          </a:p>
+        </p:txBody>
+      </p:sp>
+      <p:sp>
+        <p:nvSpPr>
+          <p:cNvPr id="5" name="Footer Placeholder 4"/>
+          <p:cNvSpPr>
+            <a:spLocks noGrp="1"/>
+          </p:cNvSpPr>
+          <p:nvPr>
+            <p:ph type="ftr" sz="quarter" idx="11"/>
+          </p:nvPr>
+        </p:nvSpPr>
+        <p:spPr/>
+        <p:txBody>
+          <a:bodyPr/>
+          <a:lstStyle/>
+          <a:p>
+            <a:endParaRPr lang="ru-RU"/>
+          </a:p>
+        </p:txBody>
+      </p:sp>
+      <p:sp>
+        <p:nvSpPr>
+          <p:cNvPr id="6" name="Slide Number Placeholder 5"/>
+          <p:cNvSpPr>
+            <a:spLocks noGrp="1"/>
+          </p:cNvSpPr>
+          <p:nvPr>
+            <p:ph type="sldNum" sz="quarter" idx="12"/>
+          </p:nvPr>
+        </p:nvSpPr>
+        <p:spPr/>
+        <p:txBody>
+          <a:bodyPr/>
+          <a:lstStyle/>
+          <a:p>
+            <a:fld id="{A6642CB4-A55A-4EB0-A8EE-D18A89A186CA}" type="slidenum">
+              <a:rPr lang="ru-RU" smtClean="0"/>
+              <a:t>‹#›</a:t>
+            </a:fld>
+            <a:endParaRPr lang="ru-RU"/>
+          </a:p>
+        </p:txBody>
+      </p:sp>
+    </p:spTree>
+    <p:extLst>
+      <p:ext uri="{BB962C8B-B14F-4D97-AF65-F5344CB8AC3E}">
+        <p14:creationId xmlns:p14="http://schemas.microsoft.com/office/powerpoint/2010/main" val="524348163"/>
+      </p:ext>
+    </p:extLst>
+  </p:cSld>
+  <p:clrMapOvr>
+    <a:masterClrMapping/>
+  </p:clrMapOvr>
+</p:sldLayout>
+</file>
+
+<file path=ppt/slideLayouts/slideLayout11.xml><?xml version="1.0" encoding="utf-8"?>
+<p:sldLayout xmlns:a="http://schemas.openxmlformats.org/drawingml/2006/main" xmlns:r="http://schemas.openxmlformats.org/officeDocument/2006/relationships" xmlns:p="http://schemas.openxmlformats.org/presentationml/2006/main" preserve="1">
+  <p:cSld name="Цитата с подписью">
+    <p:spTree>
+      <p:nvGrpSpPr>
+        <p:cNvPr id="1" name=""/>
+        <p:cNvGrpSpPr/>
+        <p:nvPr/>
+      </p:nvGrpSpPr>
+      <p:grpSpPr>
+        <a:xfrm>
+          <a:off x="0" y="0"/>
+          <a:ext cx="0" cy="0"/>
+          <a:chOff x="0" y="0"/>
+          <a:chExt cx="0" cy="0"/>
+        </a:xfrm>
+      </p:grpSpPr>
+      <p:sp>
+        <p:nvSpPr>
+          <p:cNvPr id="2" name="Title 1"/>
+          <p:cNvSpPr>
+            <a:spLocks noGrp="1"/>
+          </p:cNvSpPr>
+          <p:nvPr>
+            <p:ph type="title"/>
+          </p:nvPr>
+        </p:nvSpPr>
+        <p:spPr>
+          <a:xfrm>
+            <a:off x="774885" y="609600"/>
+            <a:ext cx="6072182" cy="3022600"/>
+          </a:xfrm>
+        </p:spPr>
+        <p:txBody>
+          <a:bodyPr anchor="ctr">
+            <a:normAutofit/>
+          </a:bodyPr>
+          <a:lstStyle>
+            <a:lvl1pPr algn="l">
+              <a:defRPr sz="4400" b="0" cap="none"/>
+            </a:lvl1pPr>
+          </a:lstStyle>
+          <a:p>
+            <a:r>
+              <a:rPr lang="ru-RU" smtClean="0"/>
+              <a:t>Образец заголовка</a:t>
+            </a:r>
+            <a:endParaRPr lang="en-US" dirty="0"/>
+          </a:p>
+        </p:txBody>
+      </p:sp>
+      <p:sp>
+        <p:nvSpPr>
+          <p:cNvPr id="23" name="Text Placeholder 9"/>
+          <p:cNvSpPr>
+            <a:spLocks noGrp="1"/>
+          </p:cNvSpPr>
+          <p:nvPr>
+            <p:ph type="body" sz="quarter" idx="13"/>
+          </p:nvPr>
+        </p:nvSpPr>
+        <p:spPr>
+          <a:xfrm>
+            <a:off x="1101074" y="3632200"/>
+            <a:ext cx="5419804" cy="381000"/>
+          </a:xfrm>
+        </p:spPr>
+        <p:txBody>
+          <a:bodyPr anchor="ctr">
+            <a:noAutofit/>
+          </a:bodyPr>
+          <a:lstStyle>
+            <a:lvl1pPr marL="0" indent="0">
+              <a:buFontTx/>
+              <a:buNone/>
+              <a:defRPr sz="1600">
+                <a:solidFill>
+                  <a:schemeClr val="tx1">
+                    <a:lumMod val="50000"/>
+                    <a:lumOff val="50000"/>
+                  </a:schemeClr>
+                </a:solidFill>
+              </a:defRPr>
+            </a:lvl1pPr>
+            <a:lvl2pPr marL="457200" indent="0">
+              <a:buFontTx/>
+              <a:buNone/>
+              <a:defRPr/>
+            </a:lvl2pPr>
+            <a:lvl3pPr marL="914400" indent="0">
+              <a:buFontTx/>
+              <a:buNone/>
+              <a:defRPr/>
+            </a:lvl3pPr>
+            <a:lvl4pPr marL="1371600" indent="0">
+              <a:buFontTx/>
+              <a:buNone/>
+              <a:defRPr/>
+            </a:lvl4pPr>
+            <a:lvl5pPr marL="1828800" indent="0">
+              <a:buFontTx/>
+              <a:buNone/>
+              <a:defRPr/>
+            </a:lvl5pPr>
+          </a:lstStyle>
+          <a:p>
+            <a:pPr lvl="0"/>
+            <a:r>
+              <a:rPr lang="ru-RU" smtClean="0"/>
+              <a:t>Образец текста</a:t>
+            </a:r>
+          </a:p>
+        </p:txBody>
+      </p:sp>
+      <p:sp>
+        <p:nvSpPr>
+          <p:cNvPr id="3" name="Text Placeholder 2"/>
+          <p:cNvSpPr>
+            <a:spLocks noGrp="1"/>
+          </p:cNvSpPr>
+          <p:nvPr>
+            <p:ph type="body" idx="1"/>
+          </p:nvPr>
+        </p:nvSpPr>
+        <p:spPr>
+          <a:xfrm>
+            <a:off x="609598" y="4470400"/>
+            <a:ext cx="6347715" cy="1570962"/>
+          </a:xfrm>
+        </p:spPr>
+        <p:txBody>
+          <a:bodyPr anchor="ctr">
+            <a:normAutofit/>
+          </a:bodyPr>
+          <a:lstStyle>
+            <a:lvl1pPr marL="0" indent="0" algn="l">
+              <a:buNone/>
+              <a:defRPr sz="1800">
+                <a:solidFill>
+                  <a:schemeClr val="tx1">
+                    <a:lumMod val="75000"/>
+                    <a:lumOff val="25000"/>
+                  </a:schemeClr>
+                </a:solidFill>
+              </a:defRPr>
+            </a:lvl1pPr>
+            <a:lvl2pPr marL="457200" indent="0">
+              <a:buNone/>
+              <a:defRPr sz="1800">
+                <a:solidFill>
+                  <a:schemeClr val="tx1">
+                    <a:tint val="75000"/>
+                  </a:schemeClr>
+                </a:solidFill>
+              </a:defRPr>
+            </a:lvl2pPr>
+            <a:lvl3pPr marL="914400" indent="0">
+              <a:buNone/>
+              <a:defRPr sz="1600">
+                <a:solidFill>
+                  <a:schemeClr val="tx1">
+                    <a:tint val="75000"/>
+                  </a:schemeClr>
+                </a:solidFill>
+              </a:defRPr>
+            </a:lvl3pPr>
+            <a:lvl4pPr marL="1371600" indent="0">
+              <a:buNone/>
+              <a:defRPr sz="1400">
+                <a:solidFill>
+                  <a:schemeClr val="tx1">
+                    <a:tint val="75000"/>
+                  </a:schemeClr>
+                </a:solidFill>
+              </a:defRPr>
+            </a:lvl4pPr>
+            <a:lvl5pPr marL="1828800" indent="0">
+              <a:buNone/>
+              <a:defRPr sz="1400">
+                <a:solidFill>
+                  <a:schemeClr val="tx1">
+                    <a:tint val="75000"/>
+                  </a:schemeClr>
+                </a:solidFill>
+              </a:defRPr>
+            </a:lvl5pPr>
+            <a:lvl6pPr marL="2286000" indent="0">
+              <a:buNone/>
+              <a:defRPr sz="1400">
+                <a:solidFill>
+                  <a:schemeClr val="tx1">
+                    <a:tint val="75000"/>
+                  </a:schemeClr>
+                </a:solidFill>
+              </a:defRPr>
+            </a:lvl6pPr>
+            <a:lvl7pPr marL="2743200" indent="0">
+              <a:buNone/>
+              <a:defRPr sz="1400">
+                <a:solidFill>
+                  <a:schemeClr val="tx1">
+                    <a:tint val="75000"/>
+                  </a:schemeClr>
+                </a:solidFill>
+              </a:defRPr>
+            </a:lvl7pPr>
+            <a:lvl8pPr marL="3200400" indent="0">
+              <a:buNone/>
+              <a:defRPr sz="1400">
+                <a:solidFill>
+                  <a:schemeClr val="tx1">
+                    <a:tint val="75000"/>
+                  </a:schemeClr>
+                </a:solidFill>
+              </a:defRPr>
+            </a:lvl8pPr>
+            <a:lvl9pPr marL="3657600" indent="0">
+              <a:buNone/>
+              <a:defRPr sz="1400">
+                <a:solidFill>
+                  <a:schemeClr val="tx1">
+                    <a:tint val="75000"/>
+                  </a:schemeClr>
+                </a:solidFill>
+              </a:defRPr>
+            </a:lvl9pPr>
+          </a:lstStyle>
+          <a:p>
+            <a:pPr lvl="0"/>
+            <a:r>
+              <a:rPr lang="ru-RU" smtClean="0"/>
+              <a:t>Образец текста</a:t>
+            </a:r>
+          </a:p>
+        </p:txBody>
+      </p:sp>
+      <p:sp>
+        <p:nvSpPr>
+          <p:cNvPr id="4" name="Date Placeholder 3"/>
+          <p:cNvSpPr>
+            <a:spLocks noGrp="1"/>
+          </p:cNvSpPr>
+          <p:nvPr>
+            <p:ph type="dt" sz="half" idx="10"/>
+          </p:nvPr>
+        </p:nvSpPr>
+        <p:spPr/>
+        <p:txBody>
+          <a:bodyPr/>
+          <a:lstStyle/>
+          <a:p>
+            <a:fld id="{449514C4-C1C0-4708-9E73-349328450D5C}" type="datetimeFigureOut">
+              <a:rPr lang="ru-RU" smtClean="0"/>
+              <a:t>20.01.2020</a:t>
+            </a:fld>
+            <a:endParaRPr lang="ru-RU"/>
+          </a:p>
+        </p:txBody>
+      </p:sp>
+      <p:sp>
+        <p:nvSpPr>
+          <p:cNvPr id="5" name="Footer Placeholder 4"/>
+          <p:cNvSpPr>
+            <a:spLocks noGrp="1"/>
+          </p:cNvSpPr>
+          <p:nvPr>
+            <p:ph type="ftr" sz="quarter" idx="11"/>
+          </p:nvPr>
+        </p:nvSpPr>
+        <p:spPr/>
+        <p:txBody>
+          <a:bodyPr/>
+          <a:lstStyle/>
+          <a:p>
+            <a:endParaRPr lang="ru-RU"/>
+          </a:p>
+        </p:txBody>
+      </p:sp>
+      <p:sp>
+        <p:nvSpPr>
+          <p:cNvPr id="6" name="Slide Number Placeholder 5"/>
+          <p:cNvSpPr>
+            <a:spLocks noGrp="1"/>
+          </p:cNvSpPr>
+          <p:nvPr>
+            <p:ph type="sldNum" sz="quarter" idx="12"/>
+          </p:nvPr>
+        </p:nvSpPr>
+        <p:spPr/>
+        <p:txBody>
+          <a:bodyPr/>
+          <a:lstStyle/>
+          <a:p>
+            <a:fld id="{A6642CB4-A55A-4EB0-A8EE-D18A89A186CA}" type="slidenum">
+              <a:rPr lang="ru-RU" smtClean="0"/>
+              <a:t>‹#›</a:t>
+            </a:fld>
+            <a:endParaRPr lang="ru-RU"/>
+          </a:p>
+        </p:txBody>
+      </p:sp>
+      <p:sp>
+        <p:nvSpPr>
+          <p:cNvPr id="24" name="TextBox 23"/>
+          <p:cNvSpPr txBox="1"/>
+          <p:nvPr/>
+        </p:nvSpPr>
+        <p:spPr>
+          <a:xfrm>
+            <a:off x="482711" y="790378"/>
+            <a:ext cx="457319" cy="584776"/>
+          </a:xfrm>
+          <a:prstGeom prst="rect">
+            <a:avLst/>
+          </a:prstGeom>
+        </p:spPr>
+        <p:txBody>
+          <a:bodyPr vert="horz" lIns="91440" tIns="45720" rIns="91440" bIns="45720" rtlCol="0" anchor="ctr">
+            <a:noAutofit/>
+          </a:bodyPr>
+          <a:lstStyle/>
+          <a:p>
+            <a:pPr lvl="0"/>
+            <a:r>
+              <a:rPr lang="en-US" sz="8000" baseline="0" dirty="0">
+                <a:ln w="3175" cmpd="sng">
+                  <a:noFill/>
+                </a:ln>
+                <a:solidFill>
+                  <a:schemeClr val="accent1">
+                    <a:lumMod val="60000"/>
+                    <a:lumOff val="40000"/>
+                  </a:schemeClr>
+                </a:solidFill>
+                <a:effectLst/>
+                <a:latin typeface="Arial"/>
+              </a:rPr>
+              <a:t>“</a:t>
+            </a:r>
+          </a:p>
+        </p:txBody>
+      </p:sp>
+      <p:sp>
+        <p:nvSpPr>
+          <p:cNvPr id="25" name="TextBox 24"/>
+          <p:cNvSpPr txBox="1"/>
+          <p:nvPr/>
+        </p:nvSpPr>
+        <p:spPr>
+          <a:xfrm>
+            <a:off x="6747699" y="2886556"/>
+            <a:ext cx="457319" cy="584776"/>
+          </a:xfrm>
+          <a:prstGeom prst="rect">
+            <a:avLst/>
+          </a:prstGeom>
+        </p:spPr>
+        <p:txBody>
+          <a:bodyPr vert="horz" lIns="91440" tIns="45720" rIns="91440" bIns="45720" rtlCol="0" anchor="ctr">
+            <a:noAutofit/>
+          </a:bodyPr>
+          <a:lstStyle/>
+          <a:p>
+            <a:pPr lvl="0"/>
+            <a:r>
+              <a:rPr lang="en-US" sz="8000" baseline="0" dirty="0">
+                <a:ln w="3175" cmpd="sng">
+                  <a:noFill/>
+                </a:ln>
+                <a:solidFill>
+                  <a:schemeClr val="accent1">
+                    <a:lumMod val="60000"/>
+                    <a:lumOff val="40000"/>
+                  </a:schemeClr>
+                </a:solidFill>
+                <a:effectLst/>
+                <a:latin typeface="Arial"/>
+              </a:rPr>
+              <a:t>”</a:t>
+            </a:r>
+          </a:p>
+        </p:txBody>
+      </p:sp>
+    </p:spTree>
+    <p:extLst>
+      <p:ext uri="{BB962C8B-B14F-4D97-AF65-F5344CB8AC3E}">
+        <p14:creationId xmlns:p14="http://schemas.microsoft.com/office/powerpoint/2010/main" val="3802378055"/>
+      </p:ext>
+    </p:extLst>
+  </p:cSld>
+  <p:clrMapOvr>
+    <a:masterClrMapping/>
+  </p:clrMapOvr>
+</p:sldLayout>
+</file>
+
+<file path=ppt/slideLayouts/slideLayout12.xml><?xml version="1.0" encoding="utf-8"?>
+<p:sldLayout xmlns:a="http://schemas.openxmlformats.org/drawingml/2006/main" xmlns:r="http://schemas.openxmlformats.org/officeDocument/2006/relationships" xmlns:p="http://schemas.openxmlformats.org/presentationml/2006/main" preserve="1">
+  <p:cSld name="Карточка имени">
+    <p:spTree>
+      <p:nvGrpSpPr>
+        <p:cNvPr id="1" name=""/>
+        <p:cNvGrpSpPr/>
+        <p:nvPr/>
+      </p:nvGrpSpPr>
+      <p:grpSpPr>
+        <a:xfrm>
+          <a:off x="0" y="0"/>
+          <a:ext cx="0" cy="0"/>
+          <a:chOff x="0" y="0"/>
+          <a:chExt cx="0" cy="0"/>
+        </a:xfrm>
+      </p:grpSpPr>
+      <p:sp>
+        <p:nvSpPr>
+          <p:cNvPr id="2" name="Title 1"/>
+          <p:cNvSpPr>
+            <a:spLocks noGrp="1"/>
+          </p:cNvSpPr>
+          <p:nvPr>
+            <p:ph type="title"/>
+          </p:nvPr>
+        </p:nvSpPr>
+        <p:spPr>
+          <a:xfrm>
+            <a:off x="609598" y="1931988"/>
+            <a:ext cx="6347715" cy="2595460"/>
+          </a:xfrm>
+        </p:spPr>
+        <p:txBody>
+          <a:bodyPr anchor="b">
+            <a:normAutofit/>
+          </a:bodyPr>
+          <a:lstStyle>
+            <a:lvl1pPr algn="l">
+              <a:defRPr sz="4400" b="0" cap="none"/>
+            </a:lvl1pPr>
+          </a:lstStyle>
+          <a:p>
+            <a:r>
+              <a:rPr lang="ru-RU" smtClean="0"/>
+              <a:t>Образец заголовка</a:t>
+            </a:r>
+            <a:endParaRPr lang="en-US" dirty="0"/>
+          </a:p>
+        </p:txBody>
+      </p:sp>
+      <p:sp>
+        <p:nvSpPr>
+          <p:cNvPr id="3" name="Text Placeholder 2"/>
+          <p:cNvSpPr>
+            <a:spLocks noGrp="1"/>
+          </p:cNvSpPr>
+          <p:nvPr>
+            <p:ph type="body" idx="1"/>
+          </p:nvPr>
+        </p:nvSpPr>
+        <p:spPr>
+          <a:xfrm>
+            <a:off x="609598" y="4527448"/>
+            <a:ext cx="6347715" cy="1513914"/>
+          </a:xfrm>
+        </p:spPr>
+        <p:txBody>
+          <a:bodyPr anchor="t">
+            <a:normAutofit/>
+          </a:bodyPr>
+          <a:lstStyle>
+            <a:lvl1pPr marL="0" indent="0" algn="l">
+              <a:buNone/>
+              <a:defRPr sz="1800">
+                <a:solidFill>
+                  <a:schemeClr val="tx1">
+                    <a:lumMod val="75000"/>
+                    <a:lumOff val="25000"/>
+                  </a:schemeClr>
+                </a:solidFill>
+              </a:defRPr>
+            </a:lvl1pPr>
+            <a:lvl2pPr marL="457200" indent="0">
+              <a:buNone/>
+              <a:defRPr sz="1800">
+                <a:solidFill>
+                  <a:schemeClr val="tx1">
+                    <a:tint val="75000"/>
+                  </a:schemeClr>
+                </a:solidFill>
+              </a:defRPr>
+            </a:lvl2pPr>
+            <a:lvl3pPr marL="914400" indent="0">
+              <a:buNone/>
+              <a:defRPr sz="1600">
+                <a:solidFill>
+                  <a:schemeClr val="tx1">
+                    <a:tint val="75000"/>
+                  </a:schemeClr>
+                </a:solidFill>
+              </a:defRPr>
+            </a:lvl3pPr>
+            <a:lvl4pPr marL="1371600" indent="0">
+              <a:buNone/>
+              <a:defRPr sz="1400">
+                <a:solidFill>
+                  <a:schemeClr val="tx1">
+                    <a:tint val="75000"/>
+                  </a:schemeClr>
+                </a:solidFill>
+              </a:defRPr>
+            </a:lvl4pPr>
+            <a:lvl5pPr marL="1828800" indent="0">
+              <a:buNone/>
+              <a:defRPr sz="1400">
+                <a:solidFill>
+                  <a:schemeClr val="tx1">
+                    <a:tint val="75000"/>
+                  </a:schemeClr>
+                </a:solidFill>
+              </a:defRPr>
+            </a:lvl5pPr>
+            <a:lvl6pPr marL="2286000" indent="0">
+              <a:buNone/>
+              <a:defRPr sz="1400">
+                <a:solidFill>
+                  <a:schemeClr val="tx1">
+                    <a:tint val="75000"/>
+                  </a:schemeClr>
+                </a:solidFill>
+              </a:defRPr>
+            </a:lvl6pPr>
+            <a:lvl7pPr marL="2743200" indent="0">
+              <a:buNone/>
+              <a:defRPr sz="1400">
+                <a:solidFill>
+                  <a:schemeClr val="tx1">
+                    <a:tint val="75000"/>
+                  </a:schemeClr>
+                </a:solidFill>
+              </a:defRPr>
+            </a:lvl7pPr>
+            <a:lvl8pPr marL="3200400" indent="0">
+              <a:buNone/>
+              <a:defRPr sz="1400">
+                <a:solidFill>
+                  <a:schemeClr val="tx1">
+                    <a:tint val="75000"/>
+                  </a:schemeClr>
+                </a:solidFill>
+              </a:defRPr>
+            </a:lvl8pPr>
+            <a:lvl9pPr marL="3657600" indent="0">
+              <a:buNone/>
+              <a:defRPr sz="1400">
+                <a:solidFill>
+                  <a:schemeClr val="tx1">
+                    <a:tint val="75000"/>
+                  </a:schemeClr>
+                </a:solidFill>
+              </a:defRPr>
+            </a:lvl9pPr>
+          </a:lstStyle>
+          <a:p>
+            <a:pPr lvl="0"/>
+            <a:r>
+              <a:rPr lang="ru-RU" smtClean="0"/>
+              <a:t>Образец текста</a:t>
+            </a:r>
+          </a:p>
+        </p:txBody>
+      </p:sp>
+      <p:sp>
+        <p:nvSpPr>
+          <p:cNvPr id="4" name="Date Placeholder 3"/>
+          <p:cNvSpPr>
+            <a:spLocks noGrp="1"/>
+          </p:cNvSpPr>
+          <p:nvPr>
+            <p:ph type="dt" sz="half" idx="10"/>
+          </p:nvPr>
+        </p:nvSpPr>
+        <p:spPr/>
+        <p:txBody>
+          <a:bodyPr/>
+          <a:lstStyle/>
+          <a:p>
+            <a:fld id="{449514C4-C1C0-4708-9E73-349328450D5C}" type="datetimeFigureOut">
+              <a:rPr lang="ru-RU" smtClean="0"/>
+              <a:t>20.01.2020</a:t>
+            </a:fld>
+            <a:endParaRPr lang="ru-RU"/>
+          </a:p>
+        </p:txBody>
+      </p:sp>
+      <p:sp>
+        <p:nvSpPr>
+          <p:cNvPr id="5" name="Footer Placeholder 4"/>
+          <p:cNvSpPr>
+            <a:spLocks noGrp="1"/>
+          </p:cNvSpPr>
+          <p:nvPr>
+            <p:ph type="ftr" sz="quarter" idx="11"/>
+          </p:nvPr>
+        </p:nvSpPr>
+        <p:spPr/>
+        <p:txBody>
+          <a:bodyPr/>
+          <a:lstStyle/>
+          <a:p>
+            <a:endParaRPr lang="ru-RU"/>
+          </a:p>
+        </p:txBody>
+      </p:sp>
+      <p:sp>
+        <p:nvSpPr>
+          <p:cNvPr id="6" name="Slide Number Placeholder 5"/>
+          <p:cNvSpPr>
+            <a:spLocks noGrp="1"/>
+          </p:cNvSpPr>
+          <p:nvPr>
+            <p:ph type="sldNum" sz="quarter" idx="12"/>
+          </p:nvPr>
+        </p:nvSpPr>
+        <p:spPr/>
+        <p:txBody>
+          <a:bodyPr/>
+          <a:lstStyle/>
+          <a:p>
+            <a:fld id="{A6642CB4-A55A-4EB0-A8EE-D18A89A186CA}" type="slidenum">
+              <a:rPr lang="ru-RU" smtClean="0"/>
+              <a:t>‹#›</a:t>
+            </a:fld>
+            <a:endParaRPr lang="ru-RU"/>
+          </a:p>
+        </p:txBody>
+      </p:sp>
+    </p:spTree>
+    <p:extLst>
+      <p:ext uri="{BB962C8B-B14F-4D97-AF65-F5344CB8AC3E}">
+        <p14:creationId xmlns:p14="http://schemas.microsoft.com/office/powerpoint/2010/main" val="4124186278"/>
+      </p:ext>
+    </p:extLst>
+  </p:cSld>
+  <p:clrMapOvr>
+    <a:masterClrMapping/>
+  </p:clrMapOvr>
+</p:sldLayout>
+</file>
+
+<file path=ppt/slideLayouts/slideLayout13.xml><?xml version="1.0" encoding="utf-8"?>
+<p:sldLayout xmlns:a="http://schemas.openxmlformats.org/drawingml/2006/main" xmlns:r="http://schemas.openxmlformats.org/officeDocument/2006/relationships" xmlns:p="http://schemas.openxmlformats.org/presentationml/2006/main" preserve="1">
+  <p:cSld name="Цитата карточки имени">
+    <p:spTree>
+      <p:nvGrpSpPr>
+        <p:cNvPr id="1" name=""/>
+        <p:cNvGrpSpPr/>
+        <p:nvPr/>
+      </p:nvGrpSpPr>
+      <p:grpSpPr>
+        <a:xfrm>
+          <a:off x="0" y="0"/>
+          <a:ext cx="0" cy="0"/>
+          <a:chOff x="0" y="0"/>
+          <a:chExt cx="0" cy="0"/>
+        </a:xfrm>
+      </p:grpSpPr>
+      <p:sp>
+        <p:nvSpPr>
+          <p:cNvPr id="2" name="Title 1"/>
+          <p:cNvSpPr>
+            <a:spLocks noGrp="1"/>
+          </p:cNvSpPr>
+          <p:nvPr>
+            <p:ph type="title"/>
+          </p:nvPr>
+        </p:nvSpPr>
+        <p:spPr>
+          <a:xfrm>
+            <a:off x="774885" y="609600"/>
+            <a:ext cx="6072182" cy="3022600"/>
+          </a:xfrm>
+        </p:spPr>
+        <p:txBody>
+          <a:bodyPr anchor="ctr">
+            <a:normAutofit/>
+          </a:bodyPr>
+          <a:lstStyle>
+            <a:lvl1pPr algn="l">
+              <a:defRPr sz="4400" b="0" cap="none"/>
+            </a:lvl1pPr>
+          </a:lstStyle>
+          <a:p>
+            <a:r>
+              <a:rPr lang="ru-RU" smtClean="0"/>
+              <a:t>Образец заголовка</a:t>
+            </a:r>
+            <a:endParaRPr lang="en-US" dirty="0"/>
+          </a:p>
+        </p:txBody>
+      </p:sp>
+      <p:sp>
+        <p:nvSpPr>
+          <p:cNvPr id="23" name="Text Placeholder 9"/>
+          <p:cNvSpPr>
+            <a:spLocks noGrp="1"/>
+          </p:cNvSpPr>
+          <p:nvPr>
+            <p:ph type="body" sz="quarter" idx="13"/>
+          </p:nvPr>
+        </p:nvSpPr>
+        <p:spPr>
+          <a:xfrm>
+            <a:off x="609597" y="4013200"/>
+            <a:ext cx="6347716" cy="514248"/>
+          </a:xfrm>
+        </p:spPr>
+        <p:txBody>
+          <a:bodyPr anchor="b">
+            <a:noAutofit/>
+          </a:bodyPr>
+          <a:lstStyle>
+            <a:lvl1pPr marL="0" indent="0">
+              <a:buFontTx/>
+              <a:buNone/>
+              <a:defRPr sz="2400">
+                <a:solidFill>
+                  <a:schemeClr val="tx1">
+                    <a:lumMod val="75000"/>
+                    <a:lumOff val="25000"/>
+                  </a:schemeClr>
+                </a:solidFill>
+              </a:defRPr>
+            </a:lvl1pPr>
+            <a:lvl2pPr marL="457200" indent="0">
+              <a:buFontTx/>
+              <a:buNone/>
+              <a:defRPr/>
+            </a:lvl2pPr>
+            <a:lvl3pPr marL="914400" indent="0">
+              <a:buFontTx/>
+              <a:buNone/>
+              <a:defRPr/>
+            </a:lvl3pPr>
+            <a:lvl4pPr marL="1371600" indent="0">
+              <a:buFontTx/>
+              <a:buNone/>
+              <a:defRPr/>
+            </a:lvl4pPr>
+            <a:lvl5pPr marL="1828800" indent="0">
+              <a:buFontTx/>
+              <a:buNone/>
+              <a:defRPr/>
+            </a:lvl5pPr>
+          </a:lstStyle>
+          <a:p>
+            <a:pPr lvl="0"/>
+            <a:r>
+              <a:rPr lang="ru-RU" smtClean="0"/>
+              <a:t>Образец текста</a:t>
+            </a:r>
+          </a:p>
+        </p:txBody>
+      </p:sp>
+      <p:sp>
+        <p:nvSpPr>
+          <p:cNvPr id="3" name="Text Placeholder 2"/>
+          <p:cNvSpPr>
+            <a:spLocks noGrp="1"/>
+          </p:cNvSpPr>
+          <p:nvPr>
+            <p:ph type="body" idx="1"/>
+          </p:nvPr>
+        </p:nvSpPr>
+        <p:spPr>
+          <a:xfrm>
+            <a:off x="609598" y="4527448"/>
+            <a:ext cx="6347715" cy="1513914"/>
+          </a:xfrm>
+        </p:spPr>
+        <p:txBody>
+          <a:bodyPr anchor="t">
+            <a:normAutofit/>
+          </a:bodyPr>
+          <a:lstStyle>
+            <a:lvl1pPr marL="0" indent="0" algn="l">
+              <a:buNone/>
+              <a:defRPr sz="1800">
+                <a:solidFill>
+                  <a:schemeClr val="tx1">
+                    <a:lumMod val="50000"/>
+                    <a:lumOff val="50000"/>
+                  </a:schemeClr>
+                </a:solidFill>
+              </a:defRPr>
+            </a:lvl1pPr>
+            <a:lvl2pPr marL="457200" indent="0">
+              <a:buNone/>
+              <a:defRPr sz="1800">
+                <a:solidFill>
+                  <a:schemeClr val="tx1">
+                    <a:tint val="75000"/>
+                  </a:schemeClr>
+                </a:solidFill>
+              </a:defRPr>
+            </a:lvl2pPr>
+            <a:lvl3pPr marL="914400" indent="0">
+              <a:buNone/>
+              <a:defRPr sz="1600">
+                <a:solidFill>
+                  <a:schemeClr val="tx1">
+                    <a:tint val="75000"/>
+                  </a:schemeClr>
+                </a:solidFill>
+              </a:defRPr>
+            </a:lvl3pPr>
+            <a:lvl4pPr marL="1371600" indent="0">
+              <a:buNone/>
+              <a:defRPr sz="1400">
+                <a:solidFill>
+                  <a:schemeClr val="tx1">
+                    <a:tint val="75000"/>
+                  </a:schemeClr>
+                </a:solidFill>
+              </a:defRPr>
+            </a:lvl4pPr>
+            <a:lvl5pPr marL="1828800" indent="0">
+              <a:buNone/>
+              <a:defRPr sz="1400">
+                <a:solidFill>
+                  <a:schemeClr val="tx1">
+                    <a:tint val="75000"/>
+                  </a:schemeClr>
+                </a:solidFill>
+              </a:defRPr>
+            </a:lvl5pPr>
+            <a:lvl6pPr marL="2286000" indent="0">
+              <a:buNone/>
+              <a:defRPr sz="1400">
+                <a:solidFill>
+                  <a:schemeClr val="tx1">
+                    <a:tint val="75000"/>
+                  </a:schemeClr>
+                </a:solidFill>
+              </a:defRPr>
+            </a:lvl6pPr>
+            <a:lvl7pPr marL="2743200" indent="0">
+              <a:buNone/>
+              <a:defRPr sz="1400">
+                <a:solidFill>
+                  <a:schemeClr val="tx1">
+                    <a:tint val="75000"/>
+                  </a:schemeClr>
+                </a:solidFill>
+              </a:defRPr>
+            </a:lvl7pPr>
+            <a:lvl8pPr marL="3200400" indent="0">
+              <a:buNone/>
+              <a:defRPr sz="1400">
+                <a:solidFill>
+                  <a:schemeClr val="tx1">
+                    <a:tint val="75000"/>
+                  </a:schemeClr>
+                </a:solidFill>
+              </a:defRPr>
+            </a:lvl8pPr>
+            <a:lvl9pPr marL="3657600" indent="0">
+              <a:buNone/>
+              <a:defRPr sz="1400">
+                <a:solidFill>
+                  <a:schemeClr val="tx1">
+                    <a:tint val="75000"/>
+                  </a:schemeClr>
+                </a:solidFill>
+              </a:defRPr>
+            </a:lvl9pPr>
+          </a:lstStyle>
+          <a:p>
+            <a:pPr lvl="0"/>
+            <a:r>
+              <a:rPr lang="ru-RU" smtClean="0"/>
+              <a:t>Образец текста</a:t>
+            </a:r>
+          </a:p>
+        </p:txBody>
+      </p:sp>
+      <p:sp>
+        <p:nvSpPr>
+          <p:cNvPr id="4" name="Date Placeholder 3"/>
+          <p:cNvSpPr>
+            <a:spLocks noGrp="1"/>
+          </p:cNvSpPr>
+          <p:nvPr>
+            <p:ph type="dt" sz="half" idx="10"/>
+          </p:nvPr>
+        </p:nvSpPr>
+        <p:spPr/>
+        <p:txBody>
+          <a:bodyPr/>
+          <a:lstStyle/>
+          <a:p>
+            <a:fld id="{449514C4-C1C0-4708-9E73-349328450D5C}" type="datetimeFigureOut">
+              <a:rPr lang="ru-RU" smtClean="0"/>
+              <a:t>20.01.2020</a:t>
+            </a:fld>
+            <a:endParaRPr lang="ru-RU"/>
+          </a:p>
+        </p:txBody>
+      </p:sp>
+      <p:sp>
+        <p:nvSpPr>
+          <p:cNvPr id="5" name="Footer Placeholder 4"/>
+          <p:cNvSpPr>
+            <a:spLocks noGrp="1"/>
+          </p:cNvSpPr>
+          <p:nvPr>
+            <p:ph type="ftr" sz="quarter" idx="11"/>
+          </p:nvPr>
+        </p:nvSpPr>
+        <p:spPr/>
+        <p:txBody>
+          <a:bodyPr/>
+          <a:lstStyle/>
+          <a:p>
+            <a:endParaRPr lang="ru-RU"/>
+          </a:p>
+        </p:txBody>
+      </p:sp>
+      <p:sp>
+        <p:nvSpPr>
+          <p:cNvPr id="6" name="Slide Number Placeholder 5"/>
+          <p:cNvSpPr>
+            <a:spLocks noGrp="1"/>
+          </p:cNvSpPr>
+          <p:nvPr>
+            <p:ph type="sldNum" sz="quarter" idx="12"/>
+          </p:nvPr>
+        </p:nvSpPr>
+        <p:spPr/>
+        <p:txBody>
+          <a:bodyPr/>
+          <a:lstStyle/>
+          <a:p>
+            <a:fld id="{A6642CB4-A55A-4EB0-A8EE-D18A89A186CA}" type="slidenum">
+              <a:rPr lang="ru-RU" smtClean="0"/>
+              <a:t>‹#›</a:t>
+            </a:fld>
+            <a:endParaRPr lang="ru-RU"/>
+          </a:p>
+        </p:txBody>
+      </p:sp>
+      <p:sp>
+        <p:nvSpPr>
+          <p:cNvPr id="24" name="TextBox 23"/>
+          <p:cNvSpPr txBox="1"/>
+          <p:nvPr/>
+        </p:nvSpPr>
+        <p:spPr>
+          <a:xfrm>
+            <a:off x="482711" y="790378"/>
+            <a:ext cx="457319" cy="584776"/>
+          </a:xfrm>
+          <a:prstGeom prst="rect">
+            <a:avLst/>
+          </a:prstGeom>
+        </p:spPr>
+        <p:txBody>
+          <a:bodyPr vert="horz" lIns="91440" tIns="45720" rIns="91440" bIns="45720" rtlCol="0" anchor="ctr">
+            <a:noAutofit/>
+          </a:bodyPr>
+          <a:lstStyle/>
+          <a:p>
+            <a:pPr lvl="0"/>
+            <a:r>
+              <a:rPr lang="en-US" sz="8000" baseline="0" dirty="0">
+                <a:ln w="3175" cmpd="sng">
+                  <a:noFill/>
+                </a:ln>
+                <a:solidFill>
+                  <a:schemeClr val="accent1">
+                    <a:lumMod val="60000"/>
+                    <a:lumOff val="40000"/>
+                  </a:schemeClr>
+                </a:solidFill>
+                <a:effectLst/>
+                <a:latin typeface="Arial"/>
+              </a:rPr>
+              <a:t>“</a:t>
+            </a:r>
+          </a:p>
+        </p:txBody>
+      </p:sp>
+      <p:sp>
+        <p:nvSpPr>
+          <p:cNvPr id="25" name="TextBox 24"/>
+          <p:cNvSpPr txBox="1"/>
+          <p:nvPr/>
+        </p:nvSpPr>
+        <p:spPr>
+          <a:xfrm>
+            <a:off x="6747699" y="2886556"/>
+            <a:ext cx="457319" cy="584776"/>
+          </a:xfrm>
+          <a:prstGeom prst="rect">
+            <a:avLst/>
+          </a:prstGeom>
+        </p:spPr>
+        <p:txBody>
+          <a:bodyPr vert="horz" lIns="91440" tIns="45720" rIns="91440" bIns="45720" rtlCol="0" anchor="ctr">
+            <a:noAutofit/>
+          </a:bodyPr>
+          <a:lstStyle/>
+          <a:p>
+            <a:pPr lvl="0"/>
+            <a:r>
+              <a:rPr lang="en-US" sz="8000" baseline="0" dirty="0">
+                <a:ln w="3175" cmpd="sng">
+                  <a:noFill/>
+                </a:ln>
+                <a:solidFill>
+                  <a:schemeClr val="accent1">
+                    <a:lumMod val="60000"/>
+                    <a:lumOff val="40000"/>
+                  </a:schemeClr>
+                </a:solidFill>
+                <a:effectLst/>
+                <a:latin typeface="Arial"/>
+              </a:rPr>
+              <a:t>”</a:t>
+            </a:r>
+          </a:p>
+        </p:txBody>
+      </p:sp>
+    </p:spTree>
+    <p:extLst>
+      <p:ext uri="{BB962C8B-B14F-4D97-AF65-F5344CB8AC3E}">
+        <p14:creationId xmlns:p14="http://schemas.microsoft.com/office/powerpoint/2010/main" val="1945356870"/>
+      </p:ext>
+    </p:extLst>
+  </p:cSld>
+  <p:clrMapOvr>
+    <a:masterClrMapping/>
+  </p:clrMapOvr>
+</p:sldLayout>
+</file>
+
+<file path=ppt/slideLayouts/slideLayout14.xml><?xml version="1.0" encoding="utf-8"?>
+<p:sldLayout xmlns:a="http://schemas.openxmlformats.org/drawingml/2006/main" xmlns:r="http://schemas.openxmlformats.org/officeDocument/2006/relationships" xmlns:p="http://schemas.openxmlformats.org/presentationml/2006/main" preserve="1">
+  <p:cSld name="Истина или ложь">
+    <p:spTree>
+      <p:nvGrpSpPr>
+        <p:cNvPr id="1" name=""/>
+        <p:cNvGrpSpPr/>
+        <p:nvPr/>
+      </p:nvGrpSpPr>
+      <p:grpSpPr>
+        <a:xfrm>
+          <a:off x="0" y="0"/>
+          <a:ext cx="0" cy="0"/>
+          <a:chOff x="0" y="0"/>
+          <a:chExt cx="0" cy="0"/>
+        </a:xfrm>
+      </p:grpSpPr>
+      <p:sp>
+        <p:nvSpPr>
+          <p:cNvPr id="2" name="Title 1"/>
+          <p:cNvSpPr>
+            <a:spLocks noGrp="1"/>
+          </p:cNvSpPr>
+          <p:nvPr>
+            <p:ph type="title"/>
+          </p:nvPr>
+        </p:nvSpPr>
+        <p:spPr>
+          <a:xfrm>
+            <a:off x="615848" y="609600"/>
+            <a:ext cx="6341465" cy="3022600"/>
+          </a:xfrm>
+        </p:spPr>
+        <p:txBody>
+          <a:bodyPr anchor="ctr">
+            <a:normAutofit/>
+          </a:bodyPr>
+          <a:lstStyle>
+            <a:lvl1pPr algn="l">
+              <a:defRPr sz="4400" b="0" cap="none"/>
+            </a:lvl1pPr>
+          </a:lstStyle>
+          <a:p>
+            <a:r>
+              <a:rPr lang="ru-RU" smtClean="0"/>
+              <a:t>Образец заголовка</a:t>
+            </a:r>
+            <a:endParaRPr lang="en-US" dirty="0"/>
+          </a:p>
+        </p:txBody>
+      </p:sp>
+      <p:sp>
+        <p:nvSpPr>
+          <p:cNvPr id="23" name="Text Placeholder 9"/>
+          <p:cNvSpPr>
+            <a:spLocks noGrp="1"/>
+          </p:cNvSpPr>
+          <p:nvPr>
+            <p:ph type="body" sz="quarter" idx="13"/>
+          </p:nvPr>
+        </p:nvSpPr>
+        <p:spPr>
+          <a:xfrm>
+            <a:off x="609597" y="4013200"/>
+            <a:ext cx="6347716" cy="514248"/>
+          </a:xfrm>
+        </p:spPr>
+        <p:txBody>
+          <a:bodyPr anchor="b">
+            <a:noAutofit/>
+          </a:bodyPr>
+          <a:lstStyle>
+            <a:lvl1pPr marL="0" indent="0">
+              <a:buFontTx/>
+              <a:buNone/>
+              <a:defRPr sz="2400">
+                <a:solidFill>
+                  <a:schemeClr val="accent1"/>
+                </a:solidFill>
+              </a:defRPr>
+            </a:lvl1pPr>
+            <a:lvl2pPr marL="457200" indent="0">
+              <a:buFontTx/>
+              <a:buNone/>
+              <a:defRPr/>
+            </a:lvl2pPr>
+            <a:lvl3pPr marL="914400" indent="0">
+              <a:buFontTx/>
+              <a:buNone/>
+              <a:defRPr/>
+            </a:lvl3pPr>
+            <a:lvl4pPr marL="1371600" indent="0">
+              <a:buFontTx/>
+              <a:buNone/>
+              <a:defRPr/>
+            </a:lvl4pPr>
+            <a:lvl5pPr marL="1828800" indent="0">
+              <a:buFontTx/>
+              <a:buNone/>
+              <a:defRPr/>
+            </a:lvl5pPr>
+          </a:lstStyle>
+          <a:p>
+            <a:pPr lvl="0"/>
+            <a:r>
+              <a:rPr lang="ru-RU" smtClean="0"/>
+              <a:t>Образец текста</a:t>
+            </a:r>
+          </a:p>
+        </p:txBody>
+      </p:sp>
+      <p:sp>
+        <p:nvSpPr>
+          <p:cNvPr id="3" name="Text Placeholder 2"/>
+          <p:cNvSpPr>
+            <a:spLocks noGrp="1"/>
+          </p:cNvSpPr>
+          <p:nvPr>
+            <p:ph type="body" idx="1"/>
+          </p:nvPr>
+        </p:nvSpPr>
+        <p:spPr>
+          <a:xfrm>
+            <a:off x="609598" y="4527448"/>
+            <a:ext cx="6347715" cy="1513914"/>
+          </a:xfrm>
+        </p:spPr>
+        <p:txBody>
+          <a:bodyPr anchor="t">
+            <a:normAutofit/>
+          </a:bodyPr>
+          <a:lstStyle>
+            <a:lvl1pPr marL="0" indent="0" algn="l">
+              <a:buNone/>
+              <a:defRPr sz="1800">
+                <a:solidFill>
+                  <a:schemeClr val="tx1">
+                    <a:lumMod val="50000"/>
+                    <a:lumOff val="50000"/>
+                  </a:schemeClr>
+                </a:solidFill>
+              </a:defRPr>
+            </a:lvl1pPr>
+            <a:lvl2pPr marL="457200" indent="0">
+              <a:buNone/>
+              <a:defRPr sz="1800">
+                <a:solidFill>
+                  <a:schemeClr val="tx1">
+                    <a:tint val="75000"/>
+                  </a:schemeClr>
+                </a:solidFill>
+              </a:defRPr>
+            </a:lvl2pPr>
+            <a:lvl3pPr marL="914400" indent="0">
+              <a:buNone/>
+              <a:defRPr sz="1600">
+                <a:solidFill>
+                  <a:schemeClr val="tx1">
+                    <a:tint val="75000"/>
+                  </a:schemeClr>
+                </a:solidFill>
+              </a:defRPr>
+            </a:lvl3pPr>
+            <a:lvl4pPr marL="1371600" indent="0">
+              <a:buNone/>
+              <a:defRPr sz="1400">
+                <a:solidFill>
+                  <a:schemeClr val="tx1">
+                    <a:tint val="75000"/>
+                  </a:schemeClr>
+                </a:solidFill>
+              </a:defRPr>
+            </a:lvl4pPr>
+            <a:lvl5pPr marL="1828800" indent="0">
+              <a:buNone/>
+              <a:defRPr sz="1400">
+                <a:solidFill>
+                  <a:schemeClr val="tx1">
+                    <a:tint val="75000"/>
+                  </a:schemeClr>
+                </a:solidFill>
+              </a:defRPr>
+            </a:lvl5pPr>
+            <a:lvl6pPr marL="2286000" indent="0">
+              <a:buNone/>
+              <a:defRPr sz="1400">
+                <a:solidFill>
+                  <a:schemeClr val="tx1">
+                    <a:tint val="75000"/>
+                  </a:schemeClr>
+                </a:solidFill>
+              </a:defRPr>
+            </a:lvl6pPr>
+            <a:lvl7pPr marL="2743200" indent="0">
+              <a:buNone/>
+              <a:defRPr sz="1400">
+                <a:solidFill>
+                  <a:schemeClr val="tx1">
+                    <a:tint val="75000"/>
+                  </a:schemeClr>
+                </a:solidFill>
+              </a:defRPr>
+            </a:lvl7pPr>
+            <a:lvl8pPr marL="3200400" indent="0">
+              <a:buNone/>
+              <a:defRPr sz="1400">
+                <a:solidFill>
+                  <a:schemeClr val="tx1">
+                    <a:tint val="75000"/>
+                  </a:schemeClr>
+                </a:solidFill>
+              </a:defRPr>
+            </a:lvl8pPr>
+            <a:lvl9pPr marL="3657600" indent="0">
+              <a:buNone/>
+              <a:defRPr sz="1400">
+                <a:solidFill>
+                  <a:schemeClr val="tx1">
+                    <a:tint val="75000"/>
+                  </a:schemeClr>
+                </a:solidFill>
+              </a:defRPr>
+            </a:lvl9pPr>
+          </a:lstStyle>
+          <a:p>
+            <a:pPr lvl="0"/>
+            <a:r>
+              <a:rPr lang="ru-RU" smtClean="0"/>
+              <a:t>Образец текста</a:t>
+            </a:r>
+          </a:p>
+        </p:txBody>
+      </p:sp>
+      <p:sp>
+        <p:nvSpPr>
+          <p:cNvPr id="4" name="Date Placeholder 3"/>
+          <p:cNvSpPr>
+            <a:spLocks noGrp="1"/>
+          </p:cNvSpPr>
+          <p:nvPr>
+            <p:ph type="dt" sz="half" idx="10"/>
+          </p:nvPr>
+        </p:nvSpPr>
+        <p:spPr/>
+        <p:txBody>
+          <a:bodyPr/>
+          <a:lstStyle/>
+          <a:p>
+            <a:fld id="{449514C4-C1C0-4708-9E73-349328450D5C}" type="datetimeFigureOut">
+              <a:rPr lang="ru-RU" smtClean="0"/>
+              <a:t>20.01.2020</a:t>
+            </a:fld>
+            <a:endParaRPr lang="ru-RU"/>
+          </a:p>
+        </p:txBody>
+      </p:sp>
+      <p:sp>
+        <p:nvSpPr>
+          <p:cNvPr id="5" name="Footer Placeholder 4"/>
+          <p:cNvSpPr>
+            <a:spLocks noGrp="1"/>
+          </p:cNvSpPr>
+          <p:nvPr>
+            <p:ph type="ftr" sz="quarter" idx="11"/>
+          </p:nvPr>
+        </p:nvSpPr>
+        <p:spPr/>
+        <p:txBody>
+          <a:bodyPr/>
+          <a:lstStyle/>
+          <a:p>
+            <a:endParaRPr lang="ru-RU"/>
+          </a:p>
+        </p:txBody>
+      </p:sp>
+      <p:sp>
+        <p:nvSpPr>
+          <p:cNvPr id="6" name="Slide Number Placeholder 5"/>
+          <p:cNvSpPr>
+            <a:spLocks noGrp="1"/>
+          </p:cNvSpPr>
+          <p:nvPr>
+            <p:ph type="sldNum" sz="quarter" idx="12"/>
+          </p:nvPr>
+        </p:nvSpPr>
+        <p:spPr/>
+        <p:txBody>
+          <a:bodyPr/>
+          <a:lstStyle/>
+          <a:p>
+            <a:fld id="{A6642CB4-A55A-4EB0-A8EE-D18A89A186CA}" type="slidenum">
+              <a:rPr lang="ru-RU" smtClean="0"/>
+              <a:t>‹#›</a:t>
+            </a:fld>
+            <a:endParaRPr lang="ru-RU"/>
+          </a:p>
+        </p:txBody>
+      </p:sp>
+    </p:spTree>
+    <p:extLst>
+      <p:ext uri="{BB962C8B-B14F-4D97-AF65-F5344CB8AC3E}">
+        <p14:creationId xmlns:p14="http://schemas.microsoft.com/office/powerpoint/2010/main" val="4215505555"/>
+      </p:ext>
+    </p:extLst>
+  </p:cSld>
+  <p:clrMapOvr>
+    <a:masterClrMapping/>
+  </p:clrMapOvr>
+</p:sldLayout>
+</file>
+
+<file path=ppt/slideLayouts/slideLayout15.xml><?xml version="1.0" encoding="utf-8"?>
 <p:sldLayout xmlns:a="http://schemas.openxmlformats.org/drawingml/2006/main" xmlns:r="http://schemas.openxmlformats.org/officeDocument/2006/relationships" xmlns:p="http://schemas.openxmlformats.org/presentationml/2006/main" type="vertTx" preserve="1">
   <p:cSld name="Заголовок и вертикальный текст">
     <p:spTree>
@@ -368,7 +2609,7 @@
       </p:grpSpPr>
       <p:sp>
         <p:nvSpPr>
-          <p:cNvPr id="2" name="Заголовок 1"/>
+          <p:cNvPr id="2" name="Title 1"/>
           <p:cNvSpPr>
             <a:spLocks noGrp="1"/>
           </p:cNvSpPr>
@@ -385,13 +2626,13 @@
               <a:rPr lang="ru-RU" smtClean="0"/>
               <a:t>Образец заголовка</a:t>
             </a:r>
-            <a:endParaRPr lang="ru-RU"/>
-          </a:p>
-        </p:txBody>
-      </p:sp>
-      <p:sp>
-        <p:nvSpPr>
-          <p:cNvPr id="3" name="Вертикальный текст 2"/>
+            <a:endParaRPr lang="en-US" dirty="0"/>
+          </a:p>
+        </p:txBody>
+      </p:sp>
+      <p:sp>
+        <p:nvSpPr>
+          <p:cNvPr id="3" name="Vertical Text Placeholder 2"/>
           <p:cNvSpPr>
             <a:spLocks noGrp="1"/>
           </p:cNvSpPr>
@@ -437,13 +2678,13 @@
               <a:rPr lang="ru-RU" smtClean="0"/>
               <a:t>Пятый уровень</a:t>
             </a:r>
-            <a:endParaRPr lang="ru-RU"/>
-          </a:p>
-        </p:txBody>
-      </p:sp>
-      <p:sp>
-        <p:nvSpPr>
-          <p:cNvPr id="4" name="Дата 3"/>
+            <a:endParaRPr lang="en-US" dirty="0"/>
+          </a:p>
+        </p:txBody>
+      </p:sp>
+      <p:sp>
+        <p:nvSpPr>
+          <p:cNvPr id="4" name="Date Placeholder 3"/>
           <p:cNvSpPr>
             <a:spLocks noGrp="1"/>
           </p:cNvSpPr>
@@ -466,7 +2707,7 @@
       </p:sp>
       <p:sp>
         <p:nvSpPr>
-          <p:cNvPr id="5" name="Нижний колонтитул 4"/>
+          <p:cNvPr id="5" name="Footer Placeholder 4"/>
           <p:cNvSpPr>
             <a:spLocks noGrp="1"/>
           </p:cNvSpPr>
@@ -485,7 +2726,7 @@
       </p:sp>
       <p:sp>
         <p:nvSpPr>
-          <p:cNvPr id="6" name="Номер слайда 5"/>
+          <p:cNvPr id="6" name="Slide Number Placeholder 5"/>
           <p:cNvSpPr>
             <a:spLocks noGrp="1"/>
           </p:cNvSpPr>
@@ -507,6 +2748,11 @@
         </p:txBody>
       </p:sp>
     </p:spTree>
+    <p:extLst>
+      <p:ext uri="{BB962C8B-B14F-4D97-AF65-F5344CB8AC3E}">
+        <p14:creationId xmlns:p14="http://schemas.microsoft.com/office/powerpoint/2010/main" val="3609102022"/>
+      </p:ext>
+    </p:extLst>
   </p:cSld>
   <p:clrMapOvr>
     <a:masterClrMapping/>
@@ -514,7 +2760,7 @@
 </p:sldLayout>
 </file>
 
-<file path=ppt/slideLayouts/slideLayout11.xml><?xml version="1.0" encoding="utf-8"?>
+<file path=ppt/slideLayouts/slideLayout16.xml><?xml version="1.0" encoding="utf-8"?>
 <p:sldLayout xmlns:a="http://schemas.openxmlformats.org/drawingml/2006/main" xmlns:r="http://schemas.openxmlformats.org/officeDocument/2006/relationships" xmlns:p="http://schemas.openxmlformats.org/presentationml/2006/main" type="vertTitleAndTx" preserve="1">
   <p:cSld name="Вертикальный заголовок и текст">
     <p:spTree>
@@ -533,7 +2779,7 @@
       </p:grpSpPr>
       <p:sp>
         <p:nvSpPr>
-          <p:cNvPr id="2" name="Вертикальный заголовок 1"/>
+          <p:cNvPr id="2" name="Vertical Title 1"/>
           <p:cNvSpPr>
             <a:spLocks noGrp="1"/>
           </p:cNvSpPr>
@@ -543,42 +2789,42 @@
         </p:nvSpPr>
         <p:spPr>
           <a:xfrm>
-            <a:off x="6629400" y="274638"/>
-            <a:ext cx="2057400" cy="5851525"/>
+            <a:off x="5977312" y="609600"/>
+            <a:ext cx="978812" cy="5251451"/>
           </a:xfrm>
         </p:spPr>
         <p:txBody>
+          <a:bodyPr vert="eaVert" anchor="ctr"/>
+          <a:lstStyle/>
+          <a:p>
+            <a:r>
+              <a:rPr lang="ru-RU" smtClean="0"/>
+              <a:t>Образец заголовка</a:t>
+            </a:r>
+            <a:endParaRPr lang="en-US" dirty="0"/>
+          </a:p>
+        </p:txBody>
+      </p:sp>
+      <p:sp>
+        <p:nvSpPr>
+          <p:cNvPr id="3" name="Vertical Text Placeholder 2"/>
+          <p:cNvSpPr>
+            <a:spLocks noGrp="1"/>
+          </p:cNvSpPr>
+          <p:nvPr>
+            <p:ph type="body" orient="vert" idx="1"/>
+          </p:nvPr>
+        </p:nvSpPr>
+        <p:spPr>
+          <a:xfrm>
+            <a:off x="609599" y="609600"/>
+            <a:ext cx="5195026" cy="5251451"/>
+          </a:xfrm>
+        </p:spPr>
+        <p:txBody>
           <a:bodyPr vert="eaVert"/>
           <a:lstStyle/>
           <a:p>
-            <a:r>
-              <a:rPr lang="ru-RU" smtClean="0"/>
-              <a:t>Образец заголовка</a:t>
-            </a:r>
-            <a:endParaRPr lang="ru-RU"/>
-          </a:p>
-        </p:txBody>
-      </p:sp>
-      <p:sp>
-        <p:nvSpPr>
-          <p:cNvPr id="3" name="Вертикальный текст 2"/>
-          <p:cNvSpPr>
-            <a:spLocks noGrp="1"/>
-          </p:cNvSpPr>
-          <p:nvPr>
-            <p:ph type="body" orient="vert" idx="1"/>
-          </p:nvPr>
-        </p:nvSpPr>
-        <p:spPr>
-          <a:xfrm>
-            <a:off x="457200" y="274638"/>
-            <a:ext cx="6019800" cy="5851525"/>
-          </a:xfrm>
-        </p:spPr>
-        <p:txBody>
-          <a:bodyPr vert="eaVert"/>
-          <a:lstStyle/>
-          <a:p>
             <a:pPr lvl="0"/>
             <a:r>
               <a:rPr lang="ru-RU" smtClean="0"/>
@@ -612,13 +2858,13 @@
               <a:rPr lang="ru-RU" smtClean="0"/>
               <a:t>Пятый уровень</a:t>
             </a:r>
-            <a:endParaRPr lang="ru-RU"/>
-          </a:p>
-        </p:txBody>
-      </p:sp>
-      <p:sp>
-        <p:nvSpPr>
-          <p:cNvPr id="4" name="Дата 3"/>
+            <a:endParaRPr lang="en-US" dirty="0"/>
+          </a:p>
+        </p:txBody>
+      </p:sp>
+      <p:sp>
+        <p:nvSpPr>
+          <p:cNvPr id="4" name="Date Placeholder 3"/>
           <p:cNvSpPr>
             <a:spLocks noGrp="1"/>
           </p:cNvSpPr>
@@ -641,7 +2887,7 @@
       </p:sp>
       <p:sp>
         <p:nvSpPr>
-          <p:cNvPr id="5" name="Нижний колонтитул 4"/>
+          <p:cNvPr id="5" name="Footer Placeholder 4"/>
           <p:cNvSpPr>
             <a:spLocks noGrp="1"/>
           </p:cNvSpPr>
@@ -660,7 +2906,7 @@
       </p:sp>
       <p:sp>
         <p:nvSpPr>
-          <p:cNvPr id="6" name="Номер слайда 5"/>
+          <p:cNvPr id="6" name="Slide Number Placeholder 5"/>
           <p:cNvSpPr>
             <a:spLocks noGrp="1"/>
           </p:cNvSpPr>
@@ -682,6 +2928,11 @@
         </p:txBody>
       </p:sp>
     </p:spTree>
+    <p:extLst>
+      <p:ext uri="{BB962C8B-B14F-4D97-AF65-F5344CB8AC3E}">
+        <p14:creationId xmlns:p14="http://schemas.microsoft.com/office/powerpoint/2010/main" val="1425747884"/>
+      </p:ext>
+    </p:extLst>
   </p:cSld>
   <p:clrMapOvr>
     <a:masterClrMapping/>
@@ -708,7 +2959,7 @@
       </p:grpSpPr>
       <p:sp>
         <p:nvSpPr>
-          <p:cNvPr id="2" name="Заголовок 1"/>
+          <p:cNvPr id="2" name="Title 1"/>
           <p:cNvSpPr>
             <a:spLocks noGrp="1"/>
           </p:cNvSpPr>
@@ -725,13 +2976,13 @@
               <a:rPr lang="ru-RU" smtClean="0"/>
               <a:t>Образец заголовка</a:t>
             </a:r>
-            <a:endParaRPr lang="ru-RU"/>
-          </a:p>
-        </p:txBody>
-      </p:sp>
-      <p:sp>
-        <p:nvSpPr>
-          <p:cNvPr id="3" name="Содержимое 2"/>
+            <a:endParaRPr lang="en-US" dirty="0"/>
+          </a:p>
+        </p:txBody>
+      </p:sp>
+      <p:sp>
+        <p:nvSpPr>
+          <p:cNvPr id="3" name="Content Placeholder 2"/>
           <p:cNvSpPr>
             <a:spLocks noGrp="1"/>
           </p:cNvSpPr>
@@ -777,13 +3028,13 @@
               <a:rPr lang="ru-RU" smtClean="0"/>
               <a:t>Пятый уровень</a:t>
             </a:r>
-            <a:endParaRPr lang="ru-RU"/>
-          </a:p>
-        </p:txBody>
-      </p:sp>
-      <p:sp>
-        <p:nvSpPr>
-          <p:cNvPr id="4" name="Дата 3"/>
+            <a:endParaRPr lang="en-US" dirty="0"/>
+          </a:p>
+        </p:txBody>
+      </p:sp>
+      <p:sp>
+        <p:nvSpPr>
+          <p:cNvPr id="4" name="Date Placeholder 3"/>
           <p:cNvSpPr>
             <a:spLocks noGrp="1"/>
           </p:cNvSpPr>
@@ -806,7 +3057,7 @@
       </p:sp>
       <p:sp>
         <p:nvSpPr>
-          <p:cNvPr id="5" name="Нижний колонтитул 4"/>
+          <p:cNvPr id="5" name="Footer Placeholder 4"/>
           <p:cNvSpPr>
             <a:spLocks noGrp="1"/>
           </p:cNvSpPr>
@@ -825,7 +3076,7 @@
       </p:sp>
       <p:sp>
         <p:nvSpPr>
-          <p:cNvPr id="6" name="Номер слайда 5"/>
+          <p:cNvPr id="6" name="Slide Number Placeholder 5"/>
           <p:cNvSpPr>
             <a:spLocks noGrp="1"/>
           </p:cNvSpPr>
@@ -847,6 +3098,11 @@
         </p:txBody>
       </p:sp>
     </p:spTree>
+    <p:extLst>
+      <p:ext uri="{BB962C8B-B14F-4D97-AF65-F5344CB8AC3E}">
+        <p14:creationId xmlns:p14="http://schemas.microsoft.com/office/powerpoint/2010/main" val="3996515041"/>
+      </p:ext>
+    </p:extLst>
   </p:cSld>
   <p:clrMapOvr>
     <a:masterClrMapping/>
@@ -873,7 +3129,7 @@
       </p:grpSpPr>
       <p:sp>
         <p:nvSpPr>
-          <p:cNvPr id="2" name="Заголовок 1"/>
+          <p:cNvPr id="2" name="Title 1"/>
           <p:cNvSpPr>
             <a:spLocks noGrp="1"/>
           </p:cNvSpPr>
@@ -883,51 +3139,52 @@
         </p:nvSpPr>
         <p:spPr>
           <a:xfrm>
-            <a:off x="722313" y="4406900"/>
-            <a:ext cx="7772400" cy="1362075"/>
+            <a:off x="609598" y="2700868"/>
+            <a:ext cx="6347715" cy="1826581"/>
           </a:xfrm>
         </p:spPr>
         <p:txBody>
+          <a:bodyPr anchor="b"/>
+          <a:lstStyle>
+            <a:lvl1pPr algn="l">
+              <a:defRPr sz="4000" b="0" cap="none"/>
+            </a:lvl1pPr>
+          </a:lstStyle>
+          <a:p>
+            <a:r>
+              <a:rPr lang="ru-RU" smtClean="0"/>
+              <a:t>Образец заголовка</a:t>
+            </a:r>
+            <a:endParaRPr lang="en-US" dirty="0"/>
+          </a:p>
+        </p:txBody>
+      </p:sp>
+      <p:sp>
+        <p:nvSpPr>
+          <p:cNvPr id="3" name="Text Placeholder 2"/>
+          <p:cNvSpPr>
+            <a:spLocks noGrp="1"/>
+          </p:cNvSpPr>
+          <p:nvPr>
+            <p:ph type="body" idx="1"/>
+          </p:nvPr>
+        </p:nvSpPr>
+        <p:spPr>
+          <a:xfrm>
+            <a:off x="609598" y="4527448"/>
+            <a:ext cx="6347715" cy="860400"/>
+          </a:xfrm>
+        </p:spPr>
+        <p:txBody>
           <a:bodyPr anchor="t"/>
           <a:lstStyle>
-            <a:lvl1pPr algn="l">
-              <a:defRPr sz="4000" b="1" cap="all"/>
-            </a:lvl1pPr>
-          </a:lstStyle>
-          <a:p>
-            <a:r>
-              <a:rPr lang="ru-RU" smtClean="0"/>
-              <a:t>Образец заголовка</a:t>
-            </a:r>
-            <a:endParaRPr lang="ru-RU"/>
-          </a:p>
-        </p:txBody>
-      </p:sp>
-      <p:sp>
-        <p:nvSpPr>
-          <p:cNvPr id="3" name="Текст 2"/>
-          <p:cNvSpPr>
-            <a:spLocks noGrp="1"/>
-          </p:cNvSpPr>
-          <p:nvPr>
-            <p:ph type="body" idx="1"/>
-          </p:nvPr>
-        </p:nvSpPr>
-        <p:spPr>
-          <a:xfrm>
-            <a:off x="722313" y="2906713"/>
-            <a:ext cx="7772400" cy="1500187"/>
-          </a:xfrm>
-        </p:spPr>
-        <p:txBody>
-          <a:bodyPr anchor="b"/>
-          <a:lstStyle>
-            <a:lvl1pPr marL="0" indent="0">
+            <a:lvl1pPr marL="0" indent="0" algn="l">
               <a:buNone/>
               <a:defRPr sz="2000">
                 <a:solidFill>
                   <a:schemeClr val="tx1">
-                    <a:tint val="75000"/>
+                    <a:lumMod val="50000"/>
+                    <a:lumOff val="50000"/>
                   </a:schemeClr>
                 </a:solidFill>
               </a:defRPr>
@@ -1024,7 +3281,7 @@
       </p:sp>
       <p:sp>
         <p:nvSpPr>
-          <p:cNvPr id="4" name="Дата 3"/>
+          <p:cNvPr id="4" name="Date Placeholder 3"/>
           <p:cNvSpPr>
             <a:spLocks noGrp="1"/>
           </p:cNvSpPr>
@@ -1047,7 +3304,7 @@
       </p:sp>
       <p:sp>
         <p:nvSpPr>
-          <p:cNvPr id="5" name="Нижний колонтитул 4"/>
+          <p:cNvPr id="5" name="Footer Placeholder 4"/>
           <p:cNvSpPr>
             <a:spLocks noGrp="1"/>
           </p:cNvSpPr>
@@ -1066,7 +3323,7 @@
       </p:sp>
       <p:sp>
         <p:nvSpPr>
-          <p:cNvPr id="6" name="Номер слайда 5"/>
+          <p:cNvPr id="6" name="Slide Number Placeholder 5"/>
           <p:cNvSpPr>
             <a:spLocks noGrp="1"/>
           </p:cNvSpPr>
@@ -1088,6 +3345,11 @@
         </p:txBody>
       </p:sp>
     </p:spTree>
+    <p:extLst>
+      <p:ext uri="{BB962C8B-B14F-4D97-AF65-F5344CB8AC3E}">
+        <p14:creationId xmlns:p14="http://schemas.microsoft.com/office/powerpoint/2010/main" val="3728481681"/>
+      </p:ext>
+    </p:extLst>
   </p:cSld>
   <p:clrMapOvr>
     <a:masterClrMapping/>
@@ -1114,7 +3376,7 @@
       </p:grpSpPr>
       <p:sp>
         <p:nvSpPr>
-          <p:cNvPr id="2" name="Заголовок 1"/>
+          <p:cNvPr id="2" name="Title 1"/>
           <p:cNvSpPr>
             <a:spLocks noGrp="1"/>
           </p:cNvSpPr>
@@ -1122,7 +3384,12 @@
             <p:ph type="title"/>
           </p:nvPr>
         </p:nvSpPr>
-        <p:spPr/>
+        <p:spPr>
+          <a:xfrm>
+            <a:off x="609600" y="609600"/>
+            <a:ext cx="6347714" cy="1320800"/>
+          </a:xfrm>
+        </p:spPr>
         <p:txBody>
           <a:bodyPr/>
           <a:lstStyle/>
@@ -1131,13 +3398,13 @@
               <a:rPr lang="ru-RU" smtClean="0"/>
               <a:t>Образец заголовка</a:t>
             </a:r>
-            <a:endParaRPr lang="ru-RU"/>
-          </a:p>
-        </p:txBody>
-      </p:sp>
-      <p:sp>
-        <p:nvSpPr>
-          <p:cNvPr id="3" name="Содержимое 2"/>
+            <a:endParaRPr lang="en-US" dirty="0"/>
+          </a:p>
+        </p:txBody>
+      </p:sp>
+      <p:sp>
+        <p:nvSpPr>
+          <p:cNvPr id="3" name="Content Placeholder 2"/>
           <p:cNvSpPr>
             <a:spLocks noGrp="1"/>
           </p:cNvSpPr>
@@ -1147,39 +3414,41 @@
         </p:nvSpPr>
         <p:spPr>
           <a:xfrm>
-            <a:off x="457200" y="1600200"/>
-            <a:ext cx="4038600" cy="4525963"/>
+            <a:off x="609600" y="2160589"/>
+            <a:ext cx="3088109" cy="3880772"/>
           </a:xfrm>
         </p:spPr>
         <p:txBody>
-          <a:bodyPr/>
+          <a:bodyPr>
+            <a:normAutofit/>
+          </a:bodyPr>
           <a:lstStyle>
             <a:lvl1pPr>
-              <a:defRPr sz="2800"/>
+              <a:defRPr sz="1800"/>
             </a:lvl1pPr>
             <a:lvl2pPr>
-              <a:defRPr sz="2400"/>
+              <a:defRPr sz="1600"/>
             </a:lvl2pPr>
             <a:lvl3pPr>
-              <a:defRPr sz="2000"/>
+              <a:defRPr sz="1400"/>
             </a:lvl3pPr>
             <a:lvl4pPr>
-              <a:defRPr sz="1800"/>
+              <a:defRPr sz="1200"/>
             </a:lvl4pPr>
             <a:lvl5pPr>
-              <a:defRPr sz="1800"/>
+              <a:defRPr sz="1200"/>
             </a:lvl5pPr>
             <a:lvl6pPr>
-              <a:defRPr sz="1800"/>
+              <a:defRPr sz="1200"/>
             </a:lvl6pPr>
             <a:lvl7pPr>
-              <a:defRPr sz="1800"/>
+              <a:defRPr sz="1200"/>
             </a:lvl7pPr>
             <a:lvl8pPr>
-              <a:defRPr sz="1800"/>
+              <a:defRPr sz="1200"/>
             </a:lvl8pPr>
             <a:lvl9pPr>
-              <a:defRPr sz="1800"/>
+              <a:defRPr sz="1200"/>
             </a:lvl9pPr>
           </a:lstStyle>
           <a:p>
@@ -1216,13 +3485,13 @@
               <a:rPr lang="ru-RU" smtClean="0"/>
               <a:t>Пятый уровень</a:t>
             </a:r>
-            <a:endParaRPr lang="ru-RU"/>
-          </a:p>
-        </p:txBody>
-      </p:sp>
-      <p:sp>
-        <p:nvSpPr>
-          <p:cNvPr id="4" name="Содержимое 3"/>
+            <a:endParaRPr lang="en-US" dirty="0"/>
+          </a:p>
+        </p:txBody>
+      </p:sp>
+      <p:sp>
+        <p:nvSpPr>
+          <p:cNvPr id="4" name="Content Placeholder 3"/>
           <p:cNvSpPr>
             <a:spLocks noGrp="1"/>
           </p:cNvSpPr>
@@ -1232,39 +3501,41 @@
         </p:nvSpPr>
         <p:spPr>
           <a:xfrm>
-            <a:off x="4648200" y="1600200"/>
-            <a:ext cx="4038600" cy="4525963"/>
+            <a:off x="3869204" y="2160590"/>
+            <a:ext cx="3088110" cy="3880773"/>
           </a:xfrm>
         </p:spPr>
         <p:txBody>
-          <a:bodyPr/>
+          <a:bodyPr>
+            <a:normAutofit/>
+          </a:bodyPr>
           <a:lstStyle>
             <a:lvl1pPr>
-              <a:defRPr sz="2800"/>
+              <a:defRPr sz="1800"/>
             </a:lvl1pPr>
             <a:lvl2pPr>
-              <a:defRPr sz="2400"/>
+              <a:defRPr sz="1600"/>
             </a:lvl2pPr>
             <a:lvl3pPr>
-              <a:defRPr sz="2000"/>
+              <a:defRPr sz="1400"/>
             </a:lvl3pPr>
             <a:lvl4pPr>
-              <a:defRPr sz="1800"/>
+              <a:defRPr sz="1200"/>
             </a:lvl4pPr>
             <a:lvl5pPr>
-              <a:defRPr sz="1800"/>
+              <a:defRPr sz="1200"/>
             </a:lvl5pPr>
             <a:lvl6pPr>
-              <a:defRPr sz="1800"/>
+              <a:defRPr sz="1200"/>
             </a:lvl6pPr>
             <a:lvl7pPr>
-              <a:defRPr sz="1800"/>
+              <a:defRPr sz="1200"/>
             </a:lvl7pPr>
             <a:lvl8pPr>
-              <a:defRPr sz="1800"/>
+              <a:defRPr sz="1200"/>
             </a:lvl8pPr>
             <a:lvl9pPr>
-              <a:defRPr sz="1800"/>
+              <a:defRPr sz="1200"/>
             </a:lvl9pPr>
           </a:lstStyle>
           <a:p>
@@ -1301,13 +3572,13 @@
               <a:rPr lang="ru-RU" smtClean="0"/>
               <a:t>Пятый уровень</a:t>
             </a:r>
-            <a:endParaRPr lang="ru-RU"/>
-          </a:p>
-        </p:txBody>
-      </p:sp>
-      <p:sp>
-        <p:nvSpPr>
-          <p:cNvPr id="5" name="Дата 4"/>
+            <a:endParaRPr lang="en-US" dirty="0"/>
+          </a:p>
+        </p:txBody>
+      </p:sp>
+      <p:sp>
+        <p:nvSpPr>
+          <p:cNvPr id="5" name="Date Placeholder 4"/>
           <p:cNvSpPr>
             <a:spLocks noGrp="1"/>
           </p:cNvSpPr>
@@ -1330,7 +3601,7 @@
       </p:sp>
       <p:sp>
         <p:nvSpPr>
-          <p:cNvPr id="6" name="Нижний колонтитул 5"/>
+          <p:cNvPr id="6" name="Footer Placeholder 5"/>
           <p:cNvSpPr>
             <a:spLocks noGrp="1"/>
           </p:cNvSpPr>
@@ -1349,7 +3620,7 @@
       </p:sp>
       <p:sp>
         <p:nvSpPr>
-          <p:cNvPr id="7" name="Номер слайда 6"/>
+          <p:cNvPr id="7" name="Slide Number Placeholder 6"/>
           <p:cNvSpPr>
             <a:spLocks noGrp="1"/>
           </p:cNvSpPr>
@@ -1371,6 +3642,11 @@
         </p:txBody>
       </p:sp>
     </p:spTree>
+    <p:extLst>
+      <p:ext uri="{BB962C8B-B14F-4D97-AF65-F5344CB8AC3E}">
+        <p14:creationId xmlns:p14="http://schemas.microsoft.com/office/powerpoint/2010/main" val="2591450848"/>
+      </p:ext>
+    </p:extLst>
   </p:cSld>
   <p:clrMapOvr>
     <a:masterClrMapping/>
@@ -1397,7 +3673,7 @@
       </p:grpSpPr>
       <p:sp>
         <p:nvSpPr>
-          <p:cNvPr id="2" name="Заголовок 1"/>
+          <p:cNvPr id="2" name="Title 1"/>
           <p:cNvSpPr>
             <a:spLocks noGrp="1"/>
           </p:cNvSpPr>
@@ -1405,7 +3681,12 @@
             <p:ph type="title"/>
           </p:nvPr>
         </p:nvSpPr>
-        <p:spPr/>
+        <p:spPr>
+          <a:xfrm>
+            <a:off x="609599" y="609600"/>
+            <a:ext cx="6347713" cy="1320800"/>
+          </a:xfrm>
+        </p:spPr>
         <p:txBody>
           <a:bodyPr/>
           <a:lstStyle>
@@ -1418,13 +3699,13 @@
               <a:rPr lang="ru-RU" smtClean="0"/>
               <a:t>Образец заголовка</a:t>
             </a:r>
-            <a:endParaRPr lang="ru-RU"/>
-          </a:p>
-        </p:txBody>
-      </p:sp>
-      <p:sp>
-        <p:nvSpPr>
-          <p:cNvPr id="3" name="Текст 2"/>
+            <a:endParaRPr lang="en-US" dirty="0"/>
+          </a:p>
+        </p:txBody>
+      </p:sp>
+      <p:sp>
+        <p:nvSpPr>
+          <p:cNvPr id="3" name="Text Placeholder 2"/>
           <p:cNvSpPr>
             <a:spLocks noGrp="1"/>
           </p:cNvSpPr>
@@ -1434,16 +3715,18 @@
         </p:nvSpPr>
         <p:spPr>
           <a:xfrm>
-            <a:off x="457200" y="1535113"/>
-            <a:ext cx="4040188" cy="639762"/>
+            <a:off x="609599" y="2160983"/>
+            <a:ext cx="3090672" cy="576262"/>
           </a:xfrm>
         </p:spPr>
         <p:txBody>
-          <a:bodyPr anchor="b"/>
+          <a:bodyPr anchor="b">
+            <a:noAutofit/>
+          </a:bodyPr>
           <a:lstStyle>
             <a:lvl1pPr marL="0" indent="0">
               <a:buNone/>
-              <a:defRPr sz="2400" b="1"/>
+              <a:defRPr sz="2400" b="0"/>
             </a:lvl1pPr>
             <a:lvl2pPr marL="457200" indent="0">
               <a:buNone/>
@@ -1489,7 +3772,7 @@
       </p:sp>
       <p:sp>
         <p:nvSpPr>
-          <p:cNvPr id="4" name="Содержимое 3"/>
+          <p:cNvPr id="4" name="Content Placeholder 3"/>
           <p:cNvSpPr>
             <a:spLocks noGrp="1"/>
           </p:cNvSpPr>
@@ -1499,41 +3782,15 @@
         </p:nvSpPr>
         <p:spPr>
           <a:xfrm>
-            <a:off x="457200" y="2174875"/>
-            <a:ext cx="4040188" cy="3951288"/>
+            <a:off x="609599" y="2737246"/>
+            <a:ext cx="3090672" cy="3304117"/>
           </a:xfrm>
         </p:spPr>
         <p:txBody>
-          <a:bodyPr/>
-          <a:lstStyle>
-            <a:lvl1pPr>
-              <a:defRPr sz="2400"/>
-            </a:lvl1pPr>
-            <a:lvl2pPr>
-              <a:defRPr sz="2000"/>
-            </a:lvl2pPr>
-            <a:lvl3pPr>
-              <a:defRPr sz="1800"/>
-            </a:lvl3pPr>
-            <a:lvl4pPr>
-              <a:defRPr sz="1600"/>
-            </a:lvl4pPr>
-            <a:lvl5pPr>
-              <a:defRPr sz="1600"/>
-            </a:lvl5pPr>
-            <a:lvl6pPr>
-              <a:defRPr sz="1600"/>
-            </a:lvl6pPr>
-            <a:lvl7pPr>
-              <a:defRPr sz="1600"/>
-            </a:lvl7pPr>
-            <a:lvl8pPr>
-              <a:defRPr sz="1600"/>
-            </a:lvl8pPr>
-            <a:lvl9pPr>
-              <a:defRPr sz="1600"/>
-            </a:lvl9pPr>
-          </a:lstStyle>
+          <a:bodyPr>
+            <a:normAutofit/>
+          </a:bodyPr>
+          <a:lstStyle/>
           <a:p>
             <a:pPr lvl="0"/>
             <a:r>
@@ -1568,13 +3825,13 @@
               <a:rPr lang="ru-RU" smtClean="0"/>
               <a:t>Пятый уровень</a:t>
             </a:r>
-            <a:endParaRPr lang="ru-RU"/>
-          </a:p>
-        </p:txBody>
-      </p:sp>
-      <p:sp>
-        <p:nvSpPr>
-          <p:cNvPr id="5" name="Текст 4"/>
+            <a:endParaRPr lang="en-US" dirty="0"/>
+          </a:p>
+        </p:txBody>
+      </p:sp>
+      <p:sp>
+        <p:nvSpPr>
+          <p:cNvPr id="5" name="Text Placeholder 4"/>
           <p:cNvSpPr>
             <a:spLocks noGrp="1"/>
           </p:cNvSpPr>
@@ -1584,16 +3841,18 @@
         </p:nvSpPr>
         <p:spPr>
           <a:xfrm>
-            <a:off x="4645025" y="1535113"/>
-            <a:ext cx="4041775" cy="639762"/>
+            <a:off x="3866640" y="2160983"/>
+            <a:ext cx="3090672" cy="576262"/>
           </a:xfrm>
         </p:spPr>
         <p:txBody>
-          <a:bodyPr anchor="b"/>
+          <a:bodyPr anchor="b">
+            <a:noAutofit/>
+          </a:bodyPr>
           <a:lstStyle>
             <a:lvl1pPr marL="0" indent="0">
               <a:buNone/>
-              <a:defRPr sz="2400" b="1"/>
+              <a:defRPr sz="2400" b="0"/>
             </a:lvl1pPr>
             <a:lvl2pPr marL="457200" indent="0">
               <a:buNone/>
@@ -1639,7 +3898,7 @@
       </p:sp>
       <p:sp>
         <p:nvSpPr>
-          <p:cNvPr id="6" name="Содержимое 5"/>
+          <p:cNvPr id="6" name="Content Placeholder 5"/>
           <p:cNvSpPr>
             <a:spLocks noGrp="1"/>
           </p:cNvSpPr>
@@ -1649,41 +3908,15 @@
         </p:nvSpPr>
         <p:spPr>
           <a:xfrm>
-            <a:off x="4645025" y="2174875"/>
-            <a:ext cx="4041775" cy="3951288"/>
+            <a:off x="3866640" y="2737246"/>
+            <a:ext cx="3090672" cy="3304117"/>
           </a:xfrm>
         </p:spPr>
         <p:txBody>
-          <a:bodyPr/>
-          <a:lstStyle>
-            <a:lvl1pPr>
-              <a:defRPr sz="2400"/>
-            </a:lvl1pPr>
-            <a:lvl2pPr>
-              <a:defRPr sz="2000"/>
-            </a:lvl2pPr>
-            <a:lvl3pPr>
-              <a:defRPr sz="1800"/>
-            </a:lvl3pPr>
-            <a:lvl4pPr>
-              <a:defRPr sz="1600"/>
-            </a:lvl4pPr>
-            <a:lvl5pPr>
-              <a:defRPr sz="1600"/>
-            </a:lvl5pPr>
-            <a:lvl6pPr>
-              <a:defRPr sz="1600"/>
-            </a:lvl6pPr>
-            <a:lvl7pPr>
-              <a:defRPr sz="1600"/>
-            </a:lvl7pPr>
-            <a:lvl8pPr>
-              <a:defRPr sz="1600"/>
-            </a:lvl8pPr>
-            <a:lvl9pPr>
-              <a:defRPr sz="1600"/>
-            </a:lvl9pPr>
-          </a:lstStyle>
+          <a:bodyPr>
+            <a:normAutofit/>
+          </a:bodyPr>
+          <a:lstStyle/>
           <a:p>
             <a:pPr lvl="0"/>
             <a:r>
@@ -1718,13 +3951,13 @@
               <a:rPr lang="ru-RU" smtClean="0"/>
               <a:t>Пятый уровень</a:t>
             </a:r>
-            <a:endParaRPr lang="ru-RU"/>
-          </a:p>
-        </p:txBody>
-      </p:sp>
-      <p:sp>
-        <p:nvSpPr>
-          <p:cNvPr id="7" name="Дата 6"/>
+            <a:endParaRPr lang="en-US" dirty="0"/>
+          </a:p>
+        </p:txBody>
+      </p:sp>
+      <p:sp>
+        <p:nvSpPr>
+          <p:cNvPr id="7" name="Date Placeholder 6"/>
           <p:cNvSpPr>
             <a:spLocks noGrp="1"/>
           </p:cNvSpPr>
@@ -1747,7 +3980,7 @@
       </p:sp>
       <p:sp>
         <p:nvSpPr>
-          <p:cNvPr id="8" name="Нижний колонтитул 7"/>
+          <p:cNvPr id="8" name="Footer Placeholder 7"/>
           <p:cNvSpPr>
             <a:spLocks noGrp="1"/>
           </p:cNvSpPr>
@@ -1766,7 +3999,7 @@
       </p:sp>
       <p:sp>
         <p:nvSpPr>
-          <p:cNvPr id="9" name="Номер слайда 8"/>
+          <p:cNvPr id="9" name="Slide Number Placeholder 8"/>
           <p:cNvSpPr>
             <a:spLocks noGrp="1"/>
           </p:cNvSpPr>
@@ -1788,6 +4021,11 @@
         </p:txBody>
       </p:sp>
     </p:spTree>
+    <p:extLst>
+      <p:ext uri="{BB962C8B-B14F-4D97-AF65-F5344CB8AC3E}">
+        <p14:creationId xmlns:p14="http://schemas.microsoft.com/office/powerpoint/2010/main" val="1628322977"/>
+      </p:ext>
+    </p:extLst>
   </p:cSld>
   <p:clrMapOvr>
     <a:masterClrMapping/>
@@ -1814,7 +4052,7 @@
       </p:grpSpPr>
       <p:sp>
         <p:nvSpPr>
-          <p:cNvPr id="2" name="Заголовок 1"/>
+          <p:cNvPr id="2" name="Title 1"/>
           <p:cNvSpPr>
             <a:spLocks noGrp="1"/>
           </p:cNvSpPr>
@@ -1822,7 +4060,12 @@
             <p:ph type="title"/>
           </p:nvPr>
         </p:nvSpPr>
-        <p:spPr/>
+        <p:spPr>
+          <a:xfrm>
+            <a:off x="609599" y="609600"/>
+            <a:ext cx="6347714" cy="1320800"/>
+          </a:xfrm>
+        </p:spPr>
         <p:txBody>
           <a:bodyPr/>
           <a:lstStyle/>
@@ -1831,13 +4074,13 @@
               <a:rPr lang="ru-RU" smtClean="0"/>
               <a:t>Образец заголовка</a:t>
             </a:r>
-            <a:endParaRPr lang="ru-RU"/>
-          </a:p>
-        </p:txBody>
-      </p:sp>
-      <p:sp>
-        <p:nvSpPr>
-          <p:cNvPr id="3" name="Дата 2"/>
+            <a:endParaRPr lang="en-US" dirty="0"/>
+          </a:p>
+        </p:txBody>
+      </p:sp>
+      <p:sp>
+        <p:nvSpPr>
+          <p:cNvPr id="3" name="Date Placeholder 2"/>
           <p:cNvSpPr>
             <a:spLocks noGrp="1"/>
           </p:cNvSpPr>
@@ -1860,7 +4103,7 @@
       </p:sp>
       <p:sp>
         <p:nvSpPr>
-          <p:cNvPr id="4" name="Нижний колонтитул 3"/>
+          <p:cNvPr id="4" name="Footer Placeholder 3"/>
           <p:cNvSpPr>
             <a:spLocks noGrp="1"/>
           </p:cNvSpPr>
@@ -1879,7 +4122,7 @@
       </p:sp>
       <p:sp>
         <p:nvSpPr>
-          <p:cNvPr id="5" name="Номер слайда 4"/>
+          <p:cNvPr id="5" name="Slide Number Placeholder 4"/>
           <p:cNvSpPr>
             <a:spLocks noGrp="1"/>
           </p:cNvSpPr>
@@ -1901,6 +4144,11 @@
         </p:txBody>
       </p:sp>
     </p:spTree>
+    <p:extLst>
+      <p:ext uri="{BB962C8B-B14F-4D97-AF65-F5344CB8AC3E}">
+        <p14:creationId xmlns:p14="http://schemas.microsoft.com/office/powerpoint/2010/main" val="2992712736"/>
+      </p:ext>
+    </p:extLst>
   </p:cSld>
   <p:clrMapOvr>
     <a:masterClrMapping/>
@@ -1927,7 +4175,7 @@
       </p:grpSpPr>
       <p:sp>
         <p:nvSpPr>
-          <p:cNvPr id="2" name="Дата 1"/>
+          <p:cNvPr id="2" name="Date Placeholder 1"/>
           <p:cNvSpPr>
             <a:spLocks noGrp="1"/>
           </p:cNvSpPr>
@@ -1950,7 +4198,7 @@
       </p:sp>
       <p:sp>
         <p:nvSpPr>
-          <p:cNvPr id="3" name="Нижний колонтитул 2"/>
+          <p:cNvPr id="3" name="Footer Placeholder 2"/>
           <p:cNvSpPr>
             <a:spLocks noGrp="1"/>
           </p:cNvSpPr>
@@ -1969,7 +4217,7 @@
       </p:sp>
       <p:sp>
         <p:nvSpPr>
-          <p:cNvPr id="4" name="Номер слайда 3"/>
+          <p:cNvPr id="4" name="Slide Number Placeholder 3"/>
           <p:cNvSpPr>
             <a:spLocks noGrp="1"/>
           </p:cNvSpPr>
@@ -1991,6 +4239,11 @@
         </p:txBody>
       </p:sp>
     </p:spTree>
+    <p:extLst>
+      <p:ext uri="{BB962C8B-B14F-4D97-AF65-F5344CB8AC3E}">
+        <p14:creationId xmlns:p14="http://schemas.microsoft.com/office/powerpoint/2010/main" val="500299427"/>
+      </p:ext>
+    </p:extLst>
   </p:cSld>
   <p:clrMapOvr>
     <a:masterClrMapping/>
@@ -2017,7 +4270,7 @@
       </p:grpSpPr>
       <p:sp>
         <p:nvSpPr>
-          <p:cNvPr id="2" name="Заголовок 1"/>
+          <p:cNvPr id="2" name="Title 1"/>
           <p:cNvSpPr>
             <a:spLocks noGrp="1"/>
           </p:cNvSpPr>
@@ -2027,15 +4280,17 @@
         </p:nvSpPr>
         <p:spPr>
           <a:xfrm>
-            <a:off x="457200" y="273050"/>
-            <a:ext cx="3008313" cy="1162050"/>
+            <a:off x="609599" y="1498604"/>
+            <a:ext cx="2790182" cy="1278466"/>
           </a:xfrm>
         </p:spPr>
         <p:txBody>
-          <a:bodyPr anchor="b"/>
+          <a:bodyPr anchor="b">
+            <a:normAutofit/>
+          </a:bodyPr>
           <a:lstStyle>
-            <a:lvl1pPr algn="l">
-              <a:defRPr sz="2000" b="1"/>
+            <a:lvl1pPr>
+              <a:defRPr sz="2000"/>
             </a:lvl1pPr>
           </a:lstStyle>
           <a:p>
@@ -2043,13 +4298,13 @@
               <a:rPr lang="ru-RU" smtClean="0"/>
               <a:t>Образец заголовка</a:t>
             </a:r>
-            <a:endParaRPr lang="ru-RU"/>
-          </a:p>
-        </p:txBody>
-      </p:sp>
-      <p:sp>
-        <p:nvSpPr>
-          <p:cNvPr id="3" name="Содержимое 2"/>
+            <a:endParaRPr lang="en-US" dirty="0"/>
+          </a:p>
+        </p:txBody>
+      </p:sp>
+      <p:sp>
+        <p:nvSpPr>
+          <p:cNvPr id="3" name="Content Placeholder 2"/>
           <p:cNvSpPr>
             <a:spLocks noGrp="1"/>
           </p:cNvSpPr>
@@ -2059,39 +4314,109 @@
         </p:nvSpPr>
         <p:spPr>
           <a:xfrm>
-            <a:off x="3575050" y="273050"/>
-            <a:ext cx="5111750" cy="5853113"/>
+            <a:off x="3571275" y="514925"/>
+            <a:ext cx="3386037" cy="5526437"/>
           </a:xfrm>
         </p:spPr>
         <p:txBody>
-          <a:bodyPr/>
+          <a:bodyPr>
+            <a:normAutofit/>
+          </a:bodyPr>
+          <a:lstStyle/>
+          <a:p>
+            <a:pPr lvl="0"/>
+            <a:r>
+              <a:rPr lang="ru-RU" smtClean="0"/>
+              <a:t>Образец текста</a:t>
+            </a:r>
+          </a:p>
+          <a:p>
+            <a:pPr lvl="1"/>
+            <a:r>
+              <a:rPr lang="ru-RU" smtClean="0"/>
+              <a:t>Второй уровень</a:t>
+            </a:r>
+          </a:p>
+          <a:p>
+            <a:pPr lvl="2"/>
+            <a:r>
+              <a:rPr lang="ru-RU" smtClean="0"/>
+              <a:t>Третий уровень</a:t>
+            </a:r>
+          </a:p>
+          <a:p>
+            <a:pPr lvl="3"/>
+            <a:r>
+              <a:rPr lang="ru-RU" smtClean="0"/>
+              <a:t>Четвертый уровень</a:t>
+            </a:r>
+          </a:p>
+          <a:p>
+            <a:pPr lvl="4"/>
+            <a:r>
+              <a:rPr lang="ru-RU" smtClean="0"/>
+              <a:t>Пятый уровень</a:t>
+            </a:r>
+            <a:endParaRPr lang="en-US" dirty="0"/>
+          </a:p>
+        </p:txBody>
+      </p:sp>
+      <p:sp>
+        <p:nvSpPr>
+          <p:cNvPr id="4" name="Text Placeholder 3"/>
+          <p:cNvSpPr>
+            <a:spLocks noGrp="1"/>
+          </p:cNvSpPr>
+          <p:nvPr>
+            <p:ph type="body" sz="half" idx="2"/>
+          </p:nvPr>
+        </p:nvSpPr>
+        <p:spPr>
+          <a:xfrm>
+            <a:off x="609599" y="2777069"/>
+            <a:ext cx="2790182" cy="2584449"/>
+          </a:xfrm>
+        </p:spPr>
+        <p:txBody>
+          <a:bodyPr>
+            <a:normAutofit/>
+          </a:bodyPr>
           <a:lstStyle>
-            <a:lvl1pPr>
-              <a:defRPr sz="3200"/>
+            <a:lvl1pPr marL="0" indent="0">
+              <a:buNone/>
+              <a:defRPr sz="1400"/>
             </a:lvl1pPr>
-            <a:lvl2pPr>
-              <a:defRPr sz="2800"/>
+            <a:lvl2pPr marL="342900" indent="0">
+              <a:buNone/>
+              <a:defRPr sz="1050"/>
             </a:lvl2pPr>
-            <a:lvl3pPr>
-              <a:defRPr sz="2400"/>
+            <a:lvl3pPr marL="685800" indent="0">
+              <a:buNone/>
+              <a:defRPr sz="900"/>
             </a:lvl3pPr>
-            <a:lvl4pPr>
-              <a:defRPr sz="2000"/>
+            <a:lvl4pPr marL="1028700" indent="0">
+              <a:buNone/>
+              <a:defRPr sz="750"/>
             </a:lvl4pPr>
-            <a:lvl5pPr>
-              <a:defRPr sz="2000"/>
+            <a:lvl5pPr marL="1371600" indent="0">
+              <a:buNone/>
+              <a:defRPr sz="750"/>
             </a:lvl5pPr>
-            <a:lvl6pPr>
-              <a:defRPr sz="2000"/>
+            <a:lvl6pPr marL="1714500" indent="0">
+              <a:buNone/>
+              <a:defRPr sz="750"/>
             </a:lvl6pPr>
-            <a:lvl7pPr>
-              <a:defRPr sz="2000"/>
+            <a:lvl7pPr marL="2057400" indent="0">
+              <a:buNone/>
+              <a:defRPr sz="750"/>
             </a:lvl7pPr>
-            <a:lvl8pPr>
-              <a:defRPr sz="2000"/>
+            <a:lvl8pPr marL="2400300" indent="0">
+              <a:buNone/>
+              <a:defRPr sz="750"/>
             </a:lvl8pPr>
-            <a:lvl9pPr>
-              <a:defRPr sz="2000"/>
+            <a:lvl9pPr marL="2743200" indent="0">
+              <a:buNone/>
+              <a:defRPr sz="750"/>
             </a:lvl9pPr>
           </a:lstStyle>
           <a:p>
@@ -2101,105 +4426,11 @@
               <a:t>Образец текста</a:t>
             </a:r>
           </a:p>
-          <a:p>
-            <a:pPr lvl="1"/>
-            <a:r>
-              <a:rPr lang="ru-RU" smtClean="0"/>
-              <a:t>Второй уровень</a:t>
-            </a:r>
-          </a:p>
-          <a:p>
-            <a:pPr lvl="2"/>
-            <a:r>
-              <a:rPr lang="ru-RU" smtClean="0"/>
-              <a:t>Третий уровень</a:t>
-            </a:r>
-          </a:p>
-          <a:p>
-            <a:pPr lvl="3"/>
-            <a:r>
-              <a:rPr lang="ru-RU" smtClean="0"/>
-              <a:t>Четвертый уровень</a:t>
-            </a:r>
-          </a:p>
-          <a:p>
-            <a:pPr lvl="4"/>
-            <a:r>
-              <a:rPr lang="ru-RU" smtClean="0"/>
-              <a:t>Пятый уровень</a:t>
-            </a:r>
-            <a:endParaRPr lang="ru-RU"/>
-          </a:p>
-        </p:txBody>
-      </p:sp>
-      <p:sp>
-        <p:nvSpPr>
-          <p:cNvPr id="4" name="Текст 3"/>
-          <p:cNvSpPr>
-            <a:spLocks noGrp="1"/>
-          </p:cNvSpPr>
-          <p:nvPr>
-            <p:ph type="body" sz="half" idx="2"/>
-          </p:nvPr>
-        </p:nvSpPr>
-        <p:spPr>
-          <a:xfrm>
-            <a:off x="457200" y="1435100"/>
-            <a:ext cx="3008313" cy="4691063"/>
-          </a:xfrm>
-        </p:spPr>
-        <p:txBody>
-          <a:bodyPr/>
-          <a:lstStyle>
-            <a:lvl1pPr marL="0" indent="0">
-              <a:buNone/>
-              <a:defRPr sz="1400"/>
-            </a:lvl1pPr>
-            <a:lvl2pPr marL="457200" indent="0">
-              <a:buNone/>
-              <a:defRPr sz="1200"/>
-            </a:lvl2pPr>
-            <a:lvl3pPr marL="914400" indent="0">
-              <a:buNone/>
-              <a:defRPr sz="1000"/>
-            </a:lvl3pPr>
-            <a:lvl4pPr marL="1371600" indent="0">
-              <a:buNone/>
-              <a:defRPr sz="900"/>
-            </a:lvl4pPr>
-            <a:lvl5pPr marL="1828800" indent="0">
-              <a:buNone/>
-              <a:defRPr sz="900"/>
-            </a:lvl5pPr>
-            <a:lvl6pPr marL="2286000" indent="0">
-              <a:buNone/>
-              <a:defRPr sz="900"/>
-            </a:lvl6pPr>
-            <a:lvl7pPr marL="2743200" indent="0">
-              <a:buNone/>
-              <a:defRPr sz="900"/>
-            </a:lvl7pPr>
-            <a:lvl8pPr marL="3200400" indent="0">
-              <a:buNone/>
-              <a:defRPr sz="900"/>
-            </a:lvl8pPr>
-            <a:lvl9pPr marL="3657600" indent="0">
-              <a:buNone/>
-              <a:defRPr sz="900"/>
-            </a:lvl9pPr>
-          </a:lstStyle>
-          <a:p>
-            <a:pPr lvl="0"/>
-            <a:r>
-              <a:rPr lang="ru-RU" smtClean="0"/>
-              <a:t>Образец текста</a:t>
-            </a:r>
-          </a:p>
-        </p:txBody>
-      </p:sp>
-      <p:sp>
-        <p:nvSpPr>
-          <p:cNvPr id="5" name="Дата 4"/>
+        </p:txBody>
+      </p:sp>
+      <p:sp>
+        <p:nvSpPr>
+          <p:cNvPr id="5" name="Date Placeholder 4"/>
           <p:cNvSpPr>
             <a:spLocks noGrp="1"/>
           </p:cNvSpPr>
@@ -2222,7 +4453,7 @@
       </p:sp>
       <p:sp>
         <p:nvSpPr>
-          <p:cNvPr id="6" name="Нижний колонтитул 5"/>
+          <p:cNvPr id="6" name="Footer Placeholder 5"/>
           <p:cNvSpPr>
             <a:spLocks noGrp="1"/>
           </p:cNvSpPr>
@@ -2241,7 +4472,7 @@
       </p:sp>
       <p:sp>
         <p:nvSpPr>
-          <p:cNvPr id="7" name="Номер слайда 6"/>
+          <p:cNvPr id="7" name="Slide Number Placeholder 6"/>
           <p:cNvSpPr>
             <a:spLocks noGrp="1"/>
           </p:cNvSpPr>
@@ -2263,6 +4494,11 @@
         </p:txBody>
       </p:sp>
     </p:spTree>
+    <p:extLst>
+      <p:ext uri="{BB962C8B-B14F-4D97-AF65-F5344CB8AC3E}">
+        <p14:creationId xmlns:p14="http://schemas.microsoft.com/office/powerpoint/2010/main" val="868589593"/>
+      </p:ext>
+    </p:extLst>
   </p:cSld>
   <p:clrMapOvr>
     <a:masterClrMapping/>
@@ -2289,7 +4525,7 @@
       </p:grpSpPr>
       <p:sp>
         <p:nvSpPr>
-          <p:cNvPr id="2" name="Заголовок 1"/>
+          <p:cNvPr id="2" name="Title 1"/>
           <p:cNvSpPr>
             <a:spLocks noGrp="1"/>
           </p:cNvSpPr>
@@ -2299,15 +4535,17 @@
         </p:nvSpPr>
         <p:spPr>
           <a:xfrm>
-            <a:off x="1792288" y="4800600"/>
-            <a:ext cx="5486400" cy="566738"/>
+            <a:off x="609599" y="4800600"/>
+            <a:ext cx="6347714" cy="566738"/>
           </a:xfrm>
         </p:spPr>
         <p:txBody>
-          <a:bodyPr anchor="b"/>
+          <a:bodyPr anchor="b">
+            <a:normAutofit/>
+          </a:bodyPr>
           <a:lstStyle>
             <a:lvl1pPr algn="l">
-              <a:defRPr sz="2000" b="1"/>
+              <a:defRPr sz="2400" b="0"/>
             </a:lvl1pPr>
           </a:lstStyle>
           <a:p>
@@ -2315,15 +4553,15 @@
               <a:rPr lang="ru-RU" smtClean="0"/>
               <a:t>Образец заголовка</a:t>
             </a:r>
-            <a:endParaRPr lang="ru-RU"/>
-          </a:p>
-        </p:txBody>
-      </p:sp>
-      <p:sp>
-        <p:nvSpPr>
-          <p:cNvPr id="3" name="Рисунок 2"/>
-          <p:cNvSpPr>
-            <a:spLocks noGrp="1"/>
+            <a:endParaRPr lang="en-US" dirty="0"/>
+          </a:p>
+        </p:txBody>
+      </p:sp>
+      <p:sp>
+        <p:nvSpPr>
+          <p:cNvPr id="3" name="Picture Placeholder 2"/>
+          <p:cNvSpPr>
+            <a:spLocks noGrp="1" noChangeAspect="1"/>
           </p:cNvSpPr>
           <p:nvPr>
             <p:ph type="pic" idx="1"/>
@@ -2331,77 +4569,85 @@
         </p:nvSpPr>
         <p:spPr>
           <a:xfrm>
-            <a:off x="1792288" y="612775"/>
-            <a:ext cx="5486400" cy="4114800"/>
+            <a:off x="609599" y="609600"/>
+            <a:ext cx="6347714" cy="3845718"/>
           </a:xfrm>
         </p:spPr>
         <p:txBody>
-          <a:bodyPr/>
+          <a:bodyPr anchor="t">
+            <a:normAutofit/>
+          </a:bodyPr>
+          <a:lstStyle>
+            <a:lvl1pPr marL="0" indent="0" algn="ctr">
+              <a:buNone/>
+              <a:defRPr sz="1600"/>
+            </a:lvl1pPr>
+            <a:lvl2pPr marL="457200" indent="0">
+              <a:buNone/>
+              <a:defRPr sz="1600"/>
+            </a:lvl2pPr>
+            <a:lvl3pPr marL="914400" indent="0">
+              <a:buNone/>
+              <a:defRPr sz="1600"/>
+            </a:lvl3pPr>
+            <a:lvl4pPr marL="1371600" indent="0">
+              <a:buNone/>
+              <a:defRPr sz="1600"/>
+            </a:lvl4pPr>
+            <a:lvl5pPr marL="1828800" indent="0">
+              <a:buNone/>
+              <a:defRPr sz="1600"/>
+            </a:lvl5pPr>
+            <a:lvl6pPr marL="2286000" indent="0">
+              <a:buNone/>
+              <a:defRPr sz="1600"/>
+            </a:lvl6pPr>
+            <a:lvl7pPr marL="2743200" indent="0">
+              <a:buNone/>
+              <a:defRPr sz="1600"/>
+            </a:lvl7pPr>
+            <a:lvl8pPr marL="3200400" indent="0">
+              <a:buNone/>
+              <a:defRPr sz="1600"/>
+            </a:lvl8pPr>
+            <a:lvl9pPr marL="3657600" indent="0">
+              <a:buNone/>
+              <a:defRPr sz="1600"/>
+            </a:lvl9pPr>
+          </a:lstStyle>
+          <a:p>
+            <a:r>
+              <a:rPr lang="ru-RU" smtClean="0"/>
+              <a:t>Вставка рисунка</a:t>
+            </a:r>
+            <a:endParaRPr lang="en-US" dirty="0"/>
+          </a:p>
+        </p:txBody>
+      </p:sp>
+      <p:sp>
+        <p:nvSpPr>
+          <p:cNvPr id="4" name="Text Placeholder 3"/>
+          <p:cNvSpPr>
+            <a:spLocks noGrp="1"/>
+          </p:cNvSpPr>
+          <p:nvPr>
+            <p:ph type="body" sz="half" idx="2"/>
+          </p:nvPr>
+        </p:nvSpPr>
+        <p:spPr>
+          <a:xfrm>
+            <a:off x="609599" y="5367338"/>
+            <a:ext cx="6347714" cy="674024"/>
+          </a:xfrm>
+        </p:spPr>
+        <p:txBody>
+          <a:bodyPr>
+            <a:normAutofit/>
+          </a:bodyPr>
           <a:lstStyle>
             <a:lvl1pPr marL="0" indent="0">
               <a:buNone/>
-              <a:defRPr sz="3200"/>
-            </a:lvl1pPr>
-            <a:lvl2pPr marL="457200" indent="0">
-              <a:buNone/>
-              <a:defRPr sz="2800"/>
-            </a:lvl2pPr>
-            <a:lvl3pPr marL="914400" indent="0">
-              <a:buNone/>
-              <a:defRPr sz="2400"/>
-            </a:lvl3pPr>
-            <a:lvl4pPr marL="1371600" indent="0">
-              <a:buNone/>
-              <a:defRPr sz="2000"/>
-            </a:lvl4pPr>
-            <a:lvl5pPr marL="1828800" indent="0">
-              <a:buNone/>
-              <a:defRPr sz="2000"/>
-            </a:lvl5pPr>
-            <a:lvl6pPr marL="2286000" indent="0">
-              <a:buNone/>
-              <a:defRPr sz="2000"/>
-            </a:lvl6pPr>
-            <a:lvl7pPr marL="2743200" indent="0">
-              <a:buNone/>
-              <a:defRPr sz="2000"/>
-            </a:lvl7pPr>
-            <a:lvl8pPr marL="3200400" indent="0">
-              <a:buNone/>
-              <a:defRPr sz="2000"/>
-            </a:lvl8pPr>
-            <a:lvl9pPr marL="3657600" indent="0">
-              <a:buNone/>
-              <a:defRPr sz="2000"/>
-            </a:lvl9pPr>
-          </a:lstStyle>
-          <a:p>
-            <a:endParaRPr lang="ru-RU"/>
-          </a:p>
-        </p:txBody>
-      </p:sp>
-      <p:sp>
-        <p:nvSpPr>
-          <p:cNvPr id="4" name="Текст 3"/>
-          <p:cNvSpPr>
-            <a:spLocks noGrp="1"/>
-          </p:cNvSpPr>
-          <p:nvPr>
-            <p:ph type="body" sz="half" idx="2"/>
-          </p:nvPr>
-        </p:nvSpPr>
-        <p:spPr>
-          <a:xfrm>
-            <a:off x="1792288" y="5367338"/>
-            <a:ext cx="5486400" cy="804862"/>
-          </a:xfrm>
-        </p:spPr>
-        <p:txBody>
-          <a:bodyPr/>
-          <a:lstStyle>
-            <a:lvl1pPr marL="0" indent="0">
-              <a:buNone/>
-              <a:defRPr sz="1400"/>
+              <a:defRPr sz="1200"/>
             </a:lvl1pPr>
             <a:lvl2pPr marL="457200" indent="0">
               <a:buNone/>
@@ -2447,7 +4693,7 @@
       </p:sp>
       <p:sp>
         <p:nvSpPr>
-          <p:cNvPr id="5" name="Дата 4"/>
+          <p:cNvPr id="5" name="Date Placeholder 4"/>
           <p:cNvSpPr>
             <a:spLocks noGrp="1"/>
           </p:cNvSpPr>
@@ -2470,7 +4716,7 @@
       </p:sp>
       <p:sp>
         <p:nvSpPr>
-          <p:cNvPr id="6" name="Нижний колонтитул 5"/>
+          <p:cNvPr id="6" name="Footer Placeholder 5"/>
           <p:cNvSpPr>
             <a:spLocks noGrp="1"/>
           </p:cNvSpPr>
@@ -2489,7 +4735,7 @@
       </p:sp>
       <p:sp>
         <p:nvSpPr>
-          <p:cNvPr id="7" name="Номер слайда 6"/>
+          <p:cNvPr id="7" name="Slide Number Placeholder 6"/>
           <p:cNvSpPr>
             <a:spLocks noGrp="1"/>
           </p:cNvSpPr>
@@ -2511,6 +4757,11 @@
         </p:txBody>
       </p:sp>
     </p:spTree>
+    <p:extLst>
+      <p:ext uri="{BB962C8B-B14F-4D97-AF65-F5344CB8AC3E}">
+        <p14:creationId xmlns:p14="http://schemas.microsoft.com/office/powerpoint/2010/main" val="1233109969"/>
+      </p:ext>
+    </p:extLst>
   </p:cSld>
   <p:clrMapOvr>
     <a:masterClrMapping/>
@@ -2540,9 +4791,610 @@
           <a:chExt cx="0" cy="0"/>
         </a:xfrm>
       </p:grpSpPr>
-      <p:sp>
-        <p:nvSpPr>
-          <p:cNvPr id="2" name="Заголовок 1"/>
+      <p:grpSp>
+        <p:nvGrpSpPr>
+          <p:cNvPr id="17" name="Group 16"/>
+          <p:cNvGrpSpPr/>
+          <p:nvPr/>
+        </p:nvGrpSpPr>
+        <p:grpSpPr>
+          <a:xfrm>
+            <a:off x="-8467" y="-8468"/>
+            <a:ext cx="9169805" cy="6874935"/>
+            <a:chOff x="-8467" y="-8468"/>
+            <a:chExt cx="9169805" cy="6874935"/>
+          </a:xfrm>
+        </p:grpSpPr>
+        <p:sp>
+          <p:nvSpPr>
+            <p:cNvPr id="7" name="Freeform 6"/>
+            <p:cNvSpPr/>
+            <p:nvPr/>
+          </p:nvSpPr>
+          <p:spPr>
+            <a:xfrm>
+              <a:off x="-8467" y="4013200"/>
+              <a:ext cx="457200" cy="2853267"/>
+            </a:xfrm>
+            <a:custGeom>
+              <a:avLst/>
+              <a:gdLst/>
+              <a:ahLst/>
+              <a:cxnLst/>
+              <a:rect l="l" t="t" r="r" b="b"/>
+              <a:pathLst>
+                <a:path w="457200" h="2853267">
+                  <a:moveTo>
+                    <a:pt x="0" y="0"/>
+                  </a:moveTo>
+                  <a:lnTo>
+                    <a:pt x="457200" y="2853267"/>
+                  </a:lnTo>
+                  <a:lnTo>
+                    <a:pt x="0" y="2844800"/>
+                  </a:lnTo>
+                  <a:cubicBezTo>
+                    <a:pt x="2822" y="1905000"/>
+                    <a:pt x="5645" y="965200"/>
+                    <a:pt x="0" y="0"/>
+                  </a:cubicBezTo>
+                  <a:close/>
+                </a:path>
+              </a:pathLst>
+            </a:custGeom>
+            <a:solidFill>
+              <a:schemeClr val="accent1">
+                <a:alpha val="85000"/>
+              </a:schemeClr>
+            </a:solidFill>
+            <a:ln>
+              <a:noFill/>
+            </a:ln>
+            <a:effectLst/>
+          </p:spPr>
+          <p:style>
+            <a:lnRef idx="1">
+              <a:schemeClr val="accent1"/>
+            </a:lnRef>
+            <a:fillRef idx="3">
+              <a:schemeClr val="accent1"/>
+            </a:fillRef>
+            <a:effectRef idx="2">
+              <a:schemeClr val="accent1"/>
+            </a:effectRef>
+            <a:fontRef idx="minor">
+              <a:schemeClr val="lt1"/>
+            </a:fontRef>
+          </p:style>
+        </p:sp>
+        <p:cxnSp>
+          <p:nvCxnSpPr>
+            <p:cNvPr id="8" name="Straight Connector 7"/>
+            <p:cNvCxnSpPr/>
+            <p:nvPr/>
+          </p:nvCxnSpPr>
+          <p:spPr>
+            <a:xfrm flipV="1">
+              <a:off x="5130830" y="4175605"/>
+              <a:ext cx="4022475" cy="2682396"/>
+            </a:xfrm>
+            <a:prstGeom prst="line">
+              <a:avLst/>
+            </a:prstGeom>
+            <a:ln w="9525">
+              <a:solidFill>
+                <a:schemeClr val="bg1">
+                  <a:lumMod val="85000"/>
+                </a:schemeClr>
+              </a:solidFill>
+            </a:ln>
+          </p:spPr>
+          <p:style>
+            <a:lnRef idx="2">
+              <a:schemeClr val="accent1"/>
+            </a:lnRef>
+            <a:fillRef idx="0">
+              <a:schemeClr val="accent1"/>
+            </a:fillRef>
+            <a:effectRef idx="1">
+              <a:schemeClr val="accent1"/>
+            </a:effectRef>
+            <a:fontRef idx="minor">
+              <a:schemeClr val="tx1"/>
+            </a:fontRef>
+          </p:style>
+        </p:cxnSp>
+        <p:cxnSp>
+          <p:nvCxnSpPr>
+            <p:cNvPr id="9" name="Straight Connector 8"/>
+            <p:cNvCxnSpPr/>
+            <p:nvPr/>
+          </p:nvCxnSpPr>
+          <p:spPr>
+            <a:xfrm>
+              <a:off x="7042707" y="0"/>
+              <a:ext cx="1219200" cy="6858000"/>
+            </a:xfrm>
+            <a:prstGeom prst="line">
+              <a:avLst/>
+            </a:prstGeom>
+            <a:ln w="9525">
+              <a:solidFill>
+                <a:schemeClr val="bg1">
+                  <a:lumMod val="75000"/>
+                </a:schemeClr>
+              </a:solidFill>
+            </a:ln>
+          </p:spPr>
+          <p:style>
+            <a:lnRef idx="2">
+              <a:schemeClr val="accent1"/>
+            </a:lnRef>
+            <a:fillRef idx="0">
+              <a:schemeClr val="accent1"/>
+            </a:fillRef>
+            <a:effectRef idx="1">
+              <a:schemeClr val="accent1"/>
+            </a:effectRef>
+            <a:fontRef idx="minor">
+              <a:schemeClr val="tx1"/>
+            </a:fontRef>
+          </p:style>
+        </p:cxnSp>
+        <p:sp>
+          <p:nvSpPr>
+            <p:cNvPr id="10" name="Freeform 9"/>
+            <p:cNvSpPr/>
+            <p:nvPr/>
+          </p:nvSpPr>
+          <p:spPr>
+            <a:xfrm>
+              <a:off x="6891896" y="1"/>
+              <a:ext cx="2269442" cy="6866466"/>
+            </a:xfrm>
+            <a:custGeom>
+              <a:avLst/>
+              <a:gdLst/>
+              <a:ahLst/>
+              <a:cxnLst/>
+              <a:rect l="l" t="t" r="r" b="b"/>
+              <a:pathLst>
+                <a:path w="2269442" h="6866466">
+                  <a:moveTo>
+                    <a:pt x="2023534" y="0"/>
+                  </a:moveTo>
+                  <a:lnTo>
+                    <a:pt x="0" y="6858000"/>
+                  </a:lnTo>
+                  <a:lnTo>
+                    <a:pt x="2269067" y="6866466"/>
+                  </a:lnTo>
+                  <a:cubicBezTo>
+                    <a:pt x="2271889" y="4580466"/>
+                    <a:pt x="2257778" y="2294466"/>
+                    <a:pt x="2260600" y="8466"/>
+                  </a:cubicBezTo>
+                  <a:lnTo>
+                    <a:pt x="2023534" y="0"/>
+                  </a:lnTo>
+                  <a:close/>
+                </a:path>
+              </a:pathLst>
+            </a:custGeom>
+            <a:solidFill>
+              <a:schemeClr val="accent1">
+                <a:alpha val="30000"/>
+              </a:schemeClr>
+            </a:solidFill>
+            <a:ln>
+              <a:noFill/>
+            </a:ln>
+            <a:effectLst/>
+          </p:spPr>
+          <p:style>
+            <a:lnRef idx="1">
+              <a:schemeClr val="accent1"/>
+            </a:lnRef>
+            <a:fillRef idx="3">
+              <a:schemeClr val="accent1"/>
+            </a:fillRef>
+            <a:effectRef idx="2">
+              <a:schemeClr val="accent1"/>
+            </a:effectRef>
+            <a:fontRef idx="minor">
+              <a:schemeClr val="lt1"/>
+            </a:fontRef>
+          </p:style>
+        </p:sp>
+        <p:sp>
+          <p:nvSpPr>
+            <p:cNvPr id="11" name="Freeform 10"/>
+            <p:cNvSpPr/>
+            <p:nvPr/>
+          </p:nvSpPr>
+          <p:spPr>
+            <a:xfrm>
+              <a:off x="7205158" y="-8467"/>
+              <a:ext cx="1948147" cy="6866467"/>
+            </a:xfrm>
+            <a:custGeom>
+              <a:avLst/>
+              <a:gdLst/>
+              <a:ahLst/>
+              <a:cxnLst/>
+              <a:rect l="l" t="t" r="r" b="b"/>
+              <a:pathLst>
+                <a:path w="1948147" h="6866467">
+                  <a:moveTo>
+                    <a:pt x="0" y="0"/>
+                  </a:moveTo>
+                  <a:lnTo>
+                    <a:pt x="1202267" y="6866467"/>
+                  </a:lnTo>
+                  <a:lnTo>
+                    <a:pt x="1947333" y="6866467"/>
+                  </a:lnTo>
+                  <a:cubicBezTo>
+                    <a:pt x="1944511" y="4577645"/>
+                    <a:pt x="1950155" y="2288822"/>
+                    <a:pt x="1947333" y="0"/>
+                  </a:cubicBezTo>
+                  <a:lnTo>
+                    <a:pt x="0" y="0"/>
+                  </a:lnTo>
+                  <a:close/>
+                </a:path>
+              </a:pathLst>
+            </a:custGeom>
+            <a:solidFill>
+              <a:schemeClr val="accent1">
+                <a:alpha val="20000"/>
+              </a:schemeClr>
+            </a:solidFill>
+            <a:ln>
+              <a:noFill/>
+            </a:ln>
+            <a:effectLst/>
+          </p:spPr>
+          <p:style>
+            <a:lnRef idx="1">
+              <a:schemeClr val="accent1"/>
+            </a:lnRef>
+            <a:fillRef idx="3">
+              <a:schemeClr val="accent1"/>
+            </a:fillRef>
+            <a:effectRef idx="2">
+              <a:schemeClr val="accent1"/>
+            </a:effectRef>
+            <a:fontRef idx="minor">
+              <a:schemeClr val="lt1"/>
+            </a:fontRef>
+          </p:style>
+        </p:sp>
+        <p:sp>
+          <p:nvSpPr>
+            <p:cNvPr id="12" name="Freeform 11"/>
+            <p:cNvSpPr/>
+            <p:nvPr/>
+          </p:nvSpPr>
+          <p:spPr>
+            <a:xfrm>
+              <a:off x="6637896" y="3920066"/>
+              <a:ext cx="2513565" cy="2937933"/>
+            </a:xfrm>
+            <a:custGeom>
+              <a:avLst/>
+              <a:gdLst/>
+              <a:ahLst/>
+              <a:cxnLst/>
+              <a:rect l="l" t="t" r="r" b="b"/>
+              <a:pathLst>
+                <a:path w="3259667" h="3810000">
+                  <a:moveTo>
+                    <a:pt x="0" y="3810000"/>
+                  </a:moveTo>
+                  <a:lnTo>
+                    <a:pt x="3251200" y="0"/>
+                  </a:lnTo>
+                  <a:cubicBezTo>
+                    <a:pt x="3254022" y="1270000"/>
+                    <a:pt x="3256845" y="2540000"/>
+                    <a:pt x="3259667" y="3810000"/>
+                  </a:cubicBezTo>
+                  <a:lnTo>
+                    <a:pt x="0" y="3810000"/>
+                  </a:lnTo>
+                  <a:close/>
+                </a:path>
+              </a:pathLst>
+            </a:custGeom>
+            <a:solidFill>
+              <a:schemeClr val="accent2">
+                <a:alpha val="72000"/>
+              </a:schemeClr>
+            </a:solidFill>
+            <a:ln>
+              <a:noFill/>
+            </a:ln>
+            <a:effectLst/>
+          </p:spPr>
+          <p:style>
+            <a:lnRef idx="1">
+              <a:schemeClr val="accent1"/>
+            </a:lnRef>
+            <a:fillRef idx="3">
+              <a:schemeClr val="accent1"/>
+            </a:fillRef>
+            <a:effectRef idx="2">
+              <a:schemeClr val="accent1"/>
+            </a:effectRef>
+            <a:fontRef idx="minor">
+              <a:schemeClr val="lt1"/>
+            </a:fontRef>
+          </p:style>
+        </p:sp>
+        <p:sp>
+          <p:nvSpPr>
+            <p:cNvPr id="13" name="Freeform 12"/>
+            <p:cNvSpPr/>
+            <p:nvPr/>
+          </p:nvSpPr>
+          <p:spPr>
+            <a:xfrm>
+              <a:off x="7010429" y="-8467"/>
+              <a:ext cx="2142876" cy="6866467"/>
+            </a:xfrm>
+            <a:custGeom>
+              <a:avLst/>
+              <a:gdLst/>
+              <a:ahLst/>
+              <a:cxnLst/>
+              <a:rect l="l" t="t" r="r" b="b"/>
+              <a:pathLst>
+                <a:path w="2853267" h="6866467">
+                  <a:moveTo>
+                    <a:pt x="0" y="0"/>
+                  </a:moveTo>
+                  <a:lnTo>
+                    <a:pt x="2472267" y="6866467"/>
+                  </a:lnTo>
+                  <a:lnTo>
+                    <a:pt x="2853267" y="6858000"/>
+                  </a:lnTo>
+                  <a:lnTo>
+                    <a:pt x="2853267" y="0"/>
+                  </a:lnTo>
+                  <a:lnTo>
+                    <a:pt x="0" y="0"/>
+                  </a:lnTo>
+                  <a:close/>
+                </a:path>
+              </a:pathLst>
+            </a:custGeom>
+            <a:solidFill>
+              <a:schemeClr val="accent2">
+                <a:lumMod val="75000"/>
+                <a:alpha val="70000"/>
+              </a:schemeClr>
+            </a:solidFill>
+            <a:ln>
+              <a:noFill/>
+            </a:ln>
+            <a:effectLst/>
+          </p:spPr>
+          <p:style>
+            <a:lnRef idx="1">
+              <a:schemeClr val="accent1"/>
+            </a:lnRef>
+            <a:fillRef idx="3">
+              <a:schemeClr val="accent1"/>
+            </a:fillRef>
+            <a:effectRef idx="2">
+              <a:schemeClr val="accent1"/>
+            </a:effectRef>
+            <a:fontRef idx="minor">
+              <a:schemeClr val="lt1"/>
+            </a:fontRef>
+          </p:style>
+        </p:sp>
+        <p:sp>
+          <p:nvSpPr>
+            <p:cNvPr id="14" name="Freeform 13"/>
+            <p:cNvSpPr/>
+            <p:nvPr/>
+          </p:nvSpPr>
+          <p:spPr>
+            <a:xfrm>
+              <a:off x="8295776" y="-8467"/>
+              <a:ext cx="857530" cy="6866467"/>
+            </a:xfrm>
+            <a:custGeom>
+              <a:avLst/>
+              <a:gdLst/>
+              <a:ahLst/>
+              <a:cxnLst/>
+              <a:rect l="l" t="t" r="r" b="b"/>
+              <a:pathLst>
+                <a:path w="1286933" h="6866467">
+                  <a:moveTo>
+                    <a:pt x="1016000" y="0"/>
+                  </a:moveTo>
+                  <a:lnTo>
+                    <a:pt x="0" y="6866467"/>
+                  </a:lnTo>
+                  <a:lnTo>
+                    <a:pt x="1286933" y="6866467"/>
+                  </a:lnTo>
+                  <a:cubicBezTo>
+                    <a:pt x="1284111" y="4577645"/>
+                    <a:pt x="1281288" y="2288822"/>
+                    <a:pt x="1278466" y="0"/>
+                  </a:cubicBezTo>
+                  <a:lnTo>
+                    <a:pt x="1016000" y="0"/>
+                  </a:lnTo>
+                  <a:close/>
+                </a:path>
+              </a:pathLst>
+            </a:custGeom>
+            <a:solidFill>
+              <a:schemeClr val="accent1">
+                <a:lumMod val="60000"/>
+                <a:lumOff val="40000"/>
+                <a:alpha val="70000"/>
+              </a:schemeClr>
+            </a:solidFill>
+            <a:ln>
+              <a:noFill/>
+            </a:ln>
+            <a:effectLst/>
+          </p:spPr>
+          <p:style>
+            <a:lnRef idx="1">
+              <a:schemeClr val="accent1"/>
+            </a:lnRef>
+            <a:fillRef idx="3">
+              <a:schemeClr val="accent1"/>
+            </a:fillRef>
+            <a:effectRef idx="2">
+              <a:schemeClr val="accent1"/>
+            </a:effectRef>
+            <a:fontRef idx="minor">
+              <a:schemeClr val="lt1"/>
+            </a:fontRef>
+          </p:style>
+        </p:sp>
+        <p:sp>
+          <p:nvSpPr>
+            <p:cNvPr id="15" name="Freeform 14"/>
+            <p:cNvSpPr/>
+            <p:nvPr/>
+          </p:nvSpPr>
+          <p:spPr>
+            <a:xfrm>
+              <a:off x="8077231" y="-8468"/>
+              <a:ext cx="1066770" cy="6866467"/>
+            </a:xfrm>
+            <a:custGeom>
+              <a:avLst/>
+              <a:gdLst/>
+              <a:ahLst/>
+              <a:cxnLst/>
+              <a:rect l="l" t="t" r="r" b="b"/>
+              <a:pathLst>
+                <a:path w="1270244" h="6866467">
+                  <a:moveTo>
+                    <a:pt x="0" y="0"/>
+                  </a:moveTo>
+                  <a:lnTo>
+                    <a:pt x="1117600" y="6866467"/>
+                  </a:lnTo>
+                  <a:lnTo>
+                    <a:pt x="1270000" y="6866467"/>
+                  </a:lnTo>
+                  <a:cubicBezTo>
+                    <a:pt x="1272822" y="4574822"/>
+                    <a:pt x="1250245" y="2291645"/>
+                    <a:pt x="1253067" y="0"/>
+                  </a:cubicBezTo>
+                  <a:lnTo>
+                    <a:pt x="0" y="0"/>
+                  </a:lnTo>
+                  <a:close/>
+                </a:path>
+              </a:pathLst>
+            </a:custGeom>
+            <a:solidFill>
+              <a:schemeClr val="accent1">
+                <a:alpha val="65000"/>
+              </a:schemeClr>
+            </a:solidFill>
+            <a:ln>
+              <a:noFill/>
+            </a:ln>
+            <a:effectLst/>
+          </p:spPr>
+          <p:style>
+            <a:lnRef idx="1">
+              <a:schemeClr val="accent1"/>
+            </a:lnRef>
+            <a:fillRef idx="3">
+              <a:schemeClr val="accent1"/>
+            </a:fillRef>
+            <a:effectRef idx="2">
+              <a:schemeClr val="accent1"/>
+            </a:effectRef>
+            <a:fontRef idx="minor">
+              <a:schemeClr val="lt1"/>
+            </a:fontRef>
+          </p:style>
+        </p:sp>
+        <p:sp>
+          <p:nvSpPr>
+            <p:cNvPr id="16" name="Freeform 15"/>
+            <p:cNvSpPr/>
+            <p:nvPr/>
+          </p:nvSpPr>
+          <p:spPr>
+            <a:xfrm>
+              <a:off x="8060297" y="4893733"/>
+              <a:ext cx="1094086" cy="1964267"/>
+            </a:xfrm>
+            <a:custGeom>
+              <a:avLst/>
+              <a:gdLst/>
+              <a:ahLst/>
+              <a:cxnLst/>
+              <a:rect l="l" t="t" r="r" b="b"/>
+              <a:pathLst>
+                <a:path w="1820333" h="3268133">
+                  <a:moveTo>
+                    <a:pt x="0" y="3268133"/>
+                  </a:moveTo>
+                  <a:lnTo>
+                    <a:pt x="1811866" y="0"/>
+                  </a:lnTo>
+                  <a:cubicBezTo>
+                    <a:pt x="1814688" y="1086555"/>
+                    <a:pt x="1817511" y="2173111"/>
+                    <a:pt x="1820333" y="3259666"/>
+                  </a:cubicBezTo>
+                  <a:lnTo>
+                    <a:pt x="0" y="3268133"/>
+                  </a:lnTo>
+                  <a:close/>
+                </a:path>
+              </a:pathLst>
+            </a:custGeom>
+            <a:solidFill>
+              <a:schemeClr val="accent1">
+                <a:alpha val="80000"/>
+              </a:schemeClr>
+            </a:solidFill>
+            <a:ln>
+              <a:noFill/>
+            </a:ln>
+            <a:effectLst/>
+          </p:spPr>
+          <p:style>
+            <a:lnRef idx="1">
+              <a:schemeClr val="accent1"/>
+            </a:lnRef>
+            <a:fillRef idx="3">
+              <a:schemeClr val="accent1"/>
+            </a:fillRef>
+            <a:effectRef idx="2">
+              <a:schemeClr val="accent1"/>
+            </a:effectRef>
+            <a:fontRef idx="minor">
+              <a:schemeClr val="lt1"/>
+            </a:fontRef>
+          </p:style>
+        </p:sp>
+      </p:grpSp>
+      <p:sp>
+        <p:nvSpPr>
+          <p:cNvPr id="2" name="Title Placeholder 1"/>
           <p:cNvSpPr>
             <a:spLocks noGrp="1"/>
           </p:cNvSpPr>
@@ -2552,15 +5404,15 @@
         </p:nvSpPr>
         <p:spPr>
           <a:xfrm>
-            <a:off x="457200" y="274638"/>
-            <a:ext cx="8229600" cy="1143000"/>
+            <a:off x="609599" y="609600"/>
+            <a:ext cx="6347713" cy="1320800"/>
           </a:xfrm>
           <a:prstGeom prst="rect">
             <a:avLst/>
           </a:prstGeom>
         </p:spPr>
         <p:txBody>
-          <a:bodyPr vert="horz" lIns="91440" tIns="45720" rIns="91440" bIns="45720" rtlCol="0" anchor="ctr">
+          <a:bodyPr vert="horz" lIns="91440" tIns="45720" rIns="91440" bIns="45720" rtlCol="0" anchor="t">
             <a:normAutofit/>
           </a:bodyPr>
           <a:lstStyle/>
@@ -2569,13 +5421,13 @@
               <a:rPr lang="ru-RU" smtClean="0"/>
               <a:t>Образец заголовка</a:t>
             </a:r>
-            <a:endParaRPr lang="ru-RU"/>
-          </a:p>
-        </p:txBody>
-      </p:sp>
-      <p:sp>
-        <p:nvSpPr>
-          <p:cNvPr id="3" name="Текст 2"/>
+            <a:endParaRPr lang="en-US" dirty="0"/>
+          </a:p>
+        </p:txBody>
+      </p:sp>
+      <p:sp>
+        <p:nvSpPr>
+          <p:cNvPr id="3" name="Text Placeholder 2"/>
           <p:cNvSpPr>
             <a:spLocks noGrp="1"/>
           </p:cNvSpPr>
@@ -2585,8 +5437,8 @@
         </p:nvSpPr>
         <p:spPr>
           <a:xfrm>
-            <a:off x="457200" y="1600200"/>
-            <a:ext cx="8229600" cy="4525963"/>
+            <a:off x="609599" y="2160590"/>
+            <a:ext cx="6347714" cy="3880773"/>
           </a:xfrm>
           <a:prstGeom prst="rect">
             <a:avLst/>
@@ -2631,13 +5483,13 @@
               <a:rPr lang="ru-RU" smtClean="0"/>
               <a:t>Пятый уровень</a:t>
             </a:r>
-            <a:endParaRPr lang="ru-RU"/>
-          </a:p>
-        </p:txBody>
-      </p:sp>
-      <p:sp>
-        <p:nvSpPr>
-          <p:cNvPr id="4" name="Дата 3"/>
+            <a:endParaRPr lang="en-US" dirty="0"/>
+          </a:p>
+        </p:txBody>
+      </p:sp>
+      <p:sp>
+        <p:nvSpPr>
+          <p:cNvPr id="4" name="Date Placeholder 3"/>
           <p:cNvSpPr>
             <a:spLocks noGrp="1"/>
           </p:cNvSpPr>
@@ -2647,8 +5499,8 @@
         </p:nvSpPr>
         <p:spPr>
           <a:xfrm>
-            <a:off x="457200" y="6356350"/>
-            <a:ext cx="2133600" cy="365125"/>
+            <a:off x="5405258" y="6041363"/>
+            <a:ext cx="684132" cy="365125"/>
           </a:xfrm>
           <a:prstGeom prst="rect">
             <a:avLst/>
@@ -2657,8 +5509,8 @@
         <p:txBody>
           <a:bodyPr vert="horz" lIns="91440" tIns="45720" rIns="91440" bIns="45720" rtlCol="0" anchor="ctr"/>
           <a:lstStyle>
-            <a:lvl1pPr algn="l">
-              <a:defRPr sz="1200">
+            <a:lvl1pPr algn="r">
+              <a:defRPr sz="900">
                 <a:solidFill>
                   <a:schemeClr val="tx1">
                     <a:tint val="75000"/>
@@ -2678,7 +5530,7 @@
       </p:sp>
       <p:sp>
         <p:nvSpPr>
-          <p:cNvPr id="5" name="Нижний колонтитул 4"/>
+          <p:cNvPr id="5" name="Footer Placeholder 4"/>
           <p:cNvSpPr>
             <a:spLocks noGrp="1"/>
           </p:cNvSpPr>
@@ -2688,8 +5540,8 @@
         </p:nvSpPr>
         <p:spPr>
           <a:xfrm>
-            <a:off x="3124200" y="6356350"/>
-            <a:ext cx="2895600" cy="365125"/>
+            <a:off x="609599" y="6041363"/>
+            <a:ext cx="4622973" cy="365125"/>
           </a:xfrm>
           <a:prstGeom prst="rect">
             <a:avLst/>
@@ -2698,8 +5550,8 @@
         <p:txBody>
           <a:bodyPr vert="horz" lIns="91440" tIns="45720" rIns="91440" bIns="45720" rtlCol="0" anchor="ctr"/>
           <a:lstStyle>
-            <a:lvl1pPr algn="ctr">
-              <a:defRPr sz="1200">
+            <a:lvl1pPr algn="l">
+              <a:defRPr sz="900">
                 <a:solidFill>
                   <a:schemeClr val="tx1">
                     <a:tint val="75000"/>
@@ -2715,7 +5567,7 @@
       </p:sp>
       <p:sp>
         <p:nvSpPr>
-          <p:cNvPr id="6" name="Номер слайда 5"/>
+          <p:cNvPr id="6" name="Slide Number Placeholder 5"/>
           <p:cNvSpPr>
             <a:spLocks noGrp="1"/>
           </p:cNvSpPr>
@@ -2725,8 +5577,8 @@
         </p:nvSpPr>
         <p:spPr>
           <a:xfrm>
-            <a:off x="6553200" y="6356350"/>
-            <a:ext cx="2133600" cy="365125"/>
+            <a:off x="6444676" y="6041363"/>
+            <a:ext cx="512638" cy="365125"/>
           </a:xfrm>
           <a:prstGeom prst="rect">
             <a:avLst/>
@@ -2736,11 +5588,9 @@
           <a:bodyPr vert="horz" lIns="91440" tIns="45720" rIns="91440" bIns="45720" rtlCol="0" anchor="ctr"/>
           <a:lstStyle>
             <a:lvl1pPr algn="r">
-              <a:defRPr sz="1200">
+              <a:defRPr sz="900">
                 <a:solidFill>
-                  <a:schemeClr val="tx1">
-                    <a:tint val="75000"/>
-                  </a:schemeClr>
+                  <a:schemeClr val="accent1"/>
                 </a:solidFill>
               </a:defRPr>
             </a:lvl1pPr>
@@ -2755,168 +5605,324 @@
         </p:txBody>
       </p:sp>
     </p:spTree>
+    <p:extLst>
+      <p:ext uri="{BB962C8B-B14F-4D97-AF65-F5344CB8AC3E}">
+        <p14:creationId xmlns:p14="http://schemas.microsoft.com/office/powerpoint/2010/main" val="344726612"/>
+      </p:ext>
+    </p:extLst>
   </p:cSld>
   <p:clrMap bg1="lt1" tx1="dk1" bg2="lt2" tx2="dk2" accent1="accent1" accent2="accent2" accent3="accent3" accent4="accent4" accent5="accent5" accent6="accent6" hlink="hlink" folHlink="folHlink"/>
   <p:sldLayoutIdLst>
-    <p:sldLayoutId id="2147483649" r:id="rId1"/>
-    <p:sldLayoutId id="2147483650" r:id="rId2"/>
-    <p:sldLayoutId id="2147483651" r:id="rId3"/>
-    <p:sldLayoutId id="2147483652" r:id="rId4"/>
-    <p:sldLayoutId id="2147483653" r:id="rId5"/>
-    <p:sldLayoutId id="2147483654" r:id="rId6"/>
-    <p:sldLayoutId id="2147483655" r:id="rId7"/>
-    <p:sldLayoutId id="2147483656" r:id="rId8"/>
-    <p:sldLayoutId id="2147483657" r:id="rId9"/>
-    <p:sldLayoutId id="2147483658" r:id="rId10"/>
-    <p:sldLayoutId id="2147483659" r:id="rId11"/>
+    <p:sldLayoutId id="2147483661" r:id="rId1"/>
+    <p:sldLayoutId id="2147483662" r:id="rId2"/>
+    <p:sldLayoutId id="2147483663" r:id="rId3"/>
+    <p:sldLayoutId id="2147483664" r:id="rId4"/>
+    <p:sldLayoutId id="2147483665" r:id="rId5"/>
+    <p:sldLayoutId id="2147483666" r:id="rId6"/>
+    <p:sldLayoutId id="2147483667" r:id="rId7"/>
+    <p:sldLayoutId id="2147483668" r:id="rId8"/>
+    <p:sldLayoutId id="2147483669" r:id="rId9"/>
+    <p:sldLayoutId id="2147483670" r:id="rId10"/>
+    <p:sldLayoutId id="2147483671" r:id="rId11"/>
+    <p:sldLayoutId id="2147483672" r:id="rId12"/>
+    <p:sldLayoutId id="2147483673" r:id="rId13"/>
+    <p:sldLayoutId id="2147483674" r:id="rId14"/>
+    <p:sldLayoutId id="2147483675" r:id="rId15"/>
+    <p:sldLayoutId id="2147483676" r:id="rId16"/>
   </p:sldLayoutIdLst>
   <p:txStyles>
     <p:titleStyle>
-      <a:lvl1pPr algn="ctr" defTabSz="914400" rtl="0" eaLnBrk="1" latinLnBrk="0" hangingPunct="1">
+      <a:lvl1pPr algn="l" defTabSz="457200" rtl="0" eaLnBrk="1" latinLnBrk="0" hangingPunct="1">
         <a:spcBef>
           <a:spcPct val="0"/>
         </a:spcBef>
         <a:buNone/>
-        <a:defRPr sz="4400" kern="1200">
+        <a:defRPr sz="3600" kern="1200">
           <a:solidFill>
-            <a:schemeClr val="tx1"/>
+            <a:schemeClr val="accent1"/>
           </a:solidFill>
           <a:latin typeface="+mj-lt"/>
           <a:ea typeface="+mj-ea"/>
           <a:cs typeface="+mj-cs"/>
         </a:defRPr>
       </a:lvl1pPr>
+      <a:lvl2pPr eaLnBrk="1" hangingPunct="1">
+        <a:defRPr>
+          <a:solidFill>
+            <a:schemeClr val="tx2"/>
+          </a:solidFill>
+        </a:defRPr>
+      </a:lvl2pPr>
+      <a:lvl3pPr eaLnBrk="1" hangingPunct="1">
+        <a:defRPr>
+          <a:solidFill>
+            <a:schemeClr val="tx2"/>
+          </a:solidFill>
+        </a:defRPr>
+      </a:lvl3pPr>
+      <a:lvl4pPr eaLnBrk="1" hangingPunct="1">
+        <a:defRPr>
+          <a:solidFill>
+            <a:schemeClr val="tx2"/>
+          </a:solidFill>
+        </a:defRPr>
+      </a:lvl4pPr>
+      <a:lvl5pPr eaLnBrk="1" hangingPunct="1">
+        <a:defRPr>
+          <a:solidFill>
+            <a:schemeClr val="tx2"/>
+          </a:solidFill>
+        </a:defRPr>
+      </a:lvl5pPr>
+      <a:lvl6pPr eaLnBrk="1" hangingPunct="1">
+        <a:defRPr>
+          <a:solidFill>
+            <a:schemeClr val="tx2"/>
+          </a:solidFill>
+        </a:defRPr>
+      </a:lvl6pPr>
+      <a:lvl7pPr eaLnBrk="1" hangingPunct="1">
+        <a:defRPr>
+          <a:solidFill>
+            <a:schemeClr val="tx2"/>
+          </a:solidFill>
+        </a:defRPr>
+      </a:lvl7pPr>
+      <a:lvl8pPr eaLnBrk="1" hangingPunct="1">
+        <a:defRPr>
+          <a:solidFill>
+            <a:schemeClr val="tx2"/>
+          </a:solidFill>
+        </a:defRPr>
+      </a:lvl8pPr>
+      <a:lvl9pPr eaLnBrk="1" hangingPunct="1">
+        <a:defRPr>
+          <a:solidFill>
+            <a:schemeClr val="tx2"/>
+          </a:solidFill>
+        </a:defRPr>
+      </a:lvl9pPr>
     </p:titleStyle>
     <p:bodyStyle>
-      <a:lvl1pPr marL="342900" indent="-342900" algn="l" defTabSz="914400" rtl="0" eaLnBrk="1" latinLnBrk="0" hangingPunct="1">
+      <a:lvl1pPr marL="342900" indent="-342900" algn="l" defTabSz="457200" rtl="0" eaLnBrk="1" latinLnBrk="0" hangingPunct="1">
         <a:spcBef>
-          <a:spcPct val="20000"/>
+          <a:spcPts val="1000"/>
         </a:spcBef>
-        <a:buFont typeface="Arial" pitchFamily="34" charset="0"/>
-        <a:buChar char="•"/>
-        <a:defRPr sz="3200" kern="1200">
+        <a:spcAft>
+          <a:spcPts val="0"/>
+        </a:spcAft>
+        <a:buClr>
+          <a:schemeClr val="accent1"/>
+        </a:buClr>
+        <a:buSzPct val="80000"/>
+        <a:buFont typeface="Wingdings 3" charset="2"/>
+        <a:buChar char=""/>
+        <a:defRPr sz="1800" kern="1200">
           <a:solidFill>
-            <a:schemeClr val="tx1"/>
+            <a:schemeClr val="tx1">
+              <a:lumMod val="75000"/>
+              <a:lumOff val="25000"/>
+            </a:schemeClr>
           </a:solidFill>
           <a:latin typeface="+mn-lt"/>
           <a:ea typeface="+mn-ea"/>
           <a:cs typeface="+mn-cs"/>
         </a:defRPr>
       </a:lvl1pPr>
-      <a:lvl2pPr marL="742950" indent="-285750" algn="l" defTabSz="914400" rtl="0" eaLnBrk="1" latinLnBrk="0" hangingPunct="1">
+      <a:lvl2pPr marL="742950" indent="-285750" algn="l" defTabSz="457200" rtl="0" eaLnBrk="1" latinLnBrk="0" hangingPunct="1">
         <a:spcBef>
-          <a:spcPct val="20000"/>
+          <a:spcPts val="1000"/>
         </a:spcBef>
-        <a:buFont typeface="Arial" pitchFamily="34" charset="0"/>
-        <a:buChar char="–"/>
-        <a:defRPr sz="2800" kern="1200">
+        <a:spcAft>
+          <a:spcPts val="0"/>
+        </a:spcAft>
+        <a:buClr>
+          <a:schemeClr val="accent1"/>
+        </a:buClr>
+        <a:buSzPct val="80000"/>
+        <a:buFont typeface="Wingdings 3" charset="2"/>
+        <a:buChar char=""/>
+        <a:defRPr sz="1600" kern="1200">
           <a:solidFill>
-            <a:schemeClr val="tx1"/>
+            <a:schemeClr val="tx1">
+              <a:lumMod val="75000"/>
+              <a:lumOff val="25000"/>
+            </a:schemeClr>
           </a:solidFill>
           <a:latin typeface="+mn-lt"/>
           <a:ea typeface="+mn-ea"/>
           <a:cs typeface="+mn-cs"/>
         </a:defRPr>
       </a:lvl2pPr>
-      <a:lvl3pPr marL="1143000" indent="-228600" algn="l" defTabSz="914400" rtl="0" eaLnBrk="1" latinLnBrk="0" hangingPunct="1">
+      <a:lvl3pPr marL="1143000" indent="-228600" algn="l" defTabSz="457200" rtl="0" eaLnBrk="1" latinLnBrk="0" hangingPunct="1">
         <a:spcBef>
-          <a:spcPct val="20000"/>
+          <a:spcPts val="1000"/>
         </a:spcBef>
-        <a:buFont typeface="Arial" pitchFamily="34" charset="0"/>
-        <a:buChar char="•"/>
-        <a:defRPr sz="2400" kern="1200">
+        <a:spcAft>
+          <a:spcPts val="0"/>
+        </a:spcAft>
+        <a:buClr>
+          <a:schemeClr val="accent1"/>
+        </a:buClr>
+        <a:buSzPct val="80000"/>
+        <a:buFont typeface="Wingdings 3" charset="2"/>
+        <a:buChar char=""/>
+        <a:defRPr sz="1400" kern="1200">
           <a:solidFill>
-            <a:schemeClr val="tx1"/>
+            <a:schemeClr val="tx1">
+              <a:lumMod val="75000"/>
+              <a:lumOff val="25000"/>
+            </a:schemeClr>
           </a:solidFill>
           <a:latin typeface="+mn-lt"/>
           <a:ea typeface="+mn-ea"/>
           <a:cs typeface="+mn-cs"/>
         </a:defRPr>
       </a:lvl3pPr>
-      <a:lvl4pPr marL="1600200" indent="-228600" algn="l" defTabSz="914400" rtl="0" eaLnBrk="1" latinLnBrk="0" hangingPunct="1">
+      <a:lvl4pPr marL="1600200" indent="-228600" algn="l" defTabSz="457200" rtl="0" eaLnBrk="1" latinLnBrk="0" hangingPunct="1">
         <a:spcBef>
-          <a:spcPct val="20000"/>
+          <a:spcPts val="1000"/>
         </a:spcBef>
-        <a:buFont typeface="Arial" pitchFamily="34" charset="0"/>
-        <a:buChar char="–"/>
-        <a:defRPr sz="2000" kern="1200">
+        <a:spcAft>
+          <a:spcPts val="0"/>
+        </a:spcAft>
+        <a:buClr>
+          <a:schemeClr val="accent1"/>
+        </a:buClr>
+        <a:buSzPct val="80000"/>
+        <a:buFont typeface="Wingdings 3" charset="2"/>
+        <a:buChar char=""/>
+        <a:defRPr sz="1200" kern="1200">
           <a:solidFill>
-            <a:schemeClr val="tx1"/>
+            <a:schemeClr val="tx1">
+              <a:lumMod val="75000"/>
+              <a:lumOff val="25000"/>
+            </a:schemeClr>
           </a:solidFill>
           <a:latin typeface="+mn-lt"/>
           <a:ea typeface="+mn-ea"/>
           <a:cs typeface="+mn-cs"/>
         </a:defRPr>
       </a:lvl4pPr>
-      <a:lvl5pPr marL="2057400" indent="-228600" algn="l" defTabSz="914400" rtl="0" eaLnBrk="1" latinLnBrk="0" hangingPunct="1">
+      <a:lvl5pPr marL="2057400" indent="-228600" algn="l" defTabSz="457200" rtl="0" eaLnBrk="1" latinLnBrk="0" hangingPunct="1">
         <a:spcBef>
-          <a:spcPct val="20000"/>
+          <a:spcPts val="1000"/>
         </a:spcBef>
-        <a:buFont typeface="Arial" pitchFamily="34" charset="0"/>
-        <a:buChar char="»"/>
-        <a:defRPr sz="2000" kern="1200">
+        <a:spcAft>
+          <a:spcPts val="0"/>
+        </a:spcAft>
+        <a:buClr>
+          <a:schemeClr val="accent1"/>
+        </a:buClr>
+        <a:buSzPct val="80000"/>
+        <a:buFont typeface="Wingdings 3" charset="2"/>
+        <a:buChar char=""/>
+        <a:defRPr sz="1200" kern="1200">
           <a:solidFill>
-            <a:schemeClr val="tx1"/>
+            <a:schemeClr val="tx1">
+              <a:lumMod val="75000"/>
+              <a:lumOff val="25000"/>
+            </a:schemeClr>
           </a:solidFill>
           <a:latin typeface="+mn-lt"/>
           <a:ea typeface="+mn-ea"/>
           <a:cs typeface="+mn-cs"/>
         </a:defRPr>
       </a:lvl5pPr>
-      <a:lvl6pPr marL="2514600" indent="-228600" algn="l" defTabSz="914400" rtl="0" eaLnBrk="1" latinLnBrk="0" hangingPunct="1">
+      <a:lvl6pPr marL="2514600" indent="-228600" algn="l" defTabSz="457200" rtl="0" eaLnBrk="1" latinLnBrk="0" hangingPunct="1">
         <a:spcBef>
-          <a:spcPct val="20000"/>
+          <a:spcPts val="1000"/>
         </a:spcBef>
-        <a:buFont typeface="Arial" pitchFamily="34" charset="0"/>
-        <a:buChar char="•"/>
-        <a:defRPr sz="2000" kern="1200">
+        <a:spcAft>
+          <a:spcPts val="0"/>
+        </a:spcAft>
+        <a:buClr>
+          <a:schemeClr val="accent1"/>
+        </a:buClr>
+        <a:buSzPct val="80000"/>
+        <a:buFont typeface="Wingdings 3" charset="2"/>
+        <a:buChar char=""/>
+        <a:defRPr sz="1200" kern="1200">
           <a:solidFill>
-            <a:schemeClr val="tx1"/>
+            <a:schemeClr val="tx1">
+              <a:lumMod val="75000"/>
+              <a:lumOff val="25000"/>
+            </a:schemeClr>
           </a:solidFill>
           <a:latin typeface="+mn-lt"/>
           <a:ea typeface="+mn-ea"/>
           <a:cs typeface="+mn-cs"/>
         </a:defRPr>
       </a:lvl6pPr>
-      <a:lvl7pPr marL="2971800" indent="-228600" algn="l" defTabSz="914400" rtl="0" eaLnBrk="1" latinLnBrk="0" hangingPunct="1">
+      <a:lvl7pPr marL="2971800" indent="-228600" algn="l" defTabSz="457200" rtl="0" eaLnBrk="1" latinLnBrk="0" hangingPunct="1">
         <a:spcBef>
-          <a:spcPct val="20000"/>
+          <a:spcPts val="1000"/>
         </a:spcBef>
-        <a:buFont typeface="Arial" pitchFamily="34" charset="0"/>
-        <a:buChar char="•"/>
-        <a:defRPr sz="2000" kern="1200">
+        <a:spcAft>
+          <a:spcPts val="0"/>
+        </a:spcAft>
+        <a:buClr>
+          <a:schemeClr val="accent1"/>
+        </a:buClr>
+        <a:buSzPct val="80000"/>
+        <a:buFont typeface="Wingdings 3" charset="2"/>
+        <a:buChar char=""/>
+        <a:defRPr sz="1200" kern="1200">
           <a:solidFill>
-            <a:schemeClr val="tx1"/>
+            <a:schemeClr val="tx1">
+              <a:lumMod val="75000"/>
+              <a:lumOff val="25000"/>
+            </a:schemeClr>
           </a:solidFill>
           <a:latin typeface="+mn-lt"/>
           <a:ea typeface="+mn-ea"/>
           <a:cs typeface="+mn-cs"/>
         </a:defRPr>
       </a:lvl7pPr>
-      <a:lvl8pPr marL="3429000" indent="-228600" algn="l" defTabSz="914400" rtl="0" eaLnBrk="1" latinLnBrk="0" hangingPunct="1">
+      <a:lvl8pPr marL="3429000" indent="-228600" algn="l" defTabSz="457200" rtl="0" eaLnBrk="1" latinLnBrk="0" hangingPunct="1">
         <a:spcBef>
-          <a:spcPct val="20000"/>
+          <a:spcPts val="1000"/>
         </a:spcBef>
-        <a:buFont typeface="Arial" pitchFamily="34" charset="0"/>
-        <a:buChar char="•"/>
-        <a:defRPr sz="2000" kern="1200">
+        <a:spcAft>
+          <a:spcPts val="0"/>
+        </a:spcAft>
+        <a:buClr>
+          <a:schemeClr val="accent1"/>
+        </a:buClr>
+        <a:buSzPct val="80000"/>
+        <a:buFont typeface="Wingdings 3" charset="2"/>
+        <a:buChar char=""/>
+        <a:defRPr sz="1200" kern="1200">
           <a:solidFill>
-            <a:schemeClr val="tx1"/>
+            <a:schemeClr val="tx1">
+              <a:lumMod val="75000"/>
+              <a:lumOff val="25000"/>
+            </a:schemeClr>
           </a:solidFill>
           <a:latin typeface="+mn-lt"/>
           <a:ea typeface="+mn-ea"/>
           <a:cs typeface="+mn-cs"/>
         </a:defRPr>
       </a:lvl8pPr>
-      <a:lvl9pPr marL="3886200" indent="-228600" algn="l" defTabSz="914400" rtl="0" eaLnBrk="1" latinLnBrk="0" hangingPunct="1">
+      <a:lvl9pPr marL="3886200" indent="-228600" algn="l" defTabSz="457200" rtl="0" eaLnBrk="1" latinLnBrk="0" hangingPunct="1">
         <a:spcBef>
-          <a:spcPct val="20000"/>
+          <a:spcPts val="1000"/>
         </a:spcBef>
-        <a:buFont typeface="Arial" pitchFamily="34" charset="0"/>
-        <a:buChar char="•"/>
-        <a:defRPr sz="2000" kern="1200">
+        <a:spcAft>
+          <a:spcPts val="0"/>
+        </a:spcAft>
+        <a:buClr>
+          <a:schemeClr val="accent1"/>
+        </a:buClr>
+        <a:buSzPct val="80000"/>
+        <a:buFont typeface="Wingdings 3" charset="2"/>
+        <a:buChar char=""/>
+        <a:defRPr sz="1200" kern="1200">
           <a:solidFill>
-            <a:schemeClr val="tx1"/>
+            <a:schemeClr val="tx1">
+              <a:lumMod val="75000"/>
+              <a:lumOff val="25000"/>
+            </a:schemeClr>
           </a:solidFill>
           <a:latin typeface="+mn-lt"/>
           <a:ea typeface="+mn-ea"/>
@@ -2926,9 +5932,9 @@
     </p:bodyStyle>
     <p:otherStyle>
       <a:defPPr>
-        <a:defRPr lang="ru-RU"/>
+        <a:defRPr lang="en-US"/>
       </a:defPPr>
-      <a:lvl1pPr marL="0" algn="l" defTabSz="914400" rtl="0" eaLnBrk="1" latinLnBrk="0" hangingPunct="1">
+      <a:lvl1pPr marL="0" algn="l" defTabSz="457200" rtl="0" eaLnBrk="1" latinLnBrk="0" hangingPunct="1">
         <a:defRPr sz="1800" kern="1200">
           <a:solidFill>
             <a:schemeClr val="tx1"/>
@@ -2938,7 +5944,7 @@
           <a:cs typeface="+mn-cs"/>
         </a:defRPr>
       </a:lvl1pPr>
-      <a:lvl2pPr marL="457200" algn="l" defTabSz="914400" rtl="0" eaLnBrk="1" latinLnBrk="0" hangingPunct="1">
+      <a:lvl2pPr marL="457200" algn="l" defTabSz="457200" rtl="0" eaLnBrk="1" latinLnBrk="0" hangingPunct="1">
         <a:defRPr sz="1800" kern="1200">
           <a:solidFill>
             <a:schemeClr val="tx1"/>
@@ -2948,7 +5954,7 @@
           <a:cs typeface="+mn-cs"/>
         </a:defRPr>
       </a:lvl2pPr>
-      <a:lvl3pPr marL="914400" algn="l" defTabSz="914400" rtl="0" eaLnBrk="1" latinLnBrk="0" hangingPunct="1">
+      <a:lvl3pPr marL="914400" algn="l" defTabSz="457200" rtl="0" eaLnBrk="1" latinLnBrk="0" hangingPunct="1">
         <a:defRPr sz="1800" kern="1200">
           <a:solidFill>
             <a:schemeClr val="tx1"/>
@@ -2958,7 +5964,7 @@
           <a:cs typeface="+mn-cs"/>
         </a:defRPr>
       </a:lvl3pPr>
-      <a:lvl4pPr marL="1371600" algn="l" defTabSz="914400" rtl="0" eaLnBrk="1" latinLnBrk="0" hangingPunct="1">
+      <a:lvl4pPr marL="1371600" algn="l" defTabSz="457200" rtl="0" eaLnBrk="1" latinLnBrk="0" hangingPunct="1">
         <a:defRPr sz="1800" kern="1200">
           <a:solidFill>
             <a:schemeClr val="tx1"/>
@@ -2968,7 +5974,7 @@
           <a:cs typeface="+mn-cs"/>
         </a:defRPr>
       </a:lvl4pPr>
-      <a:lvl5pPr marL="1828800" algn="l" defTabSz="914400" rtl="0" eaLnBrk="1" latinLnBrk="0" hangingPunct="1">
+      <a:lvl5pPr marL="1828800" algn="l" defTabSz="457200" rtl="0" eaLnBrk="1" latinLnBrk="0" hangingPunct="1">
         <a:defRPr sz="1800" kern="1200">
           <a:solidFill>
             <a:schemeClr val="tx1"/>
@@ -2978,7 +5984,7 @@
           <a:cs typeface="+mn-cs"/>
         </a:defRPr>
       </a:lvl5pPr>
-      <a:lvl6pPr marL="2286000" algn="l" defTabSz="914400" rtl="0" eaLnBrk="1" latinLnBrk="0" hangingPunct="1">
+      <a:lvl6pPr marL="2286000" algn="l" defTabSz="457200" rtl="0" eaLnBrk="1" latinLnBrk="0" hangingPunct="1">
         <a:defRPr sz="1800" kern="1200">
           <a:solidFill>
             <a:schemeClr val="tx1"/>
@@ -2988,7 +5994,7 @@
           <a:cs typeface="+mn-cs"/>
         </a:defRPr>
       </a:lvl6pPr>
-      <a:lvl7pPr marL="2743200" algn="l" defTabSz="914400" rtl="0" eaLnBrk="1" latinLnBrk="0" hangingPunct="1">
+      <a:lvl7pPr marL="2743200" algn="l" defTabSz="457200" rtl="0" eaLnBrk="1" latinLnBrk="0" hangingPunct="1">
         <a:defRPr sz="1800" kern="1200">
           <a:solidFill>
             <a:schemeClr val="tx1"/>
@@ -2998,7 +6004,7 @@
           <a:cs typeface="+mn-cs"/>
         </a:defRPr>
       </a:lvl7pPr>
-      <a:lvl8pPr marL="3200400" algn="l" defTabSz="914400" rtl="0" eaLnBrk="1" latinLnBrk="0" hangingPunct="1">
+      <a:lvl8pPr marL="3200400" algn="l" defTabSz="457200" rtl="0" eaLnBrk="1" latinLnBrk="0" hangingPunct="1">
         <a:defRPr sz="1800" kern="1200">
           <a:solidFill>
             <a:schemeClr val="tx1"/>
@@ -3008,7 +6014,7 @@
           <a:cs typeface="+mn-cs"/>
         </a:defRPr>
       </a:lvl8pPr>
-      <a:lvl9pPr marL="3657600" algn="l" defTabSz="914400" rtl="0" eaLnBrk="1" latinLnBrk="0" hangingPunct="1">
+      <a:lvl9pPr marL="3657600" algn="l" defTabSz="457200" rtl="0" eaLnBrk="1" latinLnBrk="0" hangingPunct="1">
         <a:defRPr sz="1800" kern="1200">
           <a:solidFill>
             <a:schemeClr val="tx1"/>
@@ -3056,26 +6062,38 @@
           <a:lstStyle/>
           <a:p>
             <a:r>
-              <a:rPr lang="ru-RU" dirty="0" smtClean="0"/>
+              <a:rPr lang="ru-RU" sz="4000" dirty="0" smtClean="0"/>
               <a:t>Проект</a:t>
             </a:r>
             <a:r>
-              <a:rPr lang="en-US" dirty="0" smtClean="0"/>
+              <a:rPr lang="en-US" sz="4000" dirty="0" smtClean="0"/>
               <a:t>: </a:t>
             </a:r>
             <a:r>
-              <a:rPr lang="ru-RU" dirty="0" smtClean="0"/>
-              <a:t>игра в жанре </a:t>
-            </a:r>
-            <a:r>
-              <a:rPr lang="en-US" dirty="0" smtClean="0"/>
+              <a:rPr lang="ru-RU" sz="4000" dirty="0" smtClean="0"/>
+              <a:t>игра </a:t>
+            </a:r>
+            <a:r>
+              <a:rPr lang="ru-RU" sz="4000" dirty="0" smtClean="0"/>
+              <a:t>в</a:t>
+            </a:r>
+            <a:r>
+              <a:rPr lang="en-US" sz="4000" dirty="0" smtClean="0"/>
+              <a:t> </a:t>
+            </a:r>
+            <a:r>
+              <a:rPr lang="ru-RU" sz="4000" dirty="0" smtClean="0"/>
+              <a:t>жанре </a:t>
+            </a:r>
+            <a:r>
+              <a:rPr lang="en-US" sz="4000" dirty="0" smtClean="0"/>
               <a:t>Tower </a:t>
             </a:r>
             <a:r>
-              <a:rPr lang="en-US" dirty="0" err="1" smtClean="0"/>
+              <a:rPr lang="en-US" sz="4000" dirty="0" err="1" smtClean="0"/>
               <a:t>defence</a:t>
             </a:r>
-            <a:endParaRPr lang="ru-RU" dirty="0"/>
+            <a:endParaRPr lang="ru-RU" sz="4000" dirty="0"/>
           </a:p>
         </p:txBody>
       </p:sp>
@@ -3094,7 +6112,7 @@
           <a:bodyPr/>
           <a:lstStyle/>
           <a:p>
-            <a:endParaRPr lang="ru-RU"/>
+            <a:endParaRPr lang="ru-RU" dirty="0"/>
           </a:p>
         </p:txBody>
       </p:sp>
@@ -3256,12 +6274,1435 @@
             <p:ph type="title"/>
           </p:nvPr>
         </p:nvSpPr>
-        <p:spPr/>
+        <p:spPr>
+          <a:xfrm>
+            <a:off x="609599" y="609600"/>
+            <a:ext cx="6347713" cy="659160"/>
+          </a:xfrm>
+        </p:spPr>
         <p:txBody>
           <a:bodyPr/>
           <a:lstStyle/>
           <a:p>
             <a:r>
+              <a:rPr lang="ru-RU" dirty="0" smtClean="0"/>
+              <a:t>Техническая реализация</a:t>
+            </a:r>
+            <a:endParaRPr lang="ru-RU" dirty="0"/>
+          </a:p>
+        </p:txBody>
+      </p:sp>
+      <p:sp>
+        <p:nvSpPr>
+          <p:cNvPr id="3" name="Объект 2"/>
+          <p:cNvSpPr>
+            <a:spLocks noGrp="1"/>
+          </p:cNvSpPr>
+          <p:nvPr>
+            <p:ph idx="1"/>
+          </p:nvPr>
+        </p:nvSpPr>
+        <p:spPr>
+          <a:xfrm>
+            <a:off x="609599" y="1340768"/>
+            <a:ext cx="6347714" cy="4700595"/>
+          </a:xfrm>
+        </p:spPr>
+        <p:txBody>
+          <a:bodyPr/>
+          <a:lstStyle/>
+          <a:p>
+            <a:r>
+              <a:rPr lang="ru-RU" dirty="0"/>
+              <a:t>Код поделен на файлы с классами, вот основные:</a:t>
+            </a:r>
+          </a:p>
+          <a:p>
+            <a:endParaRPr lang="ru-RU" dirty="0" smtClean="0"/>
+          </a:p>
+          <a:p>
+            <a:endParaRPr lang="ru-RU" dirty="0"/>
+          </a:p>
+          <a:p>
+            <a:endParaRPr lang="ru-RU" dirty="0" smtClean="0"/>
+          </a:p>
+          <a:p>
+            <a:endParaRPr lang="ru-RU" dirty="0"/>
+          </a:p>
+          <a:p>
+            <a:endParaRPr lang="ru-RU" dirty="0" smtClean="0"/>
+          </a:p>
+          <a:p>
+            <a:endParaRPr lang="ru-RU" dirty="0"/>
+          </a:p>
+          <a:p>
+            <a:endParaRPr lang="ru-RU" dirty="0" smtClean="0"/>
+          </a:p>
+          <a:p>
+            <a:endParaRPr lang="ru-RU" dirty="0"/>
+          </a:p>
+          <a:p>
+            <a:endParaRPr lang="ru-RU" dirty="0" smtClean="0"/>
+          </a:p>
+          <a:p>
+            <a:endParaRPr lang="ru-RU" dirty="0"/>
+          </a:p>
+        </p:txBody>
+      </p:sp>
+      <p:graphicFrame>
+        <p:nvGraphicFramePr>
+          <p:cNvPr id="6" name="Таблица 5"/>
+          <p:cNvGraphicFramePr>
+            <a:graphicFrameLocks noGrp="1"/>
+          </p:cNvGraphicFramePr>
+          <p:nvPr>
+            <p:extLst>
+              <p:ext uri="{D42A27DB-BD31-4B8C-83A1-F6EECF244321}">
+                <p14:modId xmlns:p14="http://schemas.microsoft.com/office/powerpoint/2010/main" val="2189435004"/>
+              </p:ext>
+            </p:extLst>
+          </p:nvPr>
+        </p:nvGraphicFramePr>
+        <p:xfrm>
+          <a:off x="732069" y="1700808"/>
+          <a:ext cx="6077585" cy="3925316"/>
+        </p:xfrm>
+        <a:graphic>
+          <a:graphicData uri="http://schemas.openxmlformats.org/drawingml/2006/table">
+            <a:tbl>
+              <a:tblPr firstRow="1" firstCol="1" bandRow="1">
+                <a:tableStyleId>{5C22544A-7EE6-4342-B048-85BDC9FD1C3A}</a:tableStyleId>
+              </a:tblPr>
+              <a:tblGrid>
+                <a:gridCol w="2025650"/>
+                <a:gridCol w="2025650"/>
+                <a:gridCol w="2026285"/>
+              </a:tblGrid>
+              <a:tr h="0">
+                <a:tc>
+                  <a:txBody>
+                    <a:bodyPr/>
+                    <a:lstStyle/>
+                    <a:p>
+                      <a:pPr>
+                        <a:lnSpc>
+                          <a:spcPct val="115000"/>
+                        </a:lnSpc>
+                        <a:spcAft>
+                          <a:spcPts val="0"/>
+                        </a:spcAft>
+                      </a:pPr>
+                      <a:r>
+                        <a:rPr lang="ru-RU" sz="1100" dirty="0">
+                          <a:effectLst/>
+                        </a:rPr>
+                        <a:t>Файл</a:t>
+                      </a:r>
+                      <a:endParaRPr lang="ru-RU" sz="1100" dirty="0">
+                        <a:effectLst/>
+                        <a:latin typeface="Calibri" panose="020F0502020204030204" pitchFamily="34" charset="0"/>
+                        <a:ea typeface="Calibri" panose="020F0502020204030204" pitchFamily="34" charset="0"/>
+                        <a:cs typeface="Times New Roman" panose="02020603050405020304" pitchFamily="18" charset="0"/>
+                      </a:endParaRPr>
+                    </a:p>
+                  </a:txBody>
+                  <a:tcPr marL="68580" marR="68580" marT="0" marB="0"/>
+                </a:tc>
+                <a:tc>
+                  <a:txBody>
+                    <a:bodyPr/>
+                    <a:lstStyle/>
+                    <a:p>
+                      <a:pPr>
+                        <a:lnSpc>
+                          <a:spcPct val="115000"/>
+                        </a:lnSpc>
+                        <a:spcAft>
+                          <a:spcPts val="0"/>
+                        </a:spcAft>
+                      </a:pPr>
+                      <a:r>
+                        <a:rPr lang="ru-RU" sz="1100">
+                          <a:effectLst/>
+                        </a:rPr>
+                        <a:t>Класс</a:t>
+                      </a:r>
+                      <a:r>
+                        <a:rPr lang="en-US" sz="1100">
+                          <a:effectLst/>
+                        </a:rPr>
+                        <a:t>/</a:t>
+                      </a:r>
+                      <a:r>
+                        <a:rPr lang="ru-RU" sz="1100">
+                          <a:effectLst/>
+                        </a:rPr>
+                        <a:t>Классы</a:t>
+                      </a:r>
+                      <a:endParaRPr lang="ru-RU" sz="1100">
+                        <a:effectLst/>
+                        <a:latin typeface="Calibri" panose="020F0502020204030204" pitchFamily="34" charset="0"/>
+                        <a:ea typeface="Calibri" panose="020F0502020204030204" pitchFamily="34" charset="0"/>
+                        <a:cs typeface="Times New Roman" panose="02020603050405020304" pitchFamily="18" charset="0"/>
+                      </a:endParaRPr>
+                    </a:p>
+                  </a:txBody>
+                  <a:tcPr marL="68580" marR="68580" marT="0" marB="0"/>
+                </a:tc>
+                <a:tc>
+                  <a:txBody>
+                    <a:bodyPr/>
+                    <a:lstStyle/>
+                    <a:p>
+                      <a:pPr>
+                        <a:lnSpc>
+                          <a:spcPct val="115000"/>
+                        </a:lnSpc>
+                        <a:spcAft>
+                          <a:spcPts val="0"/>
+                        </a:spcAft>
+                      </a:pPr>
+                      <a:r>
+                        <a:rPr lang="ru-RU" sz="1100" dirty="0">
+                          <a:effectLst/>
+                        </a:rPr>
+                        <a:t>Назначение</a:t>
+                      </a:r>
+                      <a:endParaRPr lang="ru-RU" sz="1100" dirty="0">
+                        <a:effectLst/>
+                        <a:latin typeface="Calibri" panose="020F0502020204030204" pitchFamily="34" charset="0"/>
+                        <a:ea typeface="Calibri" panose="020F0502020204030204" pitchFamily="34" charset="0"/>
+                        <a:cs typeface="Times New Roman" panose="02020603050405020304" pitchFamily="18" charset="0"/>
+                      </a:endParaRPr>
+                    </a:p>
+                  </a:txBody>
+                  <a:tcPr marL="68580" marR="68580" marT="0" marB="0"/>
+                </a:tc>
+              </a:tr>
+              <a:tr h="0">
+                <a:tc>
+                  <a:txBody>
+                    <a:bodyPr/>
+                    <a:lstStyle/>
+                    <a:p>
+                      <a:pPr>
+                        <a:lnSpc>
+                          <a:spcPct val="115000"/>
+                        </a:lnSpc>
+                        <a:spcAft>
+                          <a:spcPts val="0"/>
+                        </a:spcAft>
+                      </a:pPr>
+                      <a:r>
+                        <a:rPr lang="en-US" sz="1100">
+                          <a:effectLst/>
+                        </a:rPr>
+                        <a:t>Main</a:t>
+                      </a:r>
+                      <a:endParaRPr lang="ru-RU" sz="1100">
+                        <a:effectLst/>
+                        <a:latin typeface="Calibri" panose="020F0502020204030204" pitchFamily="34" charset="0"/>
+                        <a:ea typeface="Calibri" panose="020F0502020204030204" pitchFamily="34" charset="0"/>
+                        <a:cs typeface="Times New Roman" panose="02020603050405020304" pitchFamily="18" charset="0"/>
+                      </a:endParaRPr>
+                    </a:p>
+                  </a:txBody>
+                  <a:tcPr marL="68580" marR="68580" marT="0" marB="0"/>
+                </a:tc>
+                <a:tc>
+                  <a:txBody>
+                    <a:bodyPr/>
+                    <a:lstStyle/>
+                    <a:p>
+                      <a:pPr>
+                        <a:lnSpc>
+                          <a:spcPct val="115000"/>
+                        </a:lnSpc>
+                        <a:spcAft>
+                          <a:spcPts val="0"/>
+                        </a:spcAft>
+                      </a:pPr>
+                      <a:r>
+                        <a:rPr lang="ru-RU" sz="1100">
+                          <a:effectLst/>
+                        </a:rPr>
+                        <a:t>нет</a:t>
+                      </a:r>
+                      <a:endParaRPr lang="ru-RU" sz="1100">
+                        <a:effectLst/>
+                        <a:latin typeface="Calibri" panose="020F0502020204030204" pitchFamily="34" charset="0"/>
+                        <a:ea typeface="Calibri" panose="020F0502020204030204" pitchFamily="34" charset="0"/>
+                        <a:cs typeface="Times New Roman" panose="02020603050405020304" pitchFamily="18" charset="0"/>
+                      </a:endParaRPr>
+                    </a:p>
+                  </a:txBody>
+                  <a:tcPr marL="68580" marR="68580" marT="0" marB="0"/>
+                </a:tc>
+                <a:tc>
+                  <a:txBody>
+                    <a:bodyPr/>
+                    <a:lstStyle/>
+                    <a:p>
+                      <a:pPr>
+                        <a:lnSpc>
+                          <a:spcPct val="115000"/>
+                        </a:lnSpc>
+                        <a:spcAft>
+                          <a:spcPts val="0"/>
+                        </a:spcAft>
+                      </a:pPr>
+                      <a:r>
+                        <a:rPr lang="ru-RU" sz="1100">
+                          <a:effectLst/>
+                        </a:rPr>
+                        <a:t>Старт игры</a:t>
+                      </a:r>
+                      <a:endParaRPr lang="ru-RU" sz="1100">
+                        <a:effectLst/>
+                        <a:latin typeface="Calibri" panose="020F0502020204030204" pitchFamily="34" charset="0"/>
+                        <a:ea typeface="Calibri" panose="020F0502020204030204" pitchFamily="34" charset="0"/>
+                        <a:cs typeface="Times New Roman" panose="02020603050405020304" pitchFamily="18" charset="0"/>
+                      </a:endParaRPr>
+                    </a:p>
+                  </a:txBody>
+                  <a:tcPr marL="68580" marR="68580" marT="0" marB="0"/>
+                </a:tc>
+              </a:tr>
+              <a:tr h="0">
+                <a:tc>
+                  <a:txBody>
+                    <a:bodyPr/>
+                    <a:lstStyle/>
+                    <a:p>
+                      <a:pPr>
+                        <a:lnSpc>
+                          <a:spcPct val="115000"/>
+                        </a:lnSpc>
+                        <a:spcAft>
+                          <a:spcPts val="0"/>
+                        </a:spcAft>
+                      </a:pPr>
+                      <a:r>
+                        <a:rPr lang="en-US" sz="1100">
+                          <a:effectLst/>
+                        </a:rPr>
+                        <a:t>TDGame</a:t>
+                      </a:r>
+                      <a:endParaRPr lang="ru-RU" sz="1100">
+                        <a:effectLst/>
+                        <a:latin typeface="Calibri" panose="020F0502020204030204" pitchFamily="34" charset="0"/>
+                        <a:ea typeface="Calibri" panose="020F0502020204030204" pitchFamily="34" charset="0"/>
+                        <a:cs typeface="Times New Roman" panose="02020603050405020304" pitchFamily="18" charset="0"/>
+                      </a:endParaRPr>
+                    </a:p>
+                  </a:txBody>
+                  <a:tcPr marL="68580" marR="68580" marT="0" marB="0"/>
+                </a:tc>
+                <a:tc>
+                  <a:txBody>
+                    <a:bodyPr/>
+                    <a:lstStyle/>
+                    <a:p>
+                      <a:pPr>
+                        <a:lnSpc>
+                          <a:spcPct val="115000"/>
+                        </a:lnSpc>
+                        <a:spcAft>
+                          <a:spcPts val="0"/>
+                        </a:spcAft>
+                      </a:pPr>
+                      <a:r>
+                        <a:rPr lang="en-US" sz="1100">
+                          <a:effectLst/>
+                        </a:rPr>
+                        <a:t>Game, GameOver</a:t>
+                      </a:r>
+                      <a:endParaRPr lang="ru-RU" sz="1100">
+                        <a:effectLst/>
+                        <a:latin typeface="Calibri" panose="020F0502020204030204" pitchFamily="34" charset="0"/>
+                        <a:ea typeface="Calibri" panose="020F0502020204030204" pitchFamily="34" charset="0"/>
+                        <a:cs typeface="Times New Roman" panose="02020603050405020304" pitchFamily="18" charset="0"/>
+                      </a:endParaRPr>
+                    </a:p>
+                  </a:txBody>
+                  <a:tcPr marL="68580" marR="68580" marT="0" marB="0"/>
+                </a:tc>
+                <a:tc>
+                  <a:txBody>
+                    <a:bodyPr/>
+                    <a:lstStyle/>
+                    <a:p>
+                      <a:pPr>
+                        <a:lnSpc>
+                          <a:spcPct val="115000"/>
+                        </a:lnSpc>
+                        <a:spcAft>
+                          <a:spcPts val="0"/>
+                        </a:spcAft>
+                      </a:pPr>
+                      <a:r>
+                        <a:rPr lang="ru-RU" sz="1100">
+                          <a:effectLst/>
+                        </a:rPr>
+                        <a:t>Главный цикл, взаимодействие с игроком, строительство,</a:t>
+                      </a:r>
+                    </a:p>
+                    <a:p>
+                      <a:pPr>
+                        <a:lnSpc>
+                          <a:spcPct val="115000"/>
+                        </a:lnSpc>
+                        <a:spcAft>
+                          <a:spcPts val="0"/>
+                        </a:spcAft>
+                      </a:pPr>
+                      <a:r>
+                        <a:rPr lang="ru-RU" sz="1100">
+                          <a:effectLst/>
+                        </a:rPr>
+                        <a:t>начальная/конечная заставки,</a:t>
+                      </a:r>
+                    </a:p>
+                    <a:p>
+                      <a:pPr>
+                        <a:lnSpc>
+                          <a:spcPct val="115000"/>
+                        </a:lnSpc>
+                        <a:spcAft>
+                          <a:spcPts val="0"/>
+                        </a:spcAft>
+                      </a:pPr>
+                      <a:r>
+                        <a:rPr lang="ru-RU" sz="1100">
+                          <a:effectLst/>
+                        </a:rPr>
+                        <a:t>Ускорение, пауза</a:t>
+                      </a:r>
+                      <a:endParaRPr lang="ru-RU" sz="1100">
+                        <a:effectLst/>
+                        <a:latin typeface="Calibri" panose="020F0502020204030204" pitchFamily="34" charset="0"/>
+                        <a:ea typeface="Calibri" panose="020F0502020204030204" pitchFamily="34" charset="0"/>
+                        <a:cs typeface="Times New Roman" panose="02020603050405020304" pitchFamily="18" charset="0"/>
+                      </a:endParaRPr>
+                    </a:p>
+                  </a:txBody>
+                  <a:tcPr marL="68580" marR="68580" marT="0" marB="0"/>
+                </a:tc>
+              </a:tr>
+              <a:tr h="0">
+                <a:tc>
+                  <a:txBody>
+                    <a:bodyPr/>
+                    <a:lstStyle/>
+                    <a:p>
+                      <a:pPr>
+                        <a:lnSpc>
+                          <a:spcPct val="115000"/>
+                        </a:lnSpc>
+                        <a:spcAft>
+                          <a:spcPts val="0"/>
+                        </a:spcAft>
+                      </a:pPr>
+                      <a:r>
+                        <a:rPr lang="en-US" sz="1100">
+                          <a:effectLst/>
+                        </a:rPr>
+                        <a:t>Board</a:t>
+                      </a:r>
+                      <a:endParaRPr lang="ru-RU" sz="1100">
+                        <a:effectLst/>
+                        <a:latin typeface="Calibri" panose="020F0502020204030204" pitchFamily="34" charset="0"/>
+                        <a:ea typeface="Calibri" panose="020F0502020204030204" pitchFamily="34" charset="0"/>
+                        <a:cs typeface="Times New Roman" panose="02020603050405020304" pitchFamily="18" charset="0"/>
+                      </a:endParaRPr>
+                    </a:p>
+                  </a:txBody>
+                  <a:tcPr marL="68580" marR="68580" marT="0" marB="0"/>
+                </a:tc>
+                <a:tc>
+                  <a:txBody>
+                    <a:bodyPr/>
+                    <a:lstStyle/>
+                    <a:p>
+                      <a:pPr>
+                        <a:lnSpc>
+                          <a:spcPct val="115000"/>
+                        </a:lnSpc>
+                        <a:spcAft>
+                          <a:spcPts val="0"/>
+                        </a:spcAft>
+                      </a:pPr>
+                      <a:r>
+                        <a:rPr lang="en-US" sz="1100">
+                          <a:effectLst/>
+                        </a:rPr>
+                        <a:t>Board</a:t>
+                      </a:r>
+                      <a:endParaRPr lang="ru-RU" sz="1100">
+                        <a:effectLst/>
+                        <a:latin typeface="Calibri" panose="020F0502020204030204" pitchFamily="34" charset="0"/>
+                        <a:ea typeface="Calibri" panose="020F0502020204030204" pitchFamily="34" charset="0"/>
+                        <a:cs typeface="Times New Roman" panose="02020603050405020304" pitchFamily="18" charset="0"/>
+                      </a:endParaRPr>
+                    </a:p>
+                  </a:txBody>
+                  <a:tcPr marL="68580" marR="68580" marT="0" marB="0"/>
+                </a:tc>
+                <a:tc>
+                  <a:txBody>
+                    <a:bodyPr/>
+                    <a:lstStyle/>
+                    <a:p>
+                      <a:pPr>
+                        <a:lnSpc>
+                          <a:spcPct val="115000"/>
+                        </a:lnSpc>
+                        <a:spcAft>
+                          <a:spcPts val="0"/>
+                        </a:spcAft>
+                      </a:pPr>
+                      <a:r>
+                        <a:rPr lang="ru-RU" sz="1100">
+                          <a:effectLst/>
+                        </a:rPr>
+                        <a:t>Построение карты,  расположение врагов и башен</a:t>
+                      </a:r>
+                      <a:endParaRPr lang="ru-RU" sz="1100">
+                        <a:effectLst/>
+                        <a:latin typeface="Calibri" panose="020F0502020204030204" pitchFamily="34" charset="0"/>
+                        <a:ea typeface="Calibri" panose="020F0502020204030204" pitchFamily="34" charset="0"/>
+                        <a:cs typeface="Times New Roman" panose="02020603050405020304" pitchFamily="18" charset="0"/>
+                      </a:endParaRPr>
+                    </a:p>
+                  </a:txBody>
+                  <a:tcPr marL="68580" marR="68580" marT="0" marB="0"/>
+                </a:tc>
+              </a:tr>
+              <a:tr h="0">
+                <a:tc>
+                  <a:txBody>
+                    <a:bodyPr/>
+                    <a:lstStyle/>
+                    <a:p>
+                      <a:pPr>
+                        <a:lnSpc>
+                          <a:spcPct val="115000"/>
+                        </a:lnSpc>
+                        <a:spcAft>
+                          <a:spcPts val="0"/>
+                        </a:spcAft>
+                      </a:pPr>
+                      <a:r>
+                        <a:rPr lang="en-US" sz="1100">
+                          <a:effectLst/>
+                        </a:rPr>
+                        <a:t>Enemies</a:t>
+                      </a:r>
+                      <a:endParaRPr lang="ru-RU" sz="1100">
+                        <a:effectLst/>
+                        <a:latin typeface="Calibri" panose="020F0502020204030204" pitchFamily="34" charset="0"/>
+                        <a:ea typeface="Calibri" panose="020F0502020204030204" pitchFamily="34" charset="0"/>
+                        <a:cs typeface="Times New Roman" panose="02020603050405020304" pitchFamily="18" charset="0"/>
+                      </a:endParaRPr>
+                    </a:p>
+                  </a:txBody>
+                  <a:tcPr marL="68580" marR="68580" marT="0" marB="0"/>
+                </a:tc>
+                <a:tc>
+                  <a:txBody>
+                    <a:bodyPr/>
+                    <a:lstStyle/>
+                    <a:p>
+                      <a:pPr>
+                        <a:lnSpc>
+                          <a:spcPct val="115000"/>
+                        </a:lnSpc>
+                        <a:spcAft>
+                          <a:spcPts val="0"/>
+                        </a:spcAft>
+                      </a:pPr>
+                      <a:r>
+                        <a:rPr lang="en-US" sz="1100">
+                          <a:effectLst/>
+                        </a:rPr>
+                        <a:t>Enemy</a:t>
+                      </a:r>
+                      <a:r>
+                        <a:rPr lang="ru-RU" sz="1100">
+                          <a:effectLst/>
+                        </a:rPr>
+                        <a:t>, классы всех врагов</a:t>
+                      </a:r>
+                      <a:endParaRPr lang="ru-RU" sz="1100">
+                        <a:effectLst/>
+                        <a:latin typeface="Calibri" panose="020F0502020204030204" pitchFamily="34" charset="0"/>
+                        <a:ea typeface="Calibri" panose="020F0502020204030204" pitchFamily="34" charset="0"/>
+                        <a:cs typeface="Times New Roman" panose="02020603050405020304" pitchFamily="18" charset="0"/>
+                      </a:endParaRPr>
+                    </a:p>
+                  </a:txBody>
+                  <a:tcPr marL="68580" marR="68580" marT="0" marB="0"/>
+                </a:tc>
+                <a:tc>
+                  <a:txBody>
+                    <a:bodyPr/>
+                    <a:lstStyle/>
+                    <a:p>
+                      <a:pPr>
+                        <a:lnSpc>
+                          <a:spcPct val="115000"/>
+                        </a:lnSpc>
+                        <a:spcAft>
+                          <a:spcPts val="0"/>
+                        </a:spcAft>
+                      </a:pPr>
+                      <a:r>
+                        <a:rPr lang="ru-RU" sz="1100">
+                          <a:effectLst/>
+                        </a:rPr>
+                        <a:t>Создание и перемещение врагов, генерация волн</a:t>
+                      </a:r>
+                      <a:endParaRPr lang="ru-RU" sz="1100">
+                        <a:effectLst/>
+                        <a:latin typeface="Calibri" panose="020F0502020204030204" pitchFamily="34" charset="0"/>
+                        <a:ea typeface="Calibri" panose="020F0502020204030204" pitchFamily="34" charset="0"/>
+                        <a:cs typeface="Times New Roman" panose="02020603050405020304" pitchFamily="18" charset="0"/>
+                      </a:endParaRPr>
+                    </a:p>
+                  </a:txBody>
+                  <a:tcPr marL="68580" marR="68580" marT="0" marB="0"/>
+                </a:tc>
+              </a:tr>
+              <a:tr h="0">
+                <a:tc>
+                  <a:txBody>
+                    <a:bodyPr/>
+                    <a:lstStyle/>
+                    <a:p>
+                      <a:pPr>
+                        <a:lnSpc>
+                          <a:spcPct val="115000"/>
+                        </a:lnSpc>
+                        <a:spcAft>
+                          <a:spcPts val="0"/>
+                        </a:spcAft>
+                      </a:pPr>
+                      <a:r>
+                        <a:rPr lang="en-US" sz="1100">
+                          <a:effectLst/>
+                        </a:rPr>
+                        <a:t>Buildings</a:t>
+                      </a:r>
+                      <a:endParaRPr lang="ru-RU" sz="1100">
+                        <a:effectLst/>
+                        <a:latin typeface="Calibri" panose="020F0502020204030204" pitchFamily="34" charset="0"/>
+                        <a:ea typeface="Calibri" panose="020F0502020204030204" pitchFamily="34" charset="0"/>
+                        <a:cs typeface="Times New Roman" panose="02020603050405020304" pitchFamily="18" charset="0"/>
+                      </a:endParaRPr>
+                    </a:p>
+                  </a:txBody>
+                  <a:tcPr marL="68580" marR="68580" marT="0" marB="0"/>
+                </a:tc>
+                <a:tc>
+                  <a:txBody>
+                    <a:bodyPr/>
+                    <a:lstStyle/>
+                    <a:p>
+                      <a:pPr>
+                        <a:lnSpc>
+                          <a:spcPct val="115000"/>
+                        </a:lnSpc>
+                        <a:spcAft>
+                          <a:spcPts val="0"/>
+                        </a:spcAft>
+                      </a:pPr>
+                      <a:r>
+                        <a:rPr lang="en-US" sz="1100">
+                          <a:effectLst/>
+                        </a:rPr>
+                        <a:t>Buildings, Base,</a:t>
+                      </a:r>
+                      <a:r>
+                        <a:rPr lang="ru-RU" sz="1100">
+                          <a:effectLst/>
+                        </a:rPr>
+                        <a:t> классы всех башен</a:t>
+                      </a:r>
+                      <a:endParaRPr lang="ru-RU" sz="1100">
+                        <a:effectLst/>
+                        <a:latin typeface="Calibri" panose="020F0502020204030204" pitchFamily="34" charset="0"/>
+                        <a:ea typeface="Calibri" panose="020F0502020204030204" pitchFamily="34" charset="0"/>
+                        <a:cs typeface="Times New Roman" panose="02020603050405020304" pitchFamily="18" charset="0"/>
+                      </a:endParaRPr>
+                    </a:p>
+                  </a:txBody>
+                  <a:tcPr marL="68580" marR="68580" marT="0" marB="0"/>
+                </a:tc>
+                <a:tc>
+                  <a:txBody>
+                    <a:bodyPr/>
+                    <a:lstStyle/>
+                    <a:p>
+                      <a:pPr>
+                        <a:lnSpc>
+                          <a:spcPct val="115000"/>
+                        </a:lnSpc>
+                        <a:spcAft>
+                          <a:spcPts val="0"/>
+                        </a:spcAft>
+                      </a:pPr>
+                      <a:r>
+                        <a:rPr lang="ru-RU" sz="1100">
+                          <a:effectLst/>
+                        </a:rPr>
+                        <a:t>Создание башен</a:t>
+                      </a:r>
+                      <a:r>
+                        <a:rPr lang="en-US" sz="1100">
+                          <a:effectLst/>
+                        </a:rPr>
+                        <a:t>,</a:t>
+                      </a:r>
+                      <a:r>
+                        <a:rPr lang="ru-RU" sz="1100">
+                          <a:effectLst/>
+                        </a:rPr>
+                        <a:t> стрельба</a:t>
+                      </a:r>
+                      <a:endParaRPr lang="ru-RU" sz="1100">
+                        <a:effectLst/>
+                        <a:latin typeface="Calibri" panose="020F0502020204030204" pitchFamily="34" charset="0"/>
+                        <a:ea typeface="Calibri" panose="020F0502020204030204" pitchFamily="34" charset="0"/>
+                        <a:cs typeface="Times New Roman" panose="02020603050405020304" pitchFamily="18" charset="0"/>
+                      </a:endParaRPr>
+                    </a:p>
+                  </a:txBody>
+                  <a:tcPr marL="68580" marR="68580" marT="0" marB="0"/>
+                </a:tc>
+              </a:tr>
+              <a:tr h="0">
+                <a:tc>
+                  <a:txBody>
+                    <a:bodyPr/>
+                    <a:lstStyle/>
+                    <a:p>
+                      <a:pPr>
+                        <a:lnSpc>
+                          <a:spcPct val="115000"/>
+                        </a:lnSpc>
+                        <a:spcAft>
+                          <a:spcPts val="0"/>
+                        </a:spcAft>
+                      </a:pPr>
+                      <a:r>
+                        <a:rPr lang="en-US" sz="1100">
+                          <a:effectLst/>
+                        </a:rPr>
+                        <a:t>Gui</a:t>
+                      </a:r>
+                      <a:endParaRPr lang="ru-RU" sz="1100">
+                        <a:effectLst/>
+                        <a:latin typeface="Calibri" panose="020F0502020204030204" pitchFamily="34" charset="0"/>
+                        <a:ea typeface="Calibri" panose="020F0502020204030204" pitchFamily="34" charset="0"/>
+                        <a:cs typeface="Times New Roman" panose="02020603050405020304" pitchFamily="18" charset="0"/>
+                      </a:endParaRPr>
+                    </a:p>
+                  </a:txBody>
+                  <a:tcPr marL="68580" marR="68580" marT="0" marB="0"/>
+                </a:tc>
+                <a:tc>
+                  <a:txBody>
+                    <a:bodyPr/>
+                    <a:lstStyle/>
+                    <a:p>
+                      <a:pPr>
+                        <a:lnSpc>
+                          <a:spcPct val="115000"/>
+                        </a:lnSpc>
+                        <a:spcAft>
+                          <a:spcPts val="0"/>
+                        </a:spcAft>
+                      </a:pPr>
+                      <a:r>
+                        <a:rPr lang="en-US" sz="1100">
+                          <a:effectLst/>
+                        </a:rPr>
+                        <a:t>Gui, Button</a:t>
+                      </a:r>
+                      <a:endParaRPr lang="ru-RU" sz="1100">
+                        <a:effectLst/>
+                        <a:latin typeface="Calibri" panose="020F0502020204030204" pitchFamily="34" charset="0"/>
+                        <a:ea typeface="Calibri" panose="020F0502020204030204" pitchFamily="34" charset="0"/>
+                        <a:cs typeface="Times New Roman" panose="02020603050405020304" pitchFamily="18" charset="0"/>
+                      </a:endParaRPr>
+                    </a:p>
+                  </a:txBody>
+                  <a:tcPr marL="68580" marR="68580" marT="0" marB="0"/>
+                </a:tc>
+                <a:tc>
+                  <a:txBody>
+                    <a:bodyPr/>
+                    <a:lstStyle/>
+                    <a:p>
+                      <a:pPr>
+                        <a:lnSpc>
+                          <a:spcPct val="115000"/>
+                        </a:lnSpc>
+                        <a:spcAft>
+                          <a:spcPts val="0"/>
+                        </a:spcAft>
+                      </a:pPr>
+                      <a:r>
+                        <a:rPr lang="ru-RU" sz="1100">
+                          <a:effectLst/>
+                        </a:rPr>
+                        <a:t>Пользовательский интерфейс</a:t>
+                      </a:r>
+                      <a:endParaRPr lang="ru-RU" sz="1100">
+                        <a:effectLst/>
+                        <a:latin typeface="Calibri" panose="020F0502020204030204" pitchFamily="34" charset="0"/>
+                        <a:ea typeface="Calibri" panose="020F0502020204030204" pitchFamily="34" charset="0"/>
+                        <a:cs typeface="Times New Roman" panose="02020603050405020304" pitchFamily="18" charset="0"/>
+                      </a:endParaRPr>
+                    </a:p>
+                  </a:txBody>
+                  <a:tcPr marL="68580" marR="68580" marT="0" marB="0"/>
+                </a:tc>
+              </a:tr>
+              <a:tr h="0">
+                <a:tc>
+                  <a:txBody>
+                    <a:bodyPr/>
+                    <a:lstStyle/>
+                    <a:p>
+                      <a:pPr>
+                        <a:lnSpc>
+                          <a:spcPct val="115000"/>
+                        </a:lnSpc>
+                        <a:spcAft>
+                          <a:spcPts val="0"/>
+                        </a:spcAft>
+                      </a:pPr>
+                      <a:r>
+                        <a:rPr lang="en-US" sz="1100">
+                          <a:effectLst/>
+                        </a:rPr>
+                        <a:t>Tile</a:t>
+                      </a:r>
+                      <a:endParaRPr lang="ru-RU" sz="1100">
+                        <a:effectLst/>
+                        <a:latin typeface="Calibri" panose="020F0502020204030204" pitchFamily="34" charset="0"/>
+                        <a:ea typeface="Calibri" panose="020F0502020204030204" pitchFamily="34" charset="0"/>
+                        <a:cs typeface="Times New Roman" panose="02020603050405020304" pitchFamily="18" charset="0"/>
+                      </a:endParaRPr>
+                    </a:p>
+                  </a:txBody>
+                  <a:tcPr marL="68580" marR="68580" marT="0" marB="0"/>
+                </a:tc>
+                <a:tc>
+                  <a:txBody>
+                    <a:bodyPr/>
+                    <a:lstStyle/>
+                    <a:p>
+                      <a:pPr>
+                        <a:lnSpc>
+                          <a:spcPct val="115000"/>
+                        </a:lnSpc>
+                        <a:spcAft>
+                          <a:spcPts val="0"/>
+                        </a:spcAft>
+                      </a:pPr>
+                      <a:r>
+                        <a:rPr lang="en-US" sz="1100">
+                          <a:effectLst/>
+                        </a:rPr>
+                        <a:t>Tile, GrassTile, SandTile</a:t>
+                      </a:r>
+                      <a:endParaRPr lang="ru-RU" sz="1100">
+                        <a:effectLst/>
+                        <a:latin typeface="Calibri" panose="020F0502020204030204" pitchFamily="34" charset="0"/>
+                        <a:ea typeface="Calibri" panose="020F0502020204030204" pitchFamily="34" charset="0"/>
+                        <a:cs typeface="Times New Roman" panose="02020603050405020304" pitchFamily="18" charset="0"/>
+                      </a:endParaRPr>
+                    </a:p>
+                  </a:txBody>
+                  <a:tcPr marL="68580" marR="68580" marT="0" marB="0"/>
+                </a:tc>
+                <a:tc>
+                  <a:txBody>
+                    <a:bodyPr/>
+                    <a:lstStyle/>
+                    <a:p>
+                      <a:pPr>
+                        <a:lnSpc>
+                          <a:spcPct val="115000"/>
+                        </a:lnSpc>
+                        <a:spcAft>
+                          <a:spcPts val="0"/>
+                        </a:spcAft>
+                      </a:pPr>
+                      <a:r>
+                        <a:rPr lang="ru-RU" sz="1100">
+                          <a:effectLst/>
+                        </a:rPr>
+                        <a:t>Клетки из которых состоит поле</a:t>
+                      </a:r>
+                      <a:endParaRPr lang="ru-RU" sz="1100">
+                        <a:effectLst/>
+                        <a:latin typeface="Calibri" panose="020F0502020204030204" pitchFamily="34" charset="0"/>
+                        <a:ea typeface="Calibri" panose="020F0502020204030204" pitchFamily="34" charset="0"/>
+                        <a:cs typeface="Times New Roman" panose="02020603050405020304" pitchFamily="18" charset="0"/>
+                      </a:endParaRPr>
+                    </a:p>
+                  </a:txBody>
+                  <a:tcPr marL="68580" marR="68580" marT="0" marB="0"/>
+                </a:tc>
+              </a:tr>
+              <a:tr h="0">
+                <a:tc>
+                  <a:txBody>
+                    <a:bodyPr/>
+                    <a:lstStyle/>
+                    <a:p>
+                      <a:pPr>
+                        <a:lnSpc>
+                          <a:spcPct val="115000"/>
+                        </a:lnSpc>
+                        <a:spcAft>
+                          <a:spcPts val="0"/>
+                        </a:spcAft>
+                      </a:pPr>
+                      <a:r>
+                        <a:rPr lang="en-US" sz="1100">
+                          <a:effectLst/>
+                        </a:rPr>
+                        <a:t>Utils</a:t>
+                      </a:r>
+                      <a:endParaRPr lang="ru-RU" sz="1100">
+                        <a:effectLst/>
+                        <a:latin typeface="Calibri" panose="020F0502020204030204" pitchFamily="34" charset="0"/>
+                        <a:ea typeface="Calibri" panose="020F0502020204030204" pitchFamily="34" charset="0"/>
+                        <a:cs typeface="Times New Roman" panose="02020603050405020304" pitchFamily="18" charset="0"/>
+                      </a:endParaRPr>
+                    </a:p>
+                  </a:txBody>
+                  <a:tcPr marL="68580" marR="68580" marT="0" marB="0"/>
+                </a:tc>
+                <a:tc>
+                  <a:txBody>
+                    <a:bodyPr/>
+                    <a:lstStyle/>
+                    <a:p>
+                      <a:pPr>
+                        <a:lnSpc>
+                          <a:spcPct val="115000"/>
+                        </a:lnSpc>
+                        <a:spcAft>
+                          <a:spcPts val="0"/>
+                        </a:spcAft>
+                      </a:pPr>
+                      <a:r>
+                        <a:rPr lang="ru-RU" sz="1100">
+                          <a:effectLst/>
+                        </a:rPr>
+                        <a:t>Нет</a:t>
+                      </a:r>
+                      <a:endParaRPr lang="ru-RU" sz="1100">
+                        <a:effectLst/>
+                        <a:latin typeface="Calibri" panose="020F0502020204030204" pitchFamily="34" charset="0"/>
+                        <a:ea typeface="Calibri" panose="020F0502020204030204" pitchFamily="34" charset="0"/>
+                        <a:cs typeface="Times New Roman" panose="02020603050405020304" pitchFamily="18" charset="0"/>
+                      </a:endParaRPr>
+                    </a:p>
+                  </a:txBody>
+                  <a:tcPr marL="68580" marR="68580" marT="0" marB="0"/>
+                </a:tc>
+                <a:tc>
+                  <a:txBody>
+                    <a:bodyPr/>
+                    <a:lstStyle/>
+                    <a:p>
+                      <a:pPr>
+                        <a:lnSpc>
+                          <a:spcPct val="115000"/>
+                        </a:lnSpc>
+                        <a:spcAft>
+                          <a:spcPts val="0"/>
+                        </a:spcAft>
+                      </a:pPr>
+                      <a:r>
+                        <a:rPr lang="ru-RU" sz="1100" dirty="0">
+                          <a:effectLst/>
+                        </a:rPr>
+                        <a:t>Вспомогательные </a:t>
+                      </a:r>
+                      <a:r>
+                        <a:rPr lang="ru-RU" sz="1100" dirty="0" err="1">
+                          <a:effectLst/>
+                        </a:rPr>
+                        <a:t>фунции</a:t>
+                      </a:r>
+                      <a:endParaRPr lang="ru-RU" sz="1100" dirty="0">
+                        <a:effectLst/>
+                        <a:latin typeface="Calibri" panose="020F0502020204030204" pitchFamily="34" charset="0"/>
+                        <a:ea typeface="Calibri" panose="020F0502020204030204" pitchFamily="34" charset="0"/>
+                        <a:cs typeface="Times New Roman" panose="02020603050405020304" pitchFamily="18" charset="0"/>
+                      </a:endParaRPr>
+                    </a:p>
+                  </a:txBody>
+                  <a:tcPr marL="68580" marR="68580" marT="0" marB="0"/>
+                </a:tc>
+              </a:tr>
+              <a:tr h="0">
+                <a:tc>
+                  <a:txBody>
+                    <a:bodyPr/>
+                    <a:lstStyle/>
+                    <a:p>
+                      <a:pPr>
+                        <a:lnSpc>
+                          <a:spcPct val="115000"/>
+                        </a:lnSpc>
+                        <a:spcAft>
+                          <a:spcPts val="0"/>
+                        </a:spcAft>
+                      </a:pPr>
+                      <a:r>
+                        <a:rPr lang="en-US" sz="1100">
+                          <a:effectLst/>
+                        </a:rPr>
+                        <a:t>Restart</a:t>
+                      </a:r>
+                      <a:endParaRPr lang="ru-RU" sz="1100">
+                        <a:effectLst/>
+                        <a:latin typeface="Calibri" panose="020F0502020204030204" pitchFamily="34" charset="0"/>
+                        <a:ea typeface="Calibri" panose="020F0502020204030204" pitchFamily="34" charset="0"/>
+                        <a:cs typeface="Times New Roman" panose="02020603050405020304" pitchFamily="18" charset="0"/>
+                      </a:endParaRPr>
+                    </a:p>
+                  </a:txBody>
+                  <a:tcPr marL="68580" marR="68580" marT="0" marB="0"/>
+                </a:tc>
+                <a:tc>
+                  <a:txBody>
+                    <a:bodyPr/>
+                    <a:lstStyle/>
+                    <a:p>
+                      <a:pPr>
+                        <a:lnSpc>
+                          <a:spcPct val="115000"/>
+                        </a:lnSpc>
+                        <a:spcAft>
+                          <a:spcPts val="0"/>
+                        </a:spcAft>
+                      </a:pPr>
+                      <a:r>
+                        <a:rPr lang="ru-RU" sz="1100">
+                          <a:effectLst/>
+                        </a:rPr>
+                        <a:t>Нет</a:t>
+                      </a:r>
+                      <a:endParaRPr lang="ru-RU" sz="1100">
+                        <a:effectLst/>
+                        <a:latin typeface="Calibri" panose="020F0502020204030204" pitchFamily="34" charset="0"/>
+                        <a:ea typeface="Calibri" panose="020F0502020204030204" pitchFamily="34" charset="0"/>
+                        <a:cs typeface="Times New Roman" panose="02020603050405020304" pitchFamily="18" charset="0"/>
+                      </a:endParaRPr>
+                    </a:p>
+                  </a:txBody>
+                  <a:tcPr marL="68580" marR="68580" marT="0" marB="0"/>
+                </a:tc>
+                <a:tc>
+                  <a:txBody>
+                    <a:bodyPr/>
+                    <a:lstStyle/>
+                    <a:p>
+                      <a:pPr>
+                        <a:lnSpc>
+                          <a:spcPct val="115000"/>
+                        </a:lnSpc>
+                        <a:spcAft>
+                          <a:spcPts val="0"/>
+                        </a:spcAft>
+                      </a:pPr>
+                      <a:r>
+                        <a:rPr lang="ru-RU" sz="1100" dirty="0">
+                          <a:effectLst/>
+                        </a:rPr>
+                        <a:t>Рестарт игры</a:t>
+                      </a:r>
+                      <a:endParaRPr lang="ru-RU" sz="1100" dirty="0">
+                        <a:effectLst/>
+                        <a:latin typeface="Calibri" panose="020F0502020204030204" pitchFamily="34" charset="0"/>
+                        <a:ea typeface="Calibri" panose="020F0502020204030204" pitchFamily="34" charset="0"/>
+                        <a:cs typeface="Times New Roman" panose="02020603050405020304" pitchFamily="18" charset="0"/>
+                      </a:endParaRPr>
+                    </a:p>
+                  </a:txBody>
+                  <a:tcPr marL="68580" marR="68580" marT="0" marB="0"/>
+                </a:tc>
+              </a:tr>
+            </a:tbl>
+          </a:graphicData>
+        </a:graphic>
+      </p:graphicFrame>
+      <p:sp>
+        <p:nvSpPr>
+          <p:cNvPr id="7" name="Rectangle 2"/>
+          <p:cNvSpPr>
+            <a:spLocks noChangeArrowheads="1"/>
+          </p:cNvSpPr>
+          <p:nvPr/>
+        </p:nvSpPr>
+        <p:spPr bwMode="auto">
+          <a:xfrm>
+            <a:off x="744538" y="2462213"/>
+            <a:ext cx="9144000" cy="457200"/>
+          </a:xfrm>
+          <a:prstGeom prst="rect">
+            <a:avLst/>
+          </a:prstGeom>
+          <a:noFill/>
+          <a:ln>
+            <a:noFill/>
+          </a:ln>
+          <a:effectLst/>
+          <a:extLst>
+            <a:ext uri="{909E8E84-426E-40DD-AFC4-6F175D3DCCD1}">
+              <a14:hiddenFill xmlns:a14="http://schemas.microsoft.com/office/drawing/2010/main">
+                <a:solidFill>
+                  <a:schemeClr val="accent1"/>
+                </a:solidFill>
+              </a14:hiddenFill>
+            </a:ext>
+            <a:ext uri="{91240B29-F687-4F45-9708-019B960494DF}">
+              <a14:hiddenLine xmlns:a14="http://schemas.microsoft.com/office/drawing/2010/main" w="9525">
+                <a:solidFill>
+                  <a:schemeClr val="tx1"/>
+                </a:solidFill>
+                <a:miter lim="800000"/>
+                <a:headEnd/>
+                <a:tailEnd/>
+              </a14:hiddenLine>
+            </a:ext>
+            <a:ext uri="{AF507438-7753-43E0-B8FC-AC1667EBCBE1}">
+              <a14:hiddenEffects xmlns:a14="http://schemas.microsoft.com/office/drawing/2010/main">
+                <a:effectLst>
+                  <a:outerShdw dist="35921" dir="2700000" algn="ctr" rotWithShape="0">
+                    <a:schemeClr val="bg2"/>
+                  </a:outerShdw>
+                </a:effectLst>
+              </a14:hiddenEffects>
+            </a:ext>
+          </a:extLst>
+        </p:spPr>
+        <p:txBody>
+          <a:bodyPr vert="horz" wrap="none" lIns="91440" tIns="45720" rIns="91440" bIns="45720" numCol="1" anchor="ctr" anchorCtr="0" compatLnSpc="1">
+            <a:prstTxWarp prst="textNoShape">
+              <a:avLst/>
+            </a:prstTxWarp>
+            <a:spAutoFit/>
+          </a:bodyPr>
+          <a:lstStyle/>
+          <a:p>
+            <a:endParaRPr lang="ru-RU"/>
+          </a:p>
+        </p:txBody>
+      </p:sp>
+    </p:spTree>
+    <p:extLst>
+      <p:ext uri="{BB962C8B-B14F-4D97-AF65-F5344CB8AC3E}">
+        <p14:creationId xmlns:p14="http://schemas.microsoft.com/office/powerpoint/2010/main" val="3774937942"/>
+      </p:ext>
+    </p:extLst>
+  </p:cSld>
+  <p:clrMapOvr>
+    <a:masterClrMapping/>
+  </p:clrMapOvr>
+</p:sld>
+</file>
+
+<file path=ppt/slides/slide4.xml><?xml version="1.0" encoding="utf-8"?>
+<p:sld xmlns:a="http://schemas.openxmlformats.org/drawingml/2006/main" xmlns:r="http://schemas.openxmlformats.org/officeDocument/2006/relationships" xmlns:p="http://schemas.openxmlformats.org/presentationml/2006/main">
+  <p:cSld>
+    <p:spTree>
+      <p:nvGrpSpPr>
+        <p:cNvPr id="1" name=""/>
+        <p:cNvGrpSpPr/>
+        <p:nvPr/>
+      </p:nvGrpSpPr>
+      <p:grpSpPr>
+        <a:xfrm>
+          <a:off x="0" y="0"/>
+          <a:ext cx="0" cy="0"/>
+          <a:chOff x="0" y="0"/>
+          <a:chExt cx="0" cy="0"/>
+        </a:xfrm>
+      </p:grpSpPr>
+      <p:sp>
+        <p:nvSpPr>
+          <p:cNvPr id="2" name="Заголовок 1"/>
+          <p:cNvSpPr>
+            <a:spLocks noGrp="1"/>
+          </p:cNvSpPr>
+          <p:nvPr>
+            <p:ph type="title"/>
+          </p:nvPr>
+        </p:nvSpPr>
+        <p:spPr>
+          <a:xfrm>
+            <a:off x="609599" y="609600"/>
+            <a:ext cx="6347713" cy="731168"/>
+          </a:xfrm>
+        </p:spPr>
+        <p:txBody>
+          <a:bodyPr/>
+          <a:lstStyle/>
+          <a:p>
+            <a:r>
+              <a:rPr lang="ru-RU" dirty="0" smtClean="0"/>
+              <a:t>Наследование</a:t>
+            </a:r>
+            <a:endParaRPr lang="ru-RU" dirty="0"/>
+          </a:p>
+        </p:txBody>
+      </p:sp>
+      <p:sp>
+        <p:nvSpPr>
+          <p:cNvPr id="3" name="Объект 2"/>
+          <p:cNvSpPr>
+            <a:spLocks noGrp="1"/>
+          </p:cNvSpPr>
+          <p:nvPr>
+            <p:ph idx="1"/>
+          </p:nvPr>
+        </p:nvSpPr>
+        <p:spPr>
+          <a:xfrm>
+            <a:off x="609599" y="1268760"/>
+            <a:ext cx="6347714" cy="4772603"/>
+          </a:xfrm>
+        </p:spPr>
+        <p:txBody>
+          <a:bodyPr/>
+          <a:lstStyle/>
+          <a:p>
+            <a:r>
+              <a:rPr lang="ru-RU" dirty="0"/>
+              <a:t>В файлах </a:t>
+            </a:r>
+            <a:r>
+              <a:rPr lang="en-US" dirty="0"/>
+              <a:t>Enemies</a:t>
+            </a:r>
+            <a:r>
+              <a:rPr lang="ru-RU" dirty="0"/>
+              <a:t>, </a:t>
+            </a:r>
+            <a:r>
+              <a:rPr lang="en-US" dirty="0"/>
+              <a:t>Buildings </a:t>
+            </a:r>
+            <a:r>
+              <a:rPr lang="ru-RU" dirty="0"/>
+              <a:t>и </a:t>
+            </a:r>
+            <a:r>
+              <a:rPr lang="en-US" dirty="0"/>
+              <a:t>Tile </a:t>
+            </a:r>
+            <a:r>
+              <a:rPr lang="ru-RU" dirty="0"/>
+              <a:t>классы врагов/башен/клеток наследуются от общего </a:t>
+            </a:r>
+            <a:r>
+              <a:rPr lang="ru-RU" dirty="0" smtClean="0"/>
+              <a:t>родителя</a:t>
+            </a:r>
+            <a:endParaRPr lang="ru-RU" dirty="0"/>
+          </a:p>
+          <a:p>
+            <a:r>
+              <a:rPr lang="en-US" dirty="0" smtClean="0"/>
+              <a:t>Enemies:</a:t>
+            </a:r>
+            <a:r>
+              <a:rPr lang="ru-RU" dirty="0"/>
+              <a:t> </a:t>
+            </a:r>
+            <a:r>
+              <a:rPr lang="en-US" dirty="0" smtClean="0"/>
+              <a:t>Enemies </a:t>
+            </a:r>
+            <a:r>
+              <a:rPr lang="en-US" dirty="0"/>
+              <a:t>-&gt; </a:t>
+            </a:r>
+            <a:r>
+              <a:rPr lang="ru-RU" dirty="0"/>
+              <a:t>все классы врагов</a:t>
+            </a:r>
+          </a:p>
+          <a:p>
+            <a:r>
+              <a:rPr lang="en-US" dirty="0" smtClean="0"/>
+              <a:t>Buildings:</a:t>
+            </a:r>
+            <a:r>
+              <a:rPr lang="ru-RU" dirty="0"/>
+              <a:t> </a:t>
+            </a:r>
+            <a:r>
+              <a:rPr lang="en-US" dirty="0" smtClean="0"/>
+              <a:t>Buildings </a:t>
+            </a:r>
+            <a:r>
+              <a:rPr lang="en-US" dirty="0"/>
+              <a:t>-&gt; </a:t>
+            </a:r>
+            <a:r>
+              <a:rPr lang="en-US" dirty="0" smtClean="0"/>
+              <a:t>Base</a:t>
+            </a:r>
+            <a:r>
+              <a:rPr lang="ru-RU" dirty="0"/>
+              <a:t> </a:t>
+            </a:r>
+            <a:r>
+              <a:rPr lang="ru-RU" dirty="0" smtClean="0"/>
+              <a:t>              					              </a:t>
+            </a:r>
+            <a:r>
+              <a:rPr lang="en-US" dirty="0" smtClean="0"/>
+              <a:t>Buildings </a:t>
+            </a:r>
+            <a:r>
+              <a:rPr lang="en-US" dirty="0"/>
+              <a:t>-&gt; Towers -&gt; </a:t>
+            </a:r>
+            <a:r>
+              <a:rPr lang="ru-RU" dirty="0"/>
+              <a:t>все классы башен</a:t>
+            </a:r>
+          </a:p>
+          <a:p>
+            <a:r>
+              <a:rPr lang="en-US" dirty="0"/>
+              <a:t>Tile</a:t>
+            </a:r>
+            <a:r>
+              <a:rPr lang="ru-RU" dirty="0" smtClean="0"/>
+              <a:t>: </a:t>
+            </a:r>
+            <a:r>
+              <a:rPr lang="en-US" dirty="0" smtClean="0"/>
+              <a:t>Tile</a:t>
+            </a:r>
+            <a:r>
+              <a:rPr lang="ru-RU" dirty="0" smtClean="0"/>
+              <a:t> </a:t>
+            </a:r>
+            <a:r>
+              <a:rPr lang="ru-RU" dirty="0"/>
+              <a:t>-&gt; классы клеток</a:t>
+            </a:r>
+          </a:p>
+          <a:p>
+            <a:r>
+              <a:rPr lang="ru-RU" dirty="0"/>
+              <a:t>Все башни и враги реализованы в отдельных </a:t>
+            </a:r>
+            <a:r>
+              <a:rPr lang="ru-RU" dirty="0" err="1"/>
+              <a:t>класссах</a:t>
+            </a:r>
+            <a:r>
+              <a:rPr lang="ru-RU" dirty="0"/>
+              <a:t> и наследуются от общего предка для удобства их создания</a:t>
+            </a:r>
+            <a:r>
+              <a:rPr lang="en-US" dirty="0"/>
+              <a:t>,</a:t>
+            </a:r>
+            <a:r>
+              <a:rPr lang="ru-RU" dirty="0"/>
+              <a:t> изменения</a:t>
+            </a:r>
+            <a:r>
+              <a:rPr lang="en-US" dirty="0"/>
+              <a:t> </a:t>
+            </a:r>
+            <a:r>
+              <a:rPr lang="ru-RU" dirty="0"/>
+              <a:t>и упрощения </a:t>
+            </a:r>
+            <a:r>
+              <a:rPr lang="ru-RU" dirty="0" smtClean="0"/>
+              <a:t>хранения</a:t>
+            </a:r>
+          </a:p>
+          <a:p>
+            <a:r>
+              <a:rPr lang="ru-RU" dirty="0" smtClean="0"/>
+              <a:t>Враги двигаются по карте ориентируясь по меткам </a:t>
+            </a:r>
+            <a:r>
+              <a:rPr lang="ru-RU" smtClean="0"/>
+              <a:t>расставленным для них по карте</a:t>
+            </a:r>
+            <a:endParaRPr lang="ru-RU" dirty="0"/>
+          </a:p>
+          <a:p>
+            <a:endParaRPr lang="ru-RU" dirty="0"/>
+          </a:p>
+        </p:txBody>
+      </p:sp>
+    </p:spTree>
+    <p:extLst>
+      <p:ext uri="{BB962C8B-B14F-4D97-AF65-F5344CB8AC3E}">
+        <p14:creationId xmlns:p14="http://schemas.microsoft.com/office/powerpoint/2010/main" val="2408466551"/>
+      </p:ext>
+    </p:extLst>
+  </p:cSld>
+  <p:clrMapOvr>
+    <a:masterClrMapping/>
+  </p:clrMapOvr>
+</p:sld>
+</file>
+
+<file path=ppt/slides/slide5.xml><?xml version="1.0" encoding="utf-8"?>
+<p:sld xmlns:a="http://schemas.openxmlformats.org/drawingml/2006/main" xmlns:r="http://schemas.openxmlformats.org/officeDocument/2006/relationships" xmlns:p="http://schemas.openxmlformats.org/presentationml/2006/main">
+  <p:cSld>
+    <p:spTree>
+      <p:nvGrpSpPr>
+        <p:cNvPr id="1" name=""/>
+        <p:cNvGrpSpPr/>
+        <p:nvPr/>
+      </p:nvGrpSpPr>
+      <p:grpSpPr>
+        <a:xfrm>
+          <a:off x="0" y="0"/>
+          <a:ext cx="0" cy="0"/>
+          <a:chOff x="0" y="0"/>
+          <a:chExt cx="0" cy="0"/>
+        </a:xfrm>
+      </p:grpSpPr>
+      <p:sp>
+        <p:nvSpPr>
+          <p:cNvPr id="2" name="Заголовок 1"/>
+          <p:cNvSpPr>
+            <a:spLocks noGrp="1"/>
+          </p:cNvSpPr>
+          <p:nvPr>
+            <p:ph type="title"/>
+          </p:nvPr>
+        </p:nvSpPr>
+        <p:spPr/>
+        <p:txBody>
+          <a:bodyPr/>
+          <a:lstStyle/>
+          <a:p>
+            <a:r>
               <a:rPr lang="ru-RU" dirty="0" err="1" smtClean="0"/>
               <a:t>Геймплей</a:t>
             </a:r>
@@ -3282,7 +7723,7 @@
         <p:spPr/>
         <p:txBody>
           <a:bodyPr>
-            <a:normAutofit fontScale="92500"/>
+            <a:normAutofit/>
           </a:bodyPr>
           <a:lstStyle/>
           <a:p>
@@ -3357,7 +7798,7 @@
 </p:sld>
 </file>
 
-<file path=ppt/slides/slide4.xml><?xml version="1.0" encoding="utf-8"?>
+<file path=ppt/slides/slide6.xml><?xml version="1.0" encoding="utf-8"?>
 <p:sld xmlns:a="http://schemas.openxmlformats.org/drawingml/2006/main" xmlns:r="http://schemas.openxmlformats.org/officeDocument/2006/relationships" xmlns:p="http://schemas.openxmlformats.org/presentationml/2006/main">
   <p:cSld>
     <p:spTree>
@@ -3448,7 +7889,7 @@
 </p:sld>
 </file>
 
-<file path=ppt/slides/slide5.xml><?xml version="1.0" encoding="utf-8"?>
+<file path=ppt/slides/slide7.xml><?xml version="1.0" encoding="utf-8"?>
 <p:sld xmlns:a="http://schemas.openxmlformats.org/drawingml/2006/main" xmlns:r="http://schemas.openxmlformats.org/officeDocument/2006/relationships" xmlns:p="http://schemas.openxmlformats.org/presentationml/2006/main">
   <p:cSld>
     <p:spTree>
@@ -3539,7 +7980,7 @@
 </p:sld>
 </file>
 
-<file path=ppt/slides/slide6.xml><?xml version="1.0" encoding="utf-8"?>
+<file path=ppt/slides/slide8.xml><?xml version="1.0" encoding="utf-8"?>
 <p:sld xmlns:a="http://schemas.openxmlformats.org/drawingml/2006/main" xmlns:r="http://schemas.openxmlformats.org/officeDocument/2006/relationships" xmlns:p="http://schemas.openxmlformats.org/presentationml/2006/main">
   <p:cSld>
     <p:spTree>
@@ -3631,9 +8072,9 @@
 </file>
 
 <file path=ppt/theme/theme1.xml><?xml version="1.0" encoding="utf-8"?>
-<a:theme xmlns:a="http://schemas.openxmlformats.org/drawingml/2006/main" name="Тема Office">
+<a:theme xmlns:a="http://schemas.openxmlformats.org/drawingml/2006/main" name="Грань">
   <a:themeElements>
-    <a:clrScheme name="Стандартная">
+    <a:clrScheme name="Грань">
       <a:dk1>
         <a:sysClr val="windowText" lastClr="000000"/>
       </a:dk1>
@@ -3641,80 +8082,46 @@
         <a:sysClr val="window" lastClr="FFFFFF"/>
       </a:lt1>
       <a:dk2>
-        <a:srgbClr val="1F497D"/>
+        <a:srgbClr val="2C3C43"/>
       </a:dk2>
       <a:lt2>
-        <a:srgbClr val="EEECE1"/>
+        <a:srgbClr val="EBEBEB"/>
       </a:lt2>
       <a:accent1>
-        <a:srgbClr val="4F81BD"/>
+        <a:srgbClr val="90C226"/>
       </a:accent1>
       <a:accent2>
-        <a:srgbClr val="C0504D"/>
+        <a:srgbClr val="54A021"/>
       </a:accent2>
       <a:accent3>
-        <a:srgbClr val="9BBB59"/>
+        <a:srgbClr val="E6B91E"/>
       </a:accent3>
       <a:accent4>
-        <a:srgbClr val="8064A2"/>
+        <a:srgbClr val="E76618"/>
       </a:accent4>
       <a:accent5>
-        <a:srgbClr val="4BACC6"/>
+        <a:srgbClr val="C42F1A"/>
       </a:accent5>
       <a:accent6>
-        <a:srgbClr val="F79646"/>
+        <a:srgbClr val="918655"/>
       </a:accent6>
       <a:hlink>
-        <a:srgbClr val="0000FF"/>
+        <a:srgbClr val="99CA3C"/>
       </a:hlink>
       <a:folHlink>
-        <a:srgbClr val="800080"/>
+        <a:srgbClr val="B9D181"/>
       </a:folHlink>
     </a:clrScheme>
-    <a:fontScheme name="Стандартная">
+    <a:fontScheme name="Грань">
       <a:majorFont>
-        <a:latin typeface="Calibri"/>
+        <a:latin typeface="Trebuchet MS" panose="020B0603020202020204"/>
         <a:ea typeface=""/>
         <a:cs typeface=""/>
-        <a:font script="Jpan" typeface="ＭＳ Ｐゴシック"/>
+        <a:font script="Jpan" typeface="メイリオ"/>
         <a:font script="Hang" typeface="맑은 고딕"/>
-        <a:font script="Hans" typeface="宋体"/>
-        <a:font script="Hant" typeface="新細明體"/>
-        <a:font script="Arab" typeface="Times New Roman"/>
-        <a:font script="Hebr" typeface="Times New Roman"/>
-        <a:font script="Thai" typeface="Angsana New"/>
-        <a:font script="Ethi" typeface="Nyala"/>
-        <a:font script="Beng" typeface="Vrinda"/>
-        <a:font script="Gujr" typeface="Shruti"/>
-        <a:font script="Khmr" typeface="MoolBoran"/>
-        <a:font script="Knda" typeface="Tunga"/>
-        <a:font script="Guru" typeface="Raavi"/>
-        <a:font script="Cans" typeface="Euphemia"/>
-        <a:font script="Cher" typeface="Plantagenet Cherokee"/>
-        <a:font script="Yiii" typeface="Microsoft Yi Baiti"/>
-        <a:font script="Tibt" typeface="Microsoft Himalaya"/>
-        <a:font script="Thaa" typeface="MV Boli"/>
-        <a:font script="Deva" typeface="Mangal"/>
-        <a:font script="Telu" typeface="Gautami"/>
-        <a:font script="Taml" typeface="Latha"/>
-        <a:font script="Syrc" typeface="Estrangelo Edessa"/>
-        <a:font script="Orya" typeface="Kalinga"/>
-        <a:font script="Mlym" typeface="Kartika"/>
-        <a:font script="Laoo" typeface="DokChampa"/>
-        <a:font script="Sinh" typeface="Iskoola Pota"/>
-        <a:font script="Mong" typeface="Mongolian Baiti"/>
-        <a:font script="Viet" typeface="Times New Roman"/>
-        <a:font script="Uigh" typeface="Microsoft Uighur"/>
-      </a:majorFont>
-      <a:minorFont>
-        <a:latin typeface="Calibri"/>
-        <a:ea typeface=""/>
-        <a:cs typeface=""/>
-        <a:font script="Jpan" typeface="ＭＳ Ｐゴシック"/>
-        <a:font script="Hang" typeface="맑은 고딕"/>
-        <a:font script="Hans" typeface="宋体"/>
-        <a:font script="Hant" typeface="新細明體"/>
-        <a:font script="Arab" typeface="Arial"/>
+        <a:font script="Hans" typeface="方正姚体"/>
+        <a:font script="Hant" typeface="微軟正黑體"/>
+        <a:font script="Arab" typeface="Tahoma"/>
         <a:font script="Hebr" typeface="Arial"/>
         <a:font script="Thai" typeface="Cordia New"/>
         <a:font script="Ethi" typeface="Nyala"/>
@@ -3737,11 +8144,47 @@
         <a:font script="Laoo" typeface="DokChampa"/>
         <a:font script="Sinh" typeface="Iskoola Pota"/>
         <a:font script="Mong" typeface="Mongolian Baiti"/>
+        <a:font script="Viet" typeface="Tahoma"/>
+        <a:font script="Uigh" typeface="Microsoft Uighur"/>
+        <a:font script="Geor" typeface="Sylfaen"/>
+      </a:majorFont>
+      <a:minorFont>
+        <a:latin typeface="Trebuchet MS" panose="020B0603020202020204"/>
+        <a:ea typeface=""/>
+        <a:cs typeface=""/>
+        <a:font script="Jpan" typeface="メイリオ"/>
+        <a:font script="Hang" typeface="HY그래픽M"/>
+        <a:font script="Hans" typeface="华文新魏"/>
+        <a:font script="Hant" typeface="微軟正黑體"/>
+        <a:font script="Arab" typeface="Tahoma"/>
+        <a:font script="Hebr" typeface="Gisha"/>
+        <a:font script="Thai" typeface="IrisUPC"/>
+        <a:font script="Ethi" typeface="Nyala"/>
+        <a:font script="Beng" typeface="Vrinda"/>
+        <a:font script="Gujr" typeface="Shruti"/>
+        <a:font script="Khmr" typeface="DaunPenh"/>
+        <a:font script="Knda" typeface="Tunga"/>
+        <a:font script="Guru" typeface="Raavi"/>
+        <a:font script="Cans" typeface="Euphemia"/>
+        <a:font script="Cher" typeface="Plantagenet Cherokee"/>
+        <a:font script="Yiii" typeface="Microsoft Yi Baiti"/>
+        <a:font script="Tibt" typeface="Microsoft Himalaya"/>
+        <a:font script="Thaa" typeface="MV Boli"/>
+        <a:font script="Deva" typeface="Mangal"/>
+        <a:font script="Telu" typeface="Gautami"/>
+        <a:font script="Taml" typeface="Latha"/>
+        <a:font script="Syrc" typeface="Estrangelo Edessa"/>
+        <a:font script="Orya" typeface="Kalinga"/>
+        <a:font script="Mlym" typeface="Kartika"/>
+        <a:font script="Laoo" typeface="DokChampa"/>
+        <a:font script="Sinh" typeface="Iskoola Pota"/>
+        <a:font script="Mong" typeface="Mongolian Baiti"/>
         <a:font script="Viet" typeface="Arial"/>
         <a:font script="Uigh" typeface="Microsoft Uighur"/>
+        <a:font script="Geor" typeface="Sylfaen"/>
       </a:minorFont>
     </a:fontScheme>
-    <a:fmtScheme name="Стандартная">
+    <a:fmtScheme name="Грань">
       <a:fillStyleLst>
         <a:solidFill>
           <a:schemeClr val="phClr"/>
@@ -3750,66 +8193,50 @@
           <a:gsLst>
             <a:gs pos="0">
               <a:schemeClr val="phClr">
-                <a:tint val="50000"/>
-                <a:satMod val="300000"/>
+                <a:tint val="65000"/>
+                <a:lumMod val="110000"/>
               </a:schemeClr>
             </a:gs>
-            <a:gs pos="35000">
+            <a:gs pos="88000">
               <a:schemeClr val="phClr">
-                <a:tint val="37000"/>
-                <a:satMod val="300000"/>
-              </a:schemeClr>
-            </a:gs>
-            <a:gs pos="100000">
-              <a:schemeClr val="phClr">
-                <a:tint val="15000"/>
-                <a:satMod val="350000"/>
+                <a:tint val="90000"/>
               </a:schemeClr>
             </a:gs>
           </a:gsLst>
-          <a:lin ang="16200000" scaled="1"/>
+          <a:lin ang="5400000" scaled="0"/>
         </a:gradFill>
         <a:gradFill rotWithShape="1">
           <a:gsLst>
             <a:gs pos="0">
               <a:schemeClr val="phClr">
-                <a:shade val="51000"/>
-                <a:satMod val="130000"/>
+                <a:tint val="96000"/>
+                <a:lumMod val="100000"/>
               </a:schemeClr>
             </a:gs>
-            <a:gs pos="80000">
-              <a:schemeClr val="phClr">
-                <a:shade val="93000"/>
-                <a:satMod val="130000"/>
-              </a:schemeClr>
-            </a:gs>
-            <a:gs pos="100000">
+            <a:gs pos="78000">
               <a:schemeClr val="phClr">
                 <a:shade val="94000"/>
-                <a:satMod val="135000"/>
+                <a:lumMod val="94000"/>
               </a:schemeClr>
             </a:gs>
           </a:gsLst>
-          <a:lin ang="16200000" scaled="0"/>
+          <a:lin ang="5400000" scaled="0"/>
         </a:gradFill>
       </a:fillStyleLst>
       <a:lnStyleLst>
-        <a:ln w="9525" cap="flat" cmpd="sng" algn="ctr">
-          <a:solidFill>
-            <a:schemeClr val="phClr">
-              <a:shade val="95000"/>
-              <a:satMod val="105000"/>
-            </a:schemeClr>
-          </a:solidFill>
-          <a:prstDash val="solid"/>
-        </a:ln>
-        <a:ln w="25400" cap="flat" cmpd="sng" algn="ctr">
+        <a:ln w="12700" cap="rnd" cmpd="sng" algn="ctr">
           <a:solidFill>
             <a:schemeClr val="phClr"/>
           </a:solidFill>
           <a:prstDash val="solid"/>
         </a:ln>
-        <a:ln w="38100" cap="flat" cmpd="sng" algn="ctr">
+        <a:ln w="19050" cap="rnd" cmpd="sng" algn="ctr">
+          <a:solidFill>
+            <a:schemeClr val="phClr"/>
+          </a:solidFill>
+          <a:prstDash val="solid"/>
+        </a:ln>
+        <a:ln w="25400" cap="rnd" cmpd="sng" algn="ctr">
           <a:solidFill>
             <a:schemeClr val="phClr"/>
           </a:solidFill>
@@ -3818,17 +8245,11 @@
       </a:lnStyleLst>
       <a:effectStyleLst>
         <a:effectStyle>
-          <a:effectLst>
-            <a:outerShdw blurRad="40000" dist="20000" dir="5400000" rotWithShape="0">
-              <a:srgbClr val="000000">
-                <a:alpha val="38000"/>
-              </a:srgbClr>
-            </a:outerShdw>
-          </a:effectLst>
+          <a:effectLst/>
         </a:effectStyle>
         <a:effectStyle>
           <a:effectLst>
-            <a:outerShdw blurRad="40000" dist="23000" dir="5400000" rotWithShape="0">
+            <a:outerShdw blurRad="38100" dist="25400" dir="5400000" rotWithShape="0">
               <a:srgbClr val="000000">
                 <a:alpha val="35000"/>
               </a:srgbClr>
@@ -3837,7 +8258,7 @@
         </a:effectStyle>
         <a:effectStyle>
           <a:effectLst>
-            <a:outerShdw blurRad="40000" dist="23000" dir="5400000" rotWithShape="0">
+            <a:outerShdw blurRad="50800" dist="38100" dir="5400000" rotWithShape="0">
               <a:srgbClr val="000000">
                 <a:alpha val="35000"/>
               </a:srgbClr>
@@ -3847,12 +8268,10 @@
             <a:camera prst="orthographicFront">
               <a:rot lat="0" lon="0" rev="0"/>
             </a:camera>
-            <a:lightRig rig="threePt" dir="t">
-              <a:rot lat="0" lon="0" rev="1200000"/>
-            </a:lightRig>
+            <a:lightRig rig="threePt" dir="tl"/>
           </a:scene3d>
-          <a:sp3d>
-            <a:bevelT w="63500" h="25400"/>
+          <a:sp3d prstMaterial="plastic">
+            <a:bevelT w="0" h="0"/>
           </a:sp3d>
         </a:effectStyle>
       </a:effectStyleLst>
@@ -3864,45 +8283,36 @@
           <a:gsLst>
             <a:gs pos="0">
               <a:schemeClr val="phClr">
-                <a:tint val="40000"/>
-                <a:satMod val="350000"/>
+                <a:tint val="90000"/>
+                <a:lumMod val="104000"/>
               </a:schemeClr>
             </a:gs>
-            <a:gs pos="40000">
+            <a:gs pos="94000">
               <a:schemeClr val="phClr">
-                <a:tint val="45000"/>
-                <a:shade val="99000"/>
-                <a:satMod val="350000"/>
-              </a:schemeClr>
-            </a:gs>
-            <a:gs pos="100000">
-              <a:schemeClr val="phClr">
-                <a:shade val="20000"/>
-                <a:satMod val="255000"/>
+                <a:shade val="96000"/>
+                <a:lumMod val="82000"/>
               </a:schemeClr>
             </a:gs>
           </a:gsLst>
-          <a:path path="circle">
-            <a:fillToRect l="50000" t="-80000" r="50000" b="180000"/>
-          </a:path>
+          <a:lin ang="5400000" scaled="0"/>
         </a:gradFill>
         <a:gradFill rotWithShape="1">
           <a:gsLst>
             <a:gs pos="0">
               <a:schemeClr val="phClr">
-                <a:tint val="80000"/>
-                <a:satMod val="300000"/>
+                <a:tint val="90000"/>
+                <a:lumMod val="110000"/>
               </a:schemeClr>
             </a:gs>
             <a:gs pos="100000">
               <a:schemeClr val="phClr">
-                <a:shade val="30000"/>
-                <a:satMod val="200000"/>
+                <a:shade val="94000"/>
+                <a:lumMod val="96000"/>
               </a:schemeClr>
             </a:gs>
           </a:gsLst>
           <a:path path="circle">
-            <a:fillToRect l="50000" t="50000" r="50000" b="50000"/>
+            <a:fillToRect l="50000" t="50000" r="100000" b="100000"/>
           </a:path>
         </a:gradFill>
       </a:bgFillStyleLst>
@@ -3910,5 +8320,10 @@
   </a:themeElements>
   <a:objectDefaults/>
   <a:extraClrSchemeLst/>
+  <a:extLst>
+    <a:ext uri="{05A4C25C-085E-4340-85A3-A5531E510DB2}">
+      <thm15:themeFamily xmlns:thm15="http://schemas.microsoft.com/office/thememl/2012/main" name="Facet" id="{C0C680CD-088A-49FC-A102-D699147F32B2}" vid="{CFBC31BA-B70F-4F30-BCAA-4F3011E16C4D}"/>
+    </a:ext>
+  </a:extLst>
 </a:theme>
 </file>